--- a/THE ADA PROJECT TEAM DELTA - DATA TRACK.pptx
+++ b/THE ADA PROJECT TEAM DELTA - DATA TRACK.pptx
@@ -1,42 +1,43 @@
 
 <file path=ppt/presentation.xml><?xml version="1.0" encoding="utf-8"?>
-<p:presentation xmlns:a="http://schemas.openxmlformats.org/drawingml/2006/main" xmlns:r="http://schemas.openxmlformats.org/officeDocument/2006/relationships" xmlns:p="http://schemas.openxmlformats.org/presentationml/2006/main" strictFirstAndLastChars="0" embedTrueTypeFonts="1" saveSubsetFonts="1" autoCompressPictures="0">
+<p:presentation xmlns:a="http://schemas.openxmlformats.org/drawingml/2006/main" xmlns:r="http://schemas.openxmlformats.org/officeDocument/2006/relationships" xmlns:mc="http://schemas.openxmlformats.org/markup-compatibility/2006" xmlns:mv="urn:schemas-microsoft-com:mac:vml" xmlns:p="http://schemas.openxmlformats.org/presentationml/2006/main" xmlns:c="http://schemas.openxmlformats.org/drawingml/2006/chart" xmlns:dgm="http://schemas.openxmlformats.org/drawingml/2006/diagram" xmlns:o="urn:schemas-microsoft-com:office:office" xmlns:v="urn:schemas-microsoft-com:vml" xmlns:pvml="urn:schemas-microsoft-com:office:powerpoint" xmlns:com="http://schemas.openxmlformats.org/drawingml/2006/compatibility" xmlns:p14="http://schemas.microsoft.com/office/powerpoint/2010/main" xmlns:p15="http://schemas.microsoft.com/office/powerpoint/2012/main" xmlns:ahyp="http://schemas.microsoft.com/office/drawing/2018/hyperlinkcolor" autoCompressPictures="0" embedTrueTypeFonts="1" strictFirstAndLastChars="0" saveSubsetFonts="1">
   <p:sldMasterIdLst>
-    <p:sldMasterId id="2147483659" r:id="rId1"/>
+    <p:sldMasterId id="2147483659" r:id="rId4"/>
   </p:sldMasterIdLst>
   <p:notesMasterIdLst>
-    <p:notesMasterId r:id="rId12"/>
+    <p:notesMasterId r:id="rId5"/>
   </p:notesMasterIdLst>
   <p:sldIdLst>
-    <p:sldId id="256" r:id="rId2"/>
-    <p:sldId id="257" r:id="rId3"/>
-    <p:sldId id="258" r:id="rId4"/>
-    <p:sldId id="259" r:id="rId5"/>
-    <p:sldId id="260" r:id="rId6"/>
-    <p:sldId id="261" r:id="rId7"/>
-    <p:sldId id="262" r:id="rId8"/>
-    <p:sldId id="263" r:id="rId9"/>
-    <p:sldId id="264" r:id="rId10"/>
-    <p:sldId id="265" r:id="rId11"/>
+    <p:sldId id="256" r:id="rId6"/>
+    <p:sldId id="257" r:id="rId7"/>
+    <p:sldId id="258" r:id="rId8"/>
+    <p:sldId id="259" r:id="rId9"/>
+    <p:sldId id="260" r:id="rId10"/>
+    <p:sldId id="261" r:id="rId11"/>
+    <p:sldId id="262" r:id="rId12"/>
+    <p:sldId id="263" r:id="rId13"/>
+    <p:sldId id="264" r:id="rId14"/>
+    <p:sldId id="265" r:id="rId15"/>
+    <p:sldId id="266" r:id="rId16"/>
   </p:sldIdLst>
-  <p:sldSz cx="9144000" cy="5143500" type="screen16x9"/>
+  <p:sldSz cy="5143500" cx="9144000"/>
   <p:notesSz cx="6858000" cy="9144000"/>
   <p:embeddedFontLst>
     <p:embeddedFont>
-      <p:font typeface="Roboto" panose="02000000000000000000" pitchFamily="2" charset="0"/>
-      <p:regular r:id="rId13"/>
-      <p:bold r:id="rId14"/>
-      <p:italic r:id="rId15"/>
-      <p:boldItalic r:id="rId16"/>
-    </p:embeddedFont>
-    <p:embeddedFont>
-      <p:font typeface="Roboto Slab" panose="020B0604020202020204" charset="0"/>
+      <p:font typeface="Roboto Slab"/>
       <p:regular r:id="rId17"/>
       <p:bold r:id="rId18"/>
     </p:embeddedFont>
+    <p:embeddedFont>
+      <p:font typeface="Roboto"/>
+      <p:regular r:id="rId19"/>
+      <p:bold r:id="rId20"/>
+      <p:italic r:id="rId21"/>
+      <p:boldItalic r:id="rId22"/>
+    </p:embeddedFont>
   </p:embeddedFontLst>
   <p:defaultTextStyle>
-    <a:defPPr marR="0" lvl="0" algn="l" rtl="0">
+    <a:defPPr lvl="0" marR="0" rtl="0" algn="l">
       <a:lnSpc>
         <a:spcPct val="100000"/>
       </a:lnSpc>
@@ -47,7 +48,7 @@
         <a:spcPts val="0"/>
       </a:spcAft>
     </a:defPPr>
-    <a:lvl1pPr marR="0" lvl="0" algn="l" rtl="0">
+    <a:lvl1pPr lvl="0" marR="0" rtl="0" algn="l">
       <a:lnSpc>
         <a:spcPct val="100000"/>
       </a:lnSpc>
@@ -61,7 +62,7 @@
         <a:srgbClr val="000000"/>
       </a:buClr>
       <a:buFont typeface="Arial"/>
-      <a:defRPr sz="1400" b="0" i="0" u="none" strike="noStrike" cap="none">
+      <a:defRPr b="0" i="0" sz="1400" u="none" cap="none" strike="noStrike">
         <a:solidFill>
           <a:srgbClr val="000000"/>
         </a:solidFill>
@@ -71,7 +72,7 @@
         <a:sym typeface="Arial"/>
       </a:defRPr>
     </a:lvl1pPr>
-    <a:lvl2pPr marR="0" lvl="1" algn="l" rtl="0">
+    <a:lvl2pPr lvl="1" marR="0" rtl="0" algn="l">
       <a:lnSpc>
         <a:spcPct val="100000"/>
       </a:lnSpc>
@@ -85,7 +86,7 @@
         <a:srgbClr val="000000"/>
       </a:buClr>
       <a:buFont typeface="Arial"/>
-      <a:defRPr sz="1400" b="0" i="0" u="none" strike="noStrike" cap="none">
+      <a:defRPr b="0" i="0" sz="1400" u="none" cap="none" strike="noStrike">
         <a:solidFill>
           <a:srgbClr val="000000"/>
         </a:solidFill>
@@ -95,7 +96,7 @@
         <a:sym typeface="Arial"/>
       </a:defRPr>
     </a:lvl2pPr>
-    <a:lvl3pPr marR="0" lvl="2" algn="l" rtl="0">
+    <a:lvl3pPr lvl="2" marR="0" rtl="0" algn="l">
       <a:lnSpc>
         <a:spcPct val="100000"/>
       </a:lnSpc>
@@ -109,7 +110,7 @@
         <a:srgbClr val="000000"/>
       </a:buClr>
       <a:buFont typeface="Arial"/>
-      <a:defRPr sz="1400" b="0" i="0" u="none" strike="noStrike" cap="none">
+      <a:defRPr b="0" i="0" sz="1400" u="none" cap="none" strike="noStrike">
         <a:solidFill>
           <a:srgbClr val="000000"/>
         </a:solidFill>
@@ -119,7 +120,7 @@
         <a:sym typeface="Arial"/>
       </a:defRPr>
     </a:lvl3pPr>
-    <a:lvl4pPr marR="0" lvl="3" algn="l" rtl="0">
+    <a:lvl4pPr lvl="3" marR="0" rtl="0" algn="l">
       <a:lnSpc>
         <a:spcPct val="100000"/>
       </a:lnSpc>
@@ -133,7 +134,7 @@
         <a:srgbClr val="000000"/>
       </a:buClr>
       <a:buFont typeface="Arial"/>
-      <a:defRPr sz="1400" b="0" i="0" u="none" strike="noStrike" cap="none">
+      <a:defRPr b="0" i="0" sz="1400" u="none" cap="none" strike="noStrike">
         <a:solidFill>
           <a:srgbClr val="000000"/>
         </a:solidFill>
@@ -143,7 +144,7 @@
         <a:sym typeface="Arial"/>
       </a:defRPr>
     </a:lvl4pPr>
-    <a:lvl5pPr marR="0" lvl="4" algn="l" rtl="0">
+    <a:lvl5pPr lvl="4" marR="0" rtl="0" algn="l">
       <a:lnSpc>
         <a:spcPct val="100000"/>
       </a:lnSpc>
@@ -157,7 +158,7 @@
         <a:srgbClr val="000000"/>
       </a:buClr>
       <a:buFont typeface="Arial"/>
-      <a:defRPr sz="1400" b="0" i="0" u="none" strike="noStrike" cap="none">
+      <a:defRPr b="0" i="0" sz="1400" u="none" cap="none" strike="noStrike">
         <a:solidFill>
           <a:srgbClr val="000000"/>
         </a:solidFill>
@@ -167,7 +168,7 @@
         <a:sym typeface="Arial"/>
       </a:defRPr>
     </a:lvl5pPr>
-    <a:lvl6pPr marR="0" lvl="5" algn="l" rtl="0">
+    <a:lvl6pPr lvl="5" marR="0" rtl="0" algn="l">
       <a:lnSpc>
         <a:spcPct val="100000"/>
       </a:lnSpc>
@@ -181,7 +182,7 @@
         <a:srgbClr val="000000"/>
       </a:buClr>
       <a:buFont typeface="Arial"/>
-      <a:defRPr sz="1400" b="0" i="0" u="none" strike="noStrike" cap="none">
+      <a:defRPr b="0" i="0" sz="1400" u="none" cap="none" strike="noStrike">
         <a:solidFill>
           <a:srgbClr val="000000"/>
         </a:solidFill>
@@ -191,7 +192,7 @@
         <a:sym typeface="Arial"/>
       </a:defRPr>
     </a:lvl6pPr>
-    <a:lvl7pPr marR="0" lvl="6" algn="l" rtl="0">
+    <a:lvl7pPr lvl="6" marR="0" rtl="0" algn="l">
       <a:lnSpc>
         <a:spcPct val="100000"/>
       </a:lnSpc>
@@ -205,7 +206,7 @@
         <a:srgbClr val="000000"/>
       </a:buClr>
       <a:buFont typeface="Arial"/>
-      <a:defRPr sz="1400" b="0" i="0" u="none" strike="noStrike" cap="none">
+      <a:defRPr b="0" i="0" sz="1400" u="none" cap="none" strike="noStrike">
         <a:solidFill>
           <a:srgbClr val="000000"/>
         </a:solidFill>
@@ -215,7 +216,7 @@
         <a:sym typeface="Arial"/>
       </a:defRPr>
     </a:lvl7pPr>
-    <a:lvl8pPr marR="0" lvl="7" algn="l" rtl="0">
+    <a:lvl8pPr lvl="7" marR="0" rtl="0" algn="l">
       <a:lnSpc>
         <a:spcPct val="100000"/>
       </a:lnSpc>
@@ -229,7 +230,7 @@
         <a:srgbClr val="000000"/>
       </a:buClr>
       <a:buFont typeface="Arial"/>
-      <a:defRPr sz="1400" b="0" i="0" u="none" strike="noStrike" cap="none">
+      <a:defRPr b="0" i="0" sz="1400" u="none" cap="none" strike="noStrike">
         <a:solidFill>
           <a:srgbClr val="000000"/>
         </a:solidFill>
@@ -239,7 +240,7 @@
         <a:sym typeface="Arial"/>
       </a:defRPr>
     </a:lvl8pPr>
-    <a:lvl9pPr marR="0" lvl="8" algn="l" rtl="0">
+    <a:lvl9pPr lvl="8" marR="0" rtl="0" algn="l">
       <a:lnSpc>
         <a:spcPct val="100000"/>
       </a:lnSpc>
@@ -253,7 +254,7 @@
         <a:srgbClr val="000000"/>
       </a:buClr>
       <a:buFont typeface="Arial"/>
-      <a:defRPr sz="1400" b="0" i="0" u="none" strike="noStrike" cap="none">
+      <a:defRPr b="0" i="0" sz="1400" u="none" cap="none" strike="noStrike">
         <a:solidFill>
           <a:srgbClr val="000000"/>
         </a:solidFill>
@@ -266,7 +267,7 @@
   </p:defaultTextStyle>
   <p:extLst>
     <p:ext uri="{EFAFB233-063F-42B5-8137-9DF3F51BA10A}">
-      <p15:sldGuideLst xmlns:p15="http://schemas.microsoft.com/office/powerpoint/2012/main">
+      <p15:sldGuideLst>
         <p15:guide id="1" orient="horz" pos="1620">
           <p15:clr>
             <a:srgbClr val="A4A3A4"/>
@@ -284,16 +285,11 @@
 </file>
 
 <file path=ppt/notesMasters/notesMaster1.xml><?xml version="1.0" encoding="utf-8"?>
-<p:notesMaster xmlns:a="http://schemas.openxmlformats.org/drawingml/2006/main" xmlns:r="http://schemas.openxmlformats.org/officeDocument/2006/relationships" xmlns:p="http://schemas.openxmlformats.org/presentationml/2006/main">
+<p:notesMaster xmlns:a="http://schemas.openxmlformats.org/drawingml/2006/main" xmlns:r="http://schemas.openxmlformats.org/officeDocument/2006/relationships" xmlns:mc="http://schemas.openxmlformats.org/markup-compatibility/2006" xmlns:mv="urn:schemas-microsoft-com:mac:vml" xmlns:p="http://schemas.openxmlformats.org/presentationml/2006/main" xmlns:c="http://schemas.openxmlformats.org/drawingml/2006/chart" xmlns:dgm="http://schemas.openxmlformats.org/drawingml/2006/diagram" xmlns:o="urn:schemas-microsoft-com:office:office" xmlns:v="urn:schemas-microsoft-com:vml" xmlns:pvml="urn:schemas-microsoft-com:office:powerpoint" xmlns:com="http://schemas.openxmlformats.org/drawingml/2006/compatibility" xmlns:p14="http://schemas.microsoft.com/office/powerpoint/2010/main" xmlns:p15="http://schemas.microsoft.com/office/powerpoint/2012/main" xmlns:ahyp="http://schemas.microsoft.com/office/drawing/2018/hyperlinkcolor">
   <p:cSld>
-    <p:bg>
-      <p:bgRef idx="1001">
-        <a:schemeClr val="bg1"/>
-      </p:bgRef>
-    </p:bg>
     <p:spTree>
       <p:nvGrpSpPr>
-        <p:cNvPr id="1" name="Shape 2"/>
+        <p:cNvPr id="2" name="Shape 2"/>
         <p:cNvGrpSpPr/>
         <p:nvPr/>
       </p:nvGrpSpPr>
@@ -308,11 +304,9 @@
       <p:sp>
         <p:nvSpPr>
           <p:cNvPr id="3" name="Google Shape;3;n"/>
-          <p:cNvSpPr>
-            <a:spLocks noGrp="1" noRot="1" noChangeAspect="1"/>
-          </p:cNvSpPr>
+          <p:cNvSpPr/>
           <p:nvPr>
-            <p:ph type="sldImg" idx="2"/>
+            <p:ph idx="2" type="sldImg"/>
           </p:nvPr>
         </p:nvSpPr>
         <p:spPr>
@@ -321,13 +315,9 @@
             <a:ext cx="6096075" cy="3429000"/>
           </a:xfrm>
           <a:custGeom>
-            <a:avLst/>
-            <a:gdLst/>
-            <a:ahLst/>
-            <a:cxnLst/>
-            <a:rect l="l" t="t" r="r" b="b"/>
+            <a:rect b="b" l="l" r="r" t="t"/>
             <a:pathLst>
-              <a:path w="120000" h="120000" extrusionOk="0">
+              <a:path extrusionOk="0" h="120000" w="120000">
                 <a:moveTo>
                   <a:pt x="0" y="0"/>
                 </a:moveTo>
@@ -345,25 +335,23 @@
             </a:pathLst>
           </a:custGeom>
           <a:noFill/>
-          <a:ln w="9525" cap="flat" cmpd="sng">
+          <a:ln cap="flat" cmpd="sng" w="9525">
             <a:solidFill>
               <a:srgbClr val="000000"/>
             </a:solidFill>
             <a:prstDash val="solid"/>
             <a:round/>
-            <a:headEnd type="none" w="sm" len="sm"/>
-            <a:tailEnd type="none" w="sm" len="sm"/>
+            <a:headEnd len="sm" w="sm" type="none"/>
+            <a:tailEnd len="sm" w="sm" type="none"/>
           </a:ln>
         </p:spPr>
       </p:sp>
       <p:sp>
         <p:nvSpPr>
           <p:cNvPr id="4" name="Google Shape;4;n"/>
-          <p:cNvSpPr txBox="1">
-            <a:spLocks noGrp="1"/>
-          </p:cNvSpPr>
+          <p:cNvSpPr txBox="1"/>
           <p:nvPr>
-            <p:ph type="body" idx="1"/>
+            <p:ph idx="1" type="body"/>
           </p:nvPr>
         </p:nvSpPr>
         <p:spPr>
@@ -380,11 +368,11 @@
           </a:ln>
         </p:spPr>
         <p:txBody>
-          <a:bodyPr spcFirstLastPara="1" wrap="square" lIns="91425" tIns="91425" rIns="91425" bIns="91425" anchor="t" anchorCtr="0">
+          <a:bodyPr anchorCtr="0" anchor="t" bIns="91425" lIns="91425" spcFirstLastPara="1" rIns="91425" wrap="square" tIns="91425">
             <a:noAutofit/>
           </a:bodyPr>
           <a:lstStyle>
-            <a:lvl1pPr marL="457200" lvl="0" indent="-298450">
+            <a:lvl1pPr indent="-298450" lvl="0" marL="457200">
               <a:spcBef>
                 <a:spcPts val="0"/>
               </a:spcBef>
@@ -395,7 +383,7 @@
               <a:buChar char="●"/>
               <a:defRPr sz="1100"/>
             </a:lvl1pPr>
-            <a:lvl2pPr marL="914400" lvl="1" indent="-298450">
+            <a:lvl2pPr indent="-298450" lvl="1" marL="914400">
               <a:spcBef>
                 <a:spcPts val="0"/>
               </a:spcBef>
@@ -406,7 +394,7 @@
               <a:buChar char="○"/>
               <a:defRPr sz="1100"/>
             </a:lvl2pPr>
-            <a:lvl3pPr marL="1371600" lvl="2" indent="-298450">
+            <a:lvl3pPr indent="-298450" lvl="2" marL="1371600">
               <a:spcBef>
                 <a:spcPts val="0"/>
               </a:spcBef>
@@ -417,7 +405,7 @@
               <a:buChar char="■"/>
               <a:defRPr sz="1100"/>
             </a:lvl3pPr>
-            <a:lvl4pPr marL="1828800" lvl="3" indent="-298450">
+            <a:lvl4pPr indent="-298450" lvl="3" marL="1828800">
               <a:spcBef>
                 <a:spcPts val="0"/>
               </a:spcBef>
@@ -428,7 +416,7 @@
               <a:buChar char="●"/>
               <a:defRPr sz="1100"/>
             </a:lvl4pPr>
-            <a:lvl5pPr marL="2286000" lvl="4" indent="-298450">
+            <a:lvl5pPr indent="-298450" lvl="4" marL="2286000">
               <a:spcBef>
                 <a:spcPts val="0"/>
               </a:spcBef>
@@ -439,7 +427,7 @@
               <a:buChar char="○"/>
               <a:defRPr sz="1100"/>
             </a:lvl5pPr>
-            <a:lvl6pPr marL="2743200" lvl="5" indent="-298450">
+            <a:lvl6pPr indent="-298450" lvl="5" marL="2743200">
               <a:spcBef>
                 <a:spcPts val="0"/>
               </a:spcBef>
@@ -450,7 +438,7 @@
               <a:buChar char="■"/>
               <a:defRPr sz="1100"/>
             </a:lvl6pPr>
-            <a:lvl7pPr marL="3200400" lvl="6" indent="-298450">
+            <a:lvl7pPr indent="-298450" lvl="6" marL="3200400">
               <a:spcBef>
                 <a:spcPts val="0"/>
               </a:spcBef>
@@ -461,7 +449,7 @@
               <a:buChar char="●"/>
               <a:defRPr sz="1100"/>
             </a:lvl7pPr>
-            <a:lvl8pPr marL="3657600" lvl="7" indent="-298450">
+            <a:lvl8pPr indent="-298450" lvl="7" marL="3657600">
               <a:spcBef>
                 <a:spcPts val="0"/>
               </a:spcBef>
@@ -472,7 +460,7 @@
               <a:buChar char="○"/>
               <a:defRPr sz="1100"/>
             </a:lvl8pPr>
-            <a:lvl9pPr marL="4114800" lvl="8" indent="-298450">
+            <a:lvl9pPr indent="-298450" lvl="8" marL="4114800">
               <a:spcBef>
                 <a:spcPts val="0"/>
               </a:spcBef>
@@ -484,16 +472,14 @@
               <a:defRPr sz="1100"/>
             </a:lvl9pPr>
           </a:lstStyle>
-          <a:p>
-            <a:endParaRPr/>
-          </a:p>
+          <a:p/>
         </p:txBody>
       </p:sp>
     </p:spTree>
   </p:cSld>
-  <p:clrMap bg1="lt1" tx1="dk1" bg2="dk2" tx2="lt2" accent1="accent1" accent2="accent2" accent3="accent3" accent4="accent4" accent5="accent5" accent6="accent6" hlink="hlink" folHlink="folHlink"/>
+  <p:clrMap accent1="accent1" accent2="accent2" accent3="accent3" accent4="accent4" accent5="accent5" accent6="accent6" bg1="lt1" bg2="dk2" tx1="dk1" tx2="lt2" folHlink="folHlink" hlink="hlink"/>
   <p:notesStyle>
-    <a:defPPr marR="0" lvl="0" algn="l" rtl="0">
+    <a:defPPr lvl="0" marR="0" rtl="0" algn="l">
       <a:lnSpc>
         <a:spcPct val="100000"/>
       </a:lnSpc>
@@ -504,7 +490,7 @@
         <a:spcPts val="0"/>
       </a:spcAft>
     </a:defPPr>
-    <a:lvl1pPr marR="0" lvl="0" algn="l" rtl="0">
+    <a:lvl1pPr lvl="0" marR="0" rtl="0" algn="l">
       <a:lnSpc>
         <a:spcPct val="100000"/>
       </a:lnSpc>
@@ -518,7 +504,7 @@
         <a:srgbClr val="000000"/>
       </a:buClr>
       <a:buFont typeface="Arial"/>
-      <a:defRPr sz="1400" b="0" i="0" u="none" strike="noStrike" cap="none">
+      <a:defRPr b="0" i="0" sz="1400" u="none" cap="none" strike="noStrike">
         <a:solidFill>
           <a:srgbClr val="000000"/>
         </a:solidFill>
@@ -528,7 +514,7 @@
         <a:sym typeface="Arial"/>
       </a:defRPr>
     </a:lvl1pPr>
-    <a:lvl2pPr marR="0" lvl="1" algn="l" rtl="0">
+    <a:lvl2pPr lvl="1" marR="0" rtl="0" algn="l">
       <a:lnSpc>
         <a:spcPct val="100000"/>
       </a:lnSpc>
@@ -542,7 +528,7 @@
         <a:srgbClr val="000000"/>
       </a:buClr>
       <a:buFont typeface="Arial"/>
-      <a:defRPr sz="1400" b="0" i="0" u="none" strike="noStrike" cap="none">
+      <a:defRPr b="0" i="0" sz="1400" u="none" cap="none" strike="noStrike">
         <a:solidFill>
           <a:srgbClr val="000000"/>
         </a:solidFill>
@@ -552,7 +538,7 @@
         <a:sym typeface="Arial"/>
       </a:defRPr>
     </a:lvl2pPr>
-    <a:lvl3pPr marR="0" lvl="2" algn="l" rtl="0">
+    <a:lvl3pPr lvl="2" marR="0" rtl="0" algn="l">
       <a:lnSpc>
         <a:spcPct val="100000"/>
       </a:lnSpc>
@@ -566,7 +552,7 @@
         <a:srgbClr val="000000"/>
       </a:buClr>
       <a:buFont typeface="Arial"/>
-      <a:defRPr sz="1400" b="0" i="0" u="none" strike="noStrike" cap="none">
+      <a:defRPr b="0" i="0" sz="1400" u="none" cap="none" strike="noStrike">
         <a:solidFill>
           <a:srgbClr val="000000"/>
         </a:solidFill>
@@ -576,7 +562,7 @@
         <a:sym typeface="Arial"/>
       </a:defRPr>
     </a:lvl3pPr>
-    <a:lvl4pPr marR="0" lvl="3" algn="l" rtl="0">
+    <a:lvl4pPr lvl="3" marR="0" rtl="0" algn="l">
       <a:lnSpc>
         <a:spcPct val="100000"/>
       </a:lnSpc>
@@ -590,7 +576,7 @@
         <a:srgbClr val="000000"/>
       </a:buClr>
       <a:buFont typeface="Arial"/>
-      <a:defRPr sz="1400" b="0" i="0" u="none" strike="noStrike" cap="none">
+      <a:defRPr b="0" i="0" sz="1400" u="none" cap="none" strike="noStrike">
         <a:solidFill>
           <a:srgbClr val="000000"/>
         </a:solidFill>
@@ -600,7 +586,7 @@
         <a:sym typeface="Arial"/>
       </a:defRPr>
     </a:lvl4pPr>
-    <a:lvl5pPr marR="0" lvl="4" algn="l" rtl="0">
+    <a:lvl5pPr lvl="4" marR="0" rtl="0" algn="l">
       <a:lnSpc>
         <a:spcPct val="100000"/>
       </a:lnSpc>
@@ -614,7 +600,7 @@
         <a:srgbClr val="000000"/>
       </a:buClr>
       <a:buFont typeface="Arial"/>
-      <a:defRPr sz="1400" b="0" i="0" u="none" strike="noStrike" cap="none">
+      <a:defRPr b="0" i="0" sz="1400" u="none" cap="none" strike="noStrike">
         <a:solidFill>
           <a:srgbClr val="000000"/>
         </a:solidFill>
@@ -624,7 +610,7 @@
         <a:sym typeface="Arial"/>
       </a:defRPr>
     </a:lvl5pPr>
-    <a:lvl6pPr marR="0" lvl="5" algn="l" rtl="0">
+    <a:lvl6pPr lvl="5" marR="0" rtl="0" algn="l">
       <a:lnSpc>
         <a:spcPct val="100000"/>
       </a:lnSpc>
@@ -638,7 +624,7 @@
         <a:srgbClr val="000000"/>
       </a:buClr>
       <a:buFont typeface="Arial"/>
-      <a:defRPr sz="1400" b="0" i="0" u="none" strike="noStrike" cap="none">
+      <a:defRPr b="0" i="0" sz="1400" u="none" cap="none" strike="noStrike">
         <a:solidFill>
           <a:srgbClr val="000000"/>
         </a:solidFill>
@@ -648,7 +634,7 @@
         <a:sym typeface="Arial"/>
       </a:defRPr>
     </a:lvl6pPr>
-    <a:lvl7pPr marR="0" lvl="6" algn="l" rtl="0">
+    <a:lvl7pPr lvl="6" marR="0" rtl="0" algn="l">
       <a:lnSpc>
         <a:spcPct val="100000"/>
       </a:lnSpc>
@@ -662,7 +648,7 @@
         <a:srgbClr val="000000"/>
       </a:buClr>
       <a:buFont typeface="Arial"/>
-      <a:defRPr sz="1400" b="0" i="0" u="none" strike="noStrike" cap="none">
+      <a:defRPr b="0" i="0" sz="1400" u="none" cap="none" strike="noStrike">
         <a:solidFill>
           <a:srgbClr val="000000"/>
         </a:solidFill>
@@ -672,7 +658,7 @@
         <a:sym typeface="Arial"/>
       </a:defRPr>
     </a:lvl7pPr>
-    <a:lvl8pPr marR="0" lvl="7" algn="l" rtl="0">
+    <a:lvl8pPr lvl="7" marR="0" rtl="0" algn="l">
       <a:lnSpc>
         <a:spcPct val="100000"/>
       </a:lnSpc>
@@ -686,7 +672,7 @@
         <a:srgbClr val="000000"/>
       </a:buClr>
       <a:buFont typeface="Arial"/>
-      <a:defRPr sz="1400" b="0" i="0" u="none" strike="noStrike" cap="none">
+      <a:defRPr b="0" i="0" sz="1400" u="none" cap="none" strike="noStrike">
         <a:solidFill>
           <a:srgbClr val="000000"/>
         </a:solidFill>
@@ -696,7 +682,7 @@
         <a:sym typeface="Arial"/>
       </a:defRPr>
     </a:lvl8pPr>
-    <a:lvl9pPr marR="0" lvl="8" algn="l" rtl="0">
+    <a:lvl9pPr lvl="8" marR="0" rtl="0" algn="l">
       <a:lnSpc>
         <a:spcPct val="100000"/>
       </a:lnSpc>
@@ -710,7 +696,7 @@
         <a:srgbClr val="000000"/>
       </a:buClr>
       <a:buFont typeface="Arial"/>
-      <a:defRPr sz="1400" b="0" i="0" u="none" strike="noStrike" cap="none">
+      <a:defRPr b="0" i="0" sz="1400" u="none" cap="none" strike="noStrike">
         <a:solidFill>
           <a:srgbClr val="000000"/>
         </a:solidFill>
@@ -725,11 +711,11 @@
 </file>
 
 <file path=ppt/notesSlides/notesSlide1.xml><?xml version="1.0" encoding="utf-8"?>
-<p:notes xmlns:a="http://schemas.openxmlformats.org/drawingml/2006/main" xmlns:r="http://schemas.openxmlformats.org/officeDocument/2006/relationships" xmlns:p="http://schemas.openxmlformats.org/presentationml/2006/main" showMasterSp="0" showMasterPhAnim="0">
+<p:notes xmlns:a="http://schemas.openxmlformats.org/drawingml/2006/main" xmlns:r="http://schemas.openxmlformats.org/officeDocument/2006/relationships" xmlns:mc="http://schemas.openxmlformats.org/markup-compatibility/2006" xmlns:mv="urn:schemas-microsoft-com:mac:vml" xmlns:p="http://schemas.openxmlformats.org/presentationml/2006/main" xmlns:c="http://schemas.openxmlformats.org/drawingml/2006/chart" xmlns:dgm="http://schemas.openxmlformats.org/drawingml/2006/diagram" xmlns:o="urn:schemas-microsoft-com:office:office" xmlns:v="urn:schemas-microsoft-com:vml" xmlns:pvml="urn:schemas-microsoft-com:office:powerpoint" xmlns:com="http://schemas.openxmlformats.org/drawingml/2006/compatibility" xmlns:p14="http://schemas.microsoft.com/office/powerpoint/2010/main" xmlns:p15="http://schemas.microsoft.com/office/powerpoint/2012/main" xmlns:ahyp="http://schemas.microsoft.com/office/drawing/2018/hyperlinkcolor" showMasterPhAnim="0" showMasterSp="0">
   <p:cSld>
     <p:spTree>
       <p:nvGrpSpPr>
-        <p:cNvPr id="1" name="Shape 59"/>
+        <p:cNvPr id="59" name="Shape 59"/>
         <p:cNvGrpSpPr/>
         <p:nvPr/>
       </p:nvGrpSpPr>
@@ -744,11 +730,9 @@
       <p:sp>
         <p:nvSpPr>
           <p:cNvPr id="60" name="Google Shape;60;p:notes"/>
-          <p:cNvSpPr>
-            <a:spLocks noGrp="1" noRot="1" noChangeAspect="1"/>
-          </p:cNvSpPr>
+          <p:cNvSpPr/>
           <p:nvPr>
-            <p:ph type="sldImg" idx="2"/>
+            <p:ph idx="2" type="sldImg"/>
           </p:nvPr>
         </p:nvSpPr>
         <p:spPr>
@@ -757,13 +741,9 @@
             <a:ext cx="6096075" cy="3429000"/>
           </a:xfrm>
           <a:custGeom>
-            <a:avLst/>
-            <a:gdLst/>
-            <a:ahLst/>
-            <a:cxnLst/>
-            <a:rect l="l" t="t" r="r" b="b"/>
+            <a:rect b="b" l="l" r="r" t="t"/>
             <a:pathLst>
-              <a:path w="120000" h="120000" extrusionOk="0">
+              <a:path extrusionOk="0" h="120000" w="120000">
                 <a:moveTo>
                   <a:pt x="0" y="0"/>
                 </a:moveTo>
@@ -785,11 +765,9 @@
       <p:sp>
         <p:nvSpPr>
           <p:cNvPr id="61" name="Google Shape;61;p:notes"/>
-          <p:cNvSpPr txBox="1">
-            <a:spLocks noGrp="1"/>
-          </p:cNvSpPr>
+          <p:cNvSpPr txBox="1"/>
           <p:nvPr>
-            <p:ph type="body" idx="1"/>
+            <p:ph idx="1" type="body"/>
           </p:nvPr>
         </p:nvSpPr>
         <p:spPr>
@@ -802,12 +780,12 @@
           </a:prstGeom>
         </p:spPr>
         <p:txBody>
-          <a:bodyPr spcFirstLastPara="1" wrap="square" lIns="91425" tIns="91425" rIns="91425" bIns="91425" anchor="t" anchorCtr="0">
+          <a:bodyPr anchorCtr="0" anchor="t" bIns="91425" lIns="91425" spcFirstLastPara="1" rIns="91425" wrap="square" tIns="91425">
             <a:noAutofit/>
           </a:bodyPr>
           <a:lstStyle/>
           <a:p>
-            <a:pPr marL="0" lvl="0" indent="0" algn="l" rtl="0">
+            <a:pPr indent="0" lvl="0" marL="0" rtl="0" algn="l">
               <a:spcBef>
                 <a:spcPts val="0"/>
               </a:spcBef>
@@ -816,6 +794,9 @@
               </a:spcAft>
               <a:buNone/>
             </a:pPr>
+            <a:r>
+              <a:t/>
+            </a:r>
             <a:endParaRPr/>
           </a:p>
         </p:txBody>
@@ -829,11 +810,11 @@
 </file>
 
 <file path=ppt/notesSlides/notesSlide10.xml><?xml version="1.0" encoding="utf-8"?>
-<p:notes xmlns:a="http://schemas.openxmlformats.org/drawingml/2006/main" xmlns:r="http://schemas.openxmlformats.org/officeDocument/2006/relationships" xmlns:p="http://schemas.openxmlformats.org/presentationml/2006/main" showMasterSp="0" showMasterPhAnim="0">
+<p:notes xmlns:a="http://schemas.openxmlformats.org/drawingml/2006/main" xmlns:r="http://schemas.openxmlformats.org/officeDocument/2006/relationships" xmlns:mc="http://schemas.openxmlformats.org/markup-compatibility/2006" xmlns:mv="urn:schemas-microsoft-com:mac:vml" xmlns:p="http://schemas.openxmlformats.org/presentationml/2006/main" xmlns:c="http://schemas.openxmlformats.org/drawingml/2006/chart" xmlns:dgm="http://schemas.openxmlformats.org/drawingml/2006/diagram" xmlns:o="urn:schemas-microsoft-com:office:office" xmlns:v="urn:schemas-microsoft-com:vml" xmlns:pvml="urn:schemas-microsoft-com:office:powerpoint" xmlns:com="http://schemas.openxmlformats.org/drawingml/2006/compatibility" xmlns:p14="http://schemas.microsoft.com/office/powerpoint/2010/main" xmlns:p15="http://schemas.microsoft.com/office/powerpoint/2012/main" xmlns:ahyp="http://schemas.microsoft.com/office/drawing/2018/hyperlinkcolor" showMasterPhAnim="0" showMasterSp="0">
   <p:cSld>
     <p:spTree>
       <p:nvGrpSpPr>
-        <p:cNvPr id="1" name="Shape 125"/>
+        <p:cNvPr id="121" name="Shape 121"/>
         <p:cNvGrpSpPr/>
         <p:nvPr/>
       </p:nvGrpSpPr>
@@ -847,12 +828,10 @@
       </p:grpSpPr>
       <p:sp>
         <p:nvSpPr>
-          <p:cNvPr id="126" name="Google Shape;126;g18a70fb9e84_0_327:notes"/>
-          <p:cNvSpPr>
-            <a:spLocks noGrp="1" noRot="1" noChangeAspect="1"/>
-          </p:cNvSpPr>
+          <p:cNvPr id="122" name="Google Shape;122;g18a70fb9e84_0_267:notes"/>
+          <p:cNvSpPr/>
           <p:nvPr>
-            <p:ph type="sldImg" idx="2"/>
+            <p:ph idx="2" type="sldImg"/>
           </p:nvPr>
         </p:nvSpPr>
         <p:spPr>
@@ -861,13 +840,9 @@
             <a:ext cx="6096000" cy="3429000"/>
           </a:xfrm>
           <a:custGeom>
-            <a:avLst/>
-            <a:gdLst/>
-            <a:ahLst/>
-            <a:cxnLst/>
-            <a:rect l="l" t="t" r="r" b="b"/>
+            <a:rect b="b" l="l" r="r" t="t"/>
             <a:pathLst>
-              <a:path w="120000" h="120000" extrusionOk="0">
+              <a:path extrusionOk="0" h="120000" w="120000">
                 <a:moveTo>
                   <a:pt x="0" y="0"/>
                 </a:moveTo>
@@ -888,12 +863,10 @@
       </p:sp>
       <p:sp>
         <p:nvSpPr>
-          <p:cNvPr id="127" name="Google Shape;127;g18a70fb9e84_0_327:notes"/>
-          <p:cNvSpPr txBox="1">
-            <a:spLocks noGrp="1"/>
-          </p:cNvSpPr>
+          <p:cNvPr id="123" name="Google Shape;123;g18a70fb9e84_0_267:notes"/>
+          <p:cNvSpPr txBox="1"/>
           <p:nvPr>
-            <p:ph type="body" idx="1"/>
+            <p:ph idx="1" type="body"/>
           </p:nvPr>
         </p:nvSpPr>
         <p:spPr>
@@ -906,12 +879,12 @@
           </a:prstGeom>
         </p:spPr>
         <p:txBody>
-          <a:bodyPr spcFirstLastPara="1" wrap="square" lIns="91425" tIns="91425" rIns="91425" bIns="91425" anchor="t" anchorCtr="0">
+          <a:bodyPr anchorCtr="0" anchor="t" bIns="91425" lIns="91425" spcFirstLastPara="1" rIns="91425" wrap="square" tIns="91425">
             <a:noAutofit/>
           </a:bodyPr>
           <a:lstStyle/>
           <a:p>
-            <a:pPr marL="0" lvl="0" indent="0" algn="l" rtl="0">
+            <a:pPr indent="0" lvl="0" marL="0" rtl="0" algn="l">
               <a:spcBef>
                 <a:spcPts val="0"/>
               </a:spcBef>
@@ -920,6 +893,108 @@
               </a:spcAft>
               <a:buNone/>
             </a:pPr>
+            <a:r>
+              <a:t/>
+            </a:r>
+            <a:endParaRPr/>
+          </a:p>
+        </p:txBody>
+      </p:sp>
+    </p:spTree>
+  </p:cSld>
+  <p:clrMapOvr>
+    <a:masterClrMapping/>
+  </p:clrMapOvr>
+</p:notes>
+</file>
+
+<file path=ppt/notesSlides/notesSlide11.xml><?xml version="1.0" encoding="utf-8"?>
+<p:notes xmlns:a="http://schemas.openxmlformats.org/drawingml/2006/main" xmlns:r="http://schemas.openxmlformats.org/officeDocument/2006/relationships" xmlns:mc="http://schemas.openxmlformats.org/markup-compatibility/2006" xmlns:mv="urn:schemas-microsoft-com:mac:vml" xmlns:p="http://schemas.openxmlformats.org/presentationml/2006/main" xmlns:c="http://schemas.openxmlformats.org/drawingml/2006/chart" xmlns:dgm="http://schemas.openxmlformats.org/drawingml/2006/diagram" xmlns:o="urn:schemas-microsoft-com:office:office" xmlns:v="urn:schemas-microsoft-com:vml" xmlns:pvml="urn:schemas-microsoft-com:office:powerpoint" xmlns:com="http://schemas.openxmlformats.org/drawingml/2006/compatibility" xmlns:p14="http://schemas.microsoft.com/office/powerpoint/2010/main" xmlns:p15="http://schemas.microsoft.com/office/powerpoint/2012/main" xmlns:ahyp="http://schemas.microsoft.com/office/drawing/2018/hyperlinkcolor" showMasterPhAnim="0" showMasterSp="0">
+  <p:cSld>
+    <p:spTree>
+      <p:nvGrpSpPr>
+        <p:cNvPr id="128" name="Shape 128"/>
+        <p:cNvGrpSpPr/>
+        <p:nvPr/>
+      </p:nvGrpSpPr>
+      <p:grpSpPr>
+        <a:xfrm>
+          <a:off x="0" y="0"/>
+          <a:ext cx="0" cy="0"/>
+          <a:chOff x="0" y="0"/>
+          <a:chExt cx="0" cy="0"/>
+        </a:xfrm>
+      </p:grpSpPr>
+      <p:sp>
+        <p:nvSpPr>
+          <p:cNvPr id="129" name="Google Shape;129;g18a70fb9e84_0_327:notes"/>
+          <p:cNvSpPr/>
+          <p:nvPr>
+            <p:ph idx="2" type="sldImg"/>
+          </p:nvPr>
+        </p:nvSpPr>
+        <p:spPr>
+          <a:xfrm>
+            <a:off x="381300" y="685800"/>
+            <a:ext cx="6096000" cy="3429000"/>
+          </a:xfrm>
+          <a:custGeom>
+            <a:rect b="b" l="l" r="r" t="t"/>
+            <a:pathLst>
+              <a:path extrusionOk="0" h="120000" w="120000">
+                <a:moveTo>
+                  <a:pt x="0" y="0"/>
+                </a:moveTo>
+                <a:lnTo>
+                  <a:pt x="120000" y="0"/>
+                </a:lnTo>
+                <a:lnTo>
+                  <a:pt x="120000" y="120000"/>
+                </a:lnTo>
+                <a:lnTo>
+                  <a:pt x="0" y="120000"/>
+                </a:lnTo>
+                <a:close/>
+              </a:path>
+            </a:pathLst>
+          </a:custGeom>
+        </p:spPr>
+      </p:sp>
+      <p:sp>
+        <p:nvSpPr>
+          <p:cNvPr id="130" name="Google Shape;130;g18a70fb9e84_0_327:notes"/>
+          <p:cNvSpPr txBox="1"/>
+          <p:nvPr>
+            <p:ph idx="1" type="body"/>
+          </p:nvPr>
+        </p:nvSpPr>
+        <p:spPr>
+          <a:xfrm>
+            <a:off x="685800" y="4343400"/>
+            <a:ext cx="5486400" cy="4114800"/>
+          </a:xfrm>
+          <a:prstGeom prst="rect">
+            <a:avLst/>
+          </a:prstGeom>
+        </p:spPr>
+        <p:txBody>
+          <a:bodyPr anchorCtr="0" anchor="t" bIns="91425" lIns="91425" spcFirstLastPara="1" rIns="91425" wrap="square" tIns="91425">
+            <a:noAutofit/>
+          </a:bodyPr>
+          <a:lstStyle/>
+          <a:p>
+            <a:pPr indent="0" lvl="0" marL="0" rtl="0" algn="l">
+              <a:spcBef>
+                <a:spcPts val="0"/>
+              </a:spcBef>
+              <a:spcAft>
+                <a:spcPts val="0"/>
+              </a:spcAft>
+              <a:buNone/>
+            </a:pPr>
+            <a:r>
+              <a:t/>
+            </a:r>
             <a:endParaRPr/>
           </a:p>
         </p:txBody>
@@ -933,11 +1008,11 @@
 </file>
 
 <file path=ppt/notesSlides/notesSlide2.xml><?xml version="1.0" encoding="utf-8"?>
-<p:notes xmlns:a="http://schemas.openxmlformats.org/drawingml/2006/main" xmlns:r="http://schemas.openxmlformats.org/officeDocument/2006/relationships" xmlns:p="http://schemas.openxmlformats.org/presentationml/2006/main" showMasterSp="0" showMasterPhAnim="0">
+<p:notes xmlns:a="http://schemas.openxmlformats.org/drawingml/2006/main" xmlns:r="http://schemas.openxmlformats.org/officeDocument/2006/relationships" xmlns:mc="http://schemas.openxmlformats.org/markup-compatibility/2006" xmlns:mv="urn:schemas-microsoft-com:mac:vml" xmlns:p="http://schemas.openxmlformats.org/presentationml/2006/main" xmlns:c="http://schemas.openxmlformats.org/drawingml/2006/chart" xmlns:dgm="http://schemas.openxmlformats.org/drawingml/2006/diagram" xmlns:o="urn:schemas-microsoft-com:office:office" xmlns:v="urn:schemas-microsoft-com:vml" xmlns:pvml="urn:schemas-microsoft-com:office:powerpoint" xmlns:com="http://schemas.openxmlformats.org/drawingml/2006/compatibility" xmlns:p14="http://schemas.microsoft.com/office/powerpoint/2010/main" xmlns:p15="http://schemas.microsoft.com/office/powerpoint/2012/main" xmlns:ahyp="http://schemas.microsoft.com/office/drawing/2018/hyperlinkcolor" showMasterPhAnim="0" showMasterSp="0">
   <p:cSld>
     <p:spTree>
       <p:nvGrpSpPr>
-        <p:cNvPr id="1" name="Shape 66"/>
+        <p:cNvPr id="66" name="Shape 66"/>
         <p:cNvGrpSpPr/>
         <p:nvPr/>
       </p:nvGrpSpPr>
@@ -952,11 +1027,9 @@
       <p:sp>
         <p:nvSpPr>
           <p:cNvPr id="67" name="Google Shape;67;g18a70fb9e84_0_56:notes"/>
-          <p:cNvSpPr>
-            <a:spLocks noGrp="1" noRot="1" noChangeAspect="1"/>
-          </p:cNvSpPr>
+          <p:cNvSpPr/>
           <p:nvPr>
-            <p:ph type="sldImg" idx="2"/>
+            <p:ph idx="2" type="sldImg"/>
           </p:nvPr>
         </p:nvSpPr>
         <p:spPr>
@@ -965,13 +1038,9 @@
             <a:ext cx="6096000" cy="3429000"/>
           </a:xfrm>
           <a:custGeom>
-            <a:avLst/>
-            <a:gdLst/>
-            <a:ahLst/>
-            <a:cxnLst/>
-            <a:rect l="l" t="t" r="r" b="b"/>
+            <a:rect b="b" l="l" r="r" t="t"/>
             <a:pathLst>
-              <a:path w="120000" h="120000" extrusionOk="0">
+              <a:path extrusionOk="0" h="120000" w="120000">
                 <a:moveTo>
                   <a:pt x="0" y="0"/>
                 </a:moveTo>
@@ -993,11 +1062,9 @@
       <p:sp>
         <p:nvSpPr>
           <p:cNvPr id="68" name="Google Shape;68;g18a70fb9e84_0_56:notes"/>
-          <p:cNvSpPr txBox="1">
-            <a:spLocks noGrp="1"/>
-          </p:cNvSpPr>
+          <p:cNvSpPr txBox="1"/>
           <p:nvPr>
-            <p:ph type="body" idx="1"/>
+            <p:ph idx="1" type="body"/>
           </p:nvPr>
         </p:nvSpPr>
         <p:spPr>
@@ -1010,12 +1077,12 @@
           </a:prstGeom>
         </p:spPr>
         <p:txBody>
-          <a:bodyPr spcFirstLastPara="1" wrap="square" lIns="91425" tIns="91425" rIns="91425" bIns="91425" anchor="t" anchorCtr="0">
+          <a:bodyPr anchorCtr="0" anchor="t" bIns="91425" lIns="91425" spcFirstLastPara="1" rIns="91425" wrap="square" tIns="91425">
             <a:noAutofit/>
           </a:bodyPr>
           <a:lstStyle/>
           <a:p>
-            <a:pPr marL="0" lvl="0" indent="0" algn="l" rtl="0">
+            <a:pPr indent="0" lvl="0" marL="0" rtl="0" algn="l">
               <a:spcBef>
                 <a:spcPts val="0"/>
               </a:spcBef>
@@ -1024,6 +1091,9 @@
               </a:spcAft>
               <a:buNone/>
             </a:pPr>
+            <a:r>
+              <a:t/>
+            </a:r>
             <a:endParaRPr/>
           </a:p>
         </p:txBody>
@@ -1037,11 +1107,11 @@
 </file>
 
 <file path=ppt/notesSlides/notesSlide3.xml><?xml version="1.0" encoding="utf-8"?>
-<p:notes xmlns:a="http://schemas.openxmlformats.org/drawingml/2006/main" xmlns:r="http://schemas.openxmlformats.org/officeDocument/2006/relationships" xmlns:p="http://schemas.openxmlformats.org/presentationml/2006/main" showMasterSp="0" showMasterPhAnim="0">
+<p:notes xmlns:a="http://schemas.openxmlformats.org/drawingml/2006/main" xmlns:r="http://schemas.openxmlformats.org/officeDocument/2006/relationships" xmlns:mc="http://schemas.openxmlformats.org/markup-compatibility/2006" xmlns:mv="urn:schemas-microsoft-com:mac:vml" xmlns:p="http://schemas.openxmlformats.org/presentationml/2006/main" xmlns:c="http://schemas.openxmlformats.org/drawingml/2006/chart" xmlns:dgm="http://schemas.openxmlformats.org/drawingml/2006/diagram" xmlns:o="urn:schemas-microsoft-com:office:office" xmlns:v="urn:schemas-microsoft-com:vml" xmlns:pvml="urn:schemas-microsoft-com:office:powerpoint" xmlns:com="http://schemas.openxmlformats.org/drawingml/2006/compatibility" xmlns:p14="http://schemas.microsoft.com/office/powerpoint/2010/main" xmlns:p15="http://schemas.microsoft.com/office/powerpoint/2012/main" xmlns:ahyp="http://schemas.microsoft.com/office/drawing/2018/hyperlinkcolor" showMasterPhAnim="0" showMasterSp="0">
   <p:cSld>
     <p:spTree>
       <p:nvGrpSpPr>
-        <p:cNvPr id="1" name="Shape 72"/>
+        <p:cNvPr id="72" name="Shape 72"/>
         <p:cNvGrpSpPr/>
         <p:nvPr/>
       </p:nvGrpSpPr>
@@ -1055,12 +1125,10 @@
       </p:grpSpPr>
       <p:sp>
         <p:nvSpPr>
-          <p:cNvPr id="73" name="Google Shape;73;g18a70fb9e84_0_65:notes"/>
-          <p:cNvSpPr>
-            <a:spLocks noGrp="1" noRot="1" noChangeAspect="1"/>
-          </p:cNvSpPr>
+          <p:cNvPr id="73" name="Google Shape;73;g18a70fb9e84_0_74:notes"/>
+          <p:cNvSpPr/>
           <p:nvPr>
-            <p:ph type="sldImg" idx="2"/>
+            <p:ph idx="2" type="sldImg"/>
           </p:nvPr>
         </p:nvSpPr>
         <p:spPr>
@@ -1069,13 +1137,9 @@
             <a:ext cx="6096000" cy="3429000"/>
           </a:xfrm>
           <a:custGeom>
-            <a:avLst/>
-            <a:gdLst/>
-            <a:ahLst/>
-            <a:cxnLst/>
-            <a:rect l="l" t="t" r="r" b="b"/>
+            <a:rect b="b" l="l" r="r" t="t"/>
             <a:pathLst>
-              <a:path w="120000" h="120000" extrusionOk="0">
+              <a:path extrusionOk="0" h="120000" w="120000">
                 <a:moveTo>
                   <a:pt x="0" y="0"/>
                 </a:moveTo>
@@ -1096,12 +1160,10 @@
       </p:sp>
       <p:sp>
         <p:nvSpPr>
-          <p:cNvPr id="74" name="Google Shape;74;g18a70fb9e84_0_65:notes"/>
-          <p:cNvSpPr txBox="1">
-            <a:spLocks noGrp="1"/>
-          </p:cNvSpPr>
+          <p:cNvPr id="74" name="Google Shape;74;g18a70fb9e84_0_74:notes"/>
+          <p:cNvSpPr txBox="1"/>
           <p:nvPr>
-            <p:ph type="body" idx="1"/>
+            <p:ph idx="1" type="body"/>
           </p:nvPr>
         </p:nvSpPr>
         <p:spPr>
@@ -1114,12 +1176,12 @@
           </a:prstGeom>
         </p:spPr>
         <p:txBody>
-          <a:bodyPr spcFirstLastPara="1" wrap="square" lIns="91425" tIns="91425" rIns="91425" bIns="91425" anchor="t" anchorCtr="0">
+          <a:bodyPr anchorCtr="0" anchor="t" bIns="91425" lIns="91425" spcFirstLastPara="1" rIns="91425" wrap="square" tIns="91425">
             <a:noAutofit/>
           </a:bodyPr>
           <a:lstStyle/>
           <a:p>
-            <a:pPr marL="0" lvl="0" indent="0" algn="l" rtl="0">
+            <a:pPr indent="0" lvl="0" marL="0" rtl="0" algn="l">
               <a:spcBef>
                 <a:spcPts val="0"/>
               </a:spcBef>
@@ -1128,6 +1190,9 @@
               </a:spcAft>
               <a:buNone/>
             </a:pPr>
+            <a:r>
+              <a:t/>
+            </a:r>
             <a:endParaRPr/>
           </a:p>
         </p:txBody>
@@ -1141,11 +1206,11 @@
 </file>
 
 <file path=ppt/notesSlides/notesSlide4.xml><?xml version="1.0" encoding="utf-8"?>
-<p:notes xmlns:a="http://schemas.openxmlformats.org/drawingml/2006/main" xmlns:r="http://schemas.openxmlformats.org/officeDocument/2006/relationships" xmlns:p="http://schemas.openxmlformats.org/presentationml/2006/main" showMasterSp="0" showMasterPhAnim="0">
+<p:notes xmlns:a="http://schemas.openxmlformats.org/drawingml/2006/main" xmlns:r="http://schemas.openxmlformats.org/officeDocument/2006/relationships" xmlns:mc="http://schemas.openxmlformats.org/markup-compatibility/2006" xmlns:mv="urn:schemas-microsoft-com:mac:vml" xmlns:p="http://schemas.openxmlformats.org/presentationml/2006/main" xmlns:c="http://schemas.openxmlformats.org/drawingml/2006/chart" xmlns:dgm="http://schemas.openxmlformats.org/drawingml/2006/diagram" xmlns:o="urn:schemas-microsoft-com:office:office" xmlns:v="urn:schemas-microsoft-com:vml" xmlns:pvml="urn:schemas-microsoft-com:office:powerpoint" xmlns:com="http://schemas.openxmlformats.org/drawingml/2006/compatibility" xmlns:p14="http://schemas.microsoft.com/office/powerpoint/2010/main" xmlns:p15="http://schemas.microsoft.com/office/powerpoint/2012/main" xmlns:ahyp="http://schemas.microsoft.com/office/drawing/2018/hyperlinkcolor" showMasterPhAnim="0" showMasterSp="0">
   <p:cSld>
     <p:spTree>
       <p:nvGrpSpPr>
-        <p:cNvPr id="1" name="Shape 78"/>
+        <p:cNvPr id="79" name="Shape 79"/>
         <p:cNvGrpSpPr/>
         <p:nvPr/>
       </p:nvGrpSpPr>
@@ -1159,12 +1224,10 @@
       </p:grpSpPr>
       <p:sp>
         <p:nvSpPr>
-          <p:cNvPr id="79" name="Google Shape;79;g18a70fb9e84_0_74:notes"/>
-          <p:cNvSpPr>
-            <a:spLocks noGrp="1" noRot="1" noChangeAspect="1"/>
-          </p:cNvSpPr>
+          <p:cNvPr id="80" name="Google Shape;80;g18a70fb9e84_0_65:notes"/>
+          <p:cNvSpPr/>
           <p:nvPr>
-            <p:ph type="sldImg" idx="2"/>
+            <p:ph idx="2" type="sldImg"/>
           </p:nvPr>
         </p:nvSpPr>
         <p:spPr>
@@ -1173,13 +1236,9 @@
             <a:ext cx="6096000" cy="3429000"/>
           </a:xfrm>
           <a:custGeom>
-            <a:avLst/>
-            <a:gdLst/>
-            <a:ahLst/>
-            <a:cxnLst/>
-            <a:rect l="l" t="t" r="r" b="b"/>
+            <a:rect b="b" l="l" r="r" t="t"/>
             <a:pathLst>
-              <a:path w="120000" h="120000" extrusionOk="0">
+              <a:path extrusionOk="0" h="120000" w="120000">
                 <a:moveTo>
                   <a:pt x="0" y="0"/>
                 </a:moveTo>
@@ -1200,12 +1259,10 @@
       </p:sp>
       <p:sp>
         <p:nvSpPr>
-          <p:cNvPr id="80" name="Google Shape;80;g18a70fb9e84_0_74:notes"/>
-          <p:cNvSpPr txBox="1">
-            <a:spLocks noGrp="1"/>
-          </p:cNvSpPr>
+          <p:cNvPr id="81" name="Google Shape;81;g18a70fb9e84_0_65:notes"/>
+          <p:cNvSpPr txBox="1"/>
           <p:nvPr>
-            <p:ph type="body" idx="1"/>
+            <p:ph idx="1" type="body"/>
           </p:nvPr>
         </p:nvSpPr>
         <p:spPr>
@@ -1218,12 +1275,12 @@
           </a:prstGeom>
         </p:spPr>
         <p:txBody>
-          <a:bodyPr spcFirstLastPara="1" wrap="square" lIns="91425" tIns="91425" rIns="91425" bIns="91425" anchor="t" anchorCtr="0">
+          <a:bodyPr anchorCtr="0" anchor="t" bIns="91425" lIns="91425" spcFirstLastPara="1" rIns="91425" wrap="square" tIns="91425">
             <a:noAutofit/>
           </a:bodyPr>
           <a:lstStyle/>
           <a:p>
-            <a:pPr marL="0" lvl="0" indent="0" algn="l" rtl="0">
+            <a:pPr indent="0" lvl="0" marL="0" rtl="0" algn="l">
               <a:spcBef>
                 <a:spcPts val="0"/>
               </a:spcBef>
@@ -1232,6 +1289,9 @@
               </a:spcAft>
               <a:buNone/>
             </a:pPr>
+            <a:r>
+              <a:t/>
+            </a:r>
             <a:endParaRPr/>
           </a:p>
         </p:txBody>
@@ -1245,11 +1305,11 @@
 </file>
 
 <file path=ppt/notesSlides/notesSlide5.xml><?xml version="1.0" encoding="utf-8"?>
-<p:notes xmlns:a="http://schemas.openxmlformats.org/drawingml/2006/main" xmlns:r="http://schemas.openxmlformats.org/officeDocument/2006/relationships" xmlns:p="http://schemas.openxmlformats.org/presentationml/2006/main" showMasterSp="0" showMasterPhAnim="0">
+<p:notes xmlns:a="http://schemas.openxmlformats.org/drawingml/2006/main" xmlns:r="http://schemas.openxmlformats.org/officeDocument/2006/relationships" xmlns:mc="http://schemas.openxmlformats.org/markup-compatibility/2006" xmlns:mv="urn:schemas-microsoft-com:mac:vml" xmlns:p="http://schemas.openxmlformats.org/presentationml/2006/main" xmlns:c="http://schemas.openxmlformats.org/drawingml/2006/chart" xmlns:dgm="http://schemas.openxmlformats.org/drawingml/2006/diagram" xmlns:o="urn:schemas-microsoft-com:office:office" xmlns:v="urn:schemas-microsoft-com:vml" xmlns:pvml="urn:schemas-microsoft-com:office:powerpoint" xmlns:com="http://schemas.openxmlformats.org/drawingml/2006/compatibility" xmlns:p14="http://schemas.microsoft.com/office/powerpoint/2010/main" xmlns:p15="http://schemas.microsoft.com/office/powerpoint/2012/main" xmlns:ahyp="http://schemas.microsoft.com/office/drawing/2018/hyperlinkcolor" showMasterPhAnim="0" showMasterSp="0">
   <p:cSld>
     <p:spTree>
       <p:nvGrpSpPr>
-        <p:cNvPr id="1" name="Shape 85"/>
+        <p:cNvPr id="85" name="Shape 85"/>
         <p:cNvGrpSpPr/>
         <p:nvPr/>
       </p:nvGrpSpPr>
@@ -1264,11 +1324,9 @@
       <p:sp>
         <p:nvSpPr>
           <p:cNvPr id="86" name="Google Shape;86;g18a70fb9e84_0_86:notes"/>
-          <p:cNvSpPr>
-            <a:spLocks noGrp="1" noRot="1" noChangeAspect="1"/>
-          </p:cNvSpPr>
+          <p:cNvSpPr/>
           <p:nvPr>
-            <p:ph type="sldImg" idx="2"/>
+            <p:ph idx="2" type="sldImg"/>
           </p:nvPr>
         </p:nvSpPr>
         <p:spPr>
@@ -1277,13 +1335,9 @@
             <a:ext cx="6096000" cy="3429000"/>
           </a:xfrm>
           <a:custGeom>
-            <a:avLst/>
-            <a:gdLst/>
-            <a:ahLst/>
-            <a:cxnLst/>
-            <a:rect l="l" t="t" r="r" b="b"/>
+            <a:rect b="b" l="l" r="r" t="t"/>
             <a:pathLst>
-              <a:path w="120000" h="120000" extrusionOk="0">
+              <a:path extrusionOk="0" h="120000" w="120000">
                 <a:moveTo>
                   <a:pt x="0" y="0"/>
                 </a:moveTo>
@@ -1305,11 +1359,9 @@
       <p:sp>
         <p:nvSpPr>
           <p:cNvPr id="87" name="Google Shape;87;g18a70fb9e84_0_86:notes"/>
-          <p:cNvSpPr txBox="1">
-            <a:spLocks noGrp="1"/>
-          </p:cNvSpPr>
+          <p:cNvSpPr txBox="1"/>
           <p:nvPr>
-            <p:ph type="body" idx="1"/>
+            <p:ph idx="1" type="body"/>
           </p:nvPr>
         </p:nvSpPr>
         <p:spPr>
@@ -1322,12 +1374,12 @@
           </a:prstGeom>
         </p:spPr>
         <p:txBody>
-          <a:bodyPr spcFirstLastPara="1" wrap="square" lIns="91425" tIns="91425" rIns="91425" bIns="91425" anchor="t" anchorCtr="0">
+          <a:bodyPr anchorCtr="0" anchor="t" bIns="91425" lIns="91425" spcFirstLastPara="1" rIns="91425" wrap="square" tIns="91425">
             <a:noAutofit/>
           </a:bodyPr>
           <a:lstStyle/>
           <a:p>
-            <a:pPr marL="0" lvl="0" indent="0" algn="l" rtl="0">
+            <a:pPr indent="0" lvl="0" marL="0" rtl="0" algn="l">
               <a:spcBef>
                 <a:spcPts val="0"/>
               </a:spcBef>
@@ -1336,6 +1388,9 @@
               </a:spcAft>
               <a:buNone/>
             </a:pPr>
+            <a:r>
+              <a:t/>
+            </a:r>
             <a:endParaRPr/>
           </a:p>
         </p:txBody>
@@ -1349,11 +1404,11 @@
 </file>
 
 <file path=ppt/notesSlides/notesSlide6.xml><?xml version="1.0" encoding="utf-8"?>
-<p:notes xmlns:a="http://schemas.openxmlformats.org/drawingml/2006/main" xmlns:r="http://schemas.openxmlformats.org/officeDocument/2006/relationships" xmlns:p="http://schemas.openxmlformats.org/presentationml/2006/main" showMasterSp="0" showMasterPhAnim="0">
+<p:notes xmlns:a="http://schemas.openxmlformats.org/drawingml/2006/main" xmlns:r="http://schemas.openxmlformats.org/officeDocument/2006/relationships" xmlns:mc="http://schemas.openxmlformats.org/markup-compatibility/2006" xmlns:mv="urn:schemas-microsoft-com:mac:vml" xmlns:p="http://schemas.openxmlformats.org/presentationml/2006/main" xmlns:c="http://schemas.openxmlformats.org/drawingml/2006/chart" xmlns:dgm="http://schemas.openxmlformats.org/drawingml/2006/diagram" xmlns:o="urn:schemas-microsoft-com:office:office" xmlns:v="urn:schemas-microsoft-com:vml" xmlns:pvml="urn:schemas-microsoft-com:office:powerpoint" xmlns:com="http://schemas.openxmlformats.org/drawingml/2006/compatibility" xmlns:p14="http://schemas.microsoft.com/office/powerpoint/2010/main" xmlns:p15="http://schemas.microsoft.com/office/powerpoint/2012/main" xmlns:ahyp="http://schemas.microsoft.com/office/drawing/2018/hyperlinkcolor" showMasterPhAnim="0" showMasterSp="0">
   <p:cSld>
     <p:spTree>
       <p:nvGrpSpPr>
-        <p:cNvPr id="1" name="Shape 93"/>
+        <p:cNvPr id="93" name="Shape 93"/>
         <p:cNvGrpSpPr/>
         <p:nvPr/>
       </p:nvGrpSpPr>
@@ -1367,12 +1422,10 @@
       </p:grpSpPr>
       <p:sp>
         <p:nvSpPr>
-          <p:cNvPr id="94" name="Google Shape;94;g18a70fb9e84_0_81:notes"/>
-          <p:cNvSpPr>
-            <a:spLocks noGrp="1" noRot="1" noChangeAspect="1"/>
-          </p:cNvSpPr>
+          <p:cNvPr id="94" name="Google Shape;94;g19020c8cf00_3_2:notes"/>
+          <p:cNvSpPr/>
           <p:nvPr>
-            <p:ph type="sldImg" idx="2"/>
+            <p:ph idx="2" type="sldImg"/>
           </p:nvPr>
         </p:nvSpPr>
         <p:spPr>
@@ -1381,13 +1434,9 @@
             <a:ext cx="6096000" cy="3429000"/>
           </a:xfrm>
           <a:custGeom>
-            <a:avLst/>
-            <a:gdLst/>
-            <a:ahLst/>
-            <a:cxnLst/>
-            <a:rect l="l" t="t" r="r" b="b"/>
+            <a:rect b="b" l="l" r="r" t="t"/>
             <a:pathLst>
-              <a:path w="120000" h="120000" extrusionOk="0">
+              <a:path extrusionOk="0" h="120000" w="120000">
                 <a:moveTo>
                   <a:pt x="0" y="0"/>
                 </a:moveTo>
@@ -1408,12 +1457,10 @@
       </p:sp>
       <p:sp>
         <p:nvSpPr>
-          <p:cNvPr id="95" name="Google Shape;95;g18a70fb9e84_0_81:notes"/>
-          <p:cNvSpPr txBox="1">
-            <a:spLocks noGrp="1"/>
-          </p:cNvSpPr>
+          <p:cNvPr id="95" name="Google Shape;95;g19020c8cf00_3_2:notes"/>
+          <p:cNvSpPr txBox="1"/>
           <p:nvPr>
-            <p:ph type="body" idx="1"/>
+            <p:ph idx="1" type="body"/>
           </p:nvPr>
         </p:nvSpPr>
         <p:spPr>
@@ -1426,12 +1473,12 @@
           </a:prstGeom>
         </p:spPr>
         <p:txBody>
-          <a:bodyPr spcFirstLastPara="1" wrap="square" lIns="91425" tIns="91425" rIns="91425" bIns="91425" anchor="t" anchorCtr="0">
+          <a:bodyPr anchorCtr="0" anchor="t" bIns="91425" lIns="91425" spcFirstLastPara="1" rIns="91425" wrap="square" tIns="91425">
             <a:noAutofit/>
           </a:bodyPr>
           <a:lstStyle/>
           <a:p>
-            <a:pPr marL="0" lvl="0" indent="0" algn="l" rtl="0">
+            <a:pPr indent="0" lvl="0" marL="0" rtl="0" algn="l">
               <a:spcBef>
                 <a:spcPts val="0"/>
               </a:spcBef>
@@ -1440,6 +1487,9 @@
               </a:spcAft>
               <a:buNone/>
             </a:pPr>
+            <a:r>
+              <a:t/>
+            </a:r>
             <a:endParaRPr/>
           </a:p>
         </p:txBody>
@@ -1453,11 +1503,11 @@
 </file>
 
 <file path=ppt/notesSlides/notesSlide7.xml><?xml version="1.0" encoding="utf-8"?>
-<p:notes xmlns:a="http://schemas.openxmlformats.org/drawingml/2006/main" xmlns:r="http://schemas.openxmlformats.org/officeDocument/2006/relationships" xmlns:p="http://schemas.openxmlformats.org/presentationml/2006/main" showMasterSp="0" showMasterPhAnim="0">
+<p:notes xmlns:a="http://schemas.openxmlformats.org/drawingml/2006/main" xmlns:r="http://schemas.openxmlformats.org/officeDocument/2006/relationships" xmlns:mc="http://schemas.openxmlformats.org/markup-compatibility/2006" xmlns:mv="urn:schemas-microsoft-com:mac:vml" xmlns:p="http://schemas.openxmlformats.org/presentationml/2006/main" xmlns:c="http://schemas.openxmlformats.org/drawingml/2006/chart" xmlns:dgm="http://schemas.openxmlformats.org/drawingml/2006/diagram" xmlns:o="urn:schemas-microsoft-com:office:office" xmlns:v="urn:schemas-microsoft-com:vml" xmlns:pvml="urn:schemas-microsoft-com:office:powerpoint" xmlns:com="http://schemas.openxmlformats.org/drawingml/2006/compatibility" xmlns:p14="http://schemas.microsoft.com/office/powerpoint/2010/main" xmlns:p15="http://schemas.microsoft.com/office/powerpoint/2012/main" xmlns:ahyp="http://schemas.microsoft.com/office/drawing/2018/hyperlinkcolor" showMasterPhAnim="0" showMasterSp="0">
   <p:cSld>
     <p:spTree>
       <p:nvGrpSpPr>
-        <p:cNvPr id="1" name="Shape 100"/>
+        <p:cNvPr id="100" name="Shape 100"/>
         <p:cNvGrpSpPr/>
         <p:nvPr/>
       </p:nvGrpSpPr>
@@ -1472,26 +1522,20 @@
       <p:sp>
         <p:nvSpPr>
           <p:cNvPr id="101" name="Google Shape;101;g18a70fb9e84_0_108:notes"/>
-          <p:cNvSpPr>
-            <a:spLocks noGrp="1" noRot="1" noChangeAspect="1"/>
-          </p:cNvSpPr>
+          <p:cNvSpPr/>
           <p:nvPr>
-            <p:ph type="sldImg" idx="2"/>
+            <p:ph idx="2" type="sldImg"/>
           </p:nvPr>
         </p:nvSpPr>
         <p:spPr>
           <a:xfrm>
-            <a:off x="381000" y="685800"/>
+            <a:off x="381300" y="685800"/>
             <a:ext cx="6096000" cy="3429000"/>
           </a:xfrm>
           <a:custGeom>
-            <a:avLst/>
-            <a:gdLst/>
-            <a:ahLst/>
-            <a:cxnLst/>
-            <a:rect l="l" t="t" r="r" b="b"/>
+            <a:rect b="b" l="l" r="r" t="t"/>
             <a:pathLst>
-              <a:path w="120000" h="120000" extrusionOk="0">
+              <a:path extrusionOk="0" h="120000" w="120000">
                 <a:moveTo>
                   <a:pt x="0" y="0"/>
                 </a:moveTo>
@@ -1513,11 +1557,9 @@
       <p:sp>
         <p:nvSpPr>
           <p:cNvPr id="102" name="Google Shape;102;g18a70fb9e84_0_108:notes"/>
-          <p:cNvSpPr txBox="1">
-            <a:spLocks noGrp="1"/>
-          </p:cNvSpPr>
+          <p:cNvSpPr txBox="1"/>
           <p:nvPr>
-            <p:ph type="body" idx="1"/>
+            <p:ph idx="1" type="body"/>
           </p:nvPr>
         </p:nvSpPr>
         <p:spPr>
@@ -1530,12 +1572,12 @@
           </a:prstGeom>
         </p:spPr>
         <p:txBody>
-          <a:bodyPr spcFirstLastPara="1" wrap="square" lIns="91425" tIns="91425" rIns="91425" bIns="91425" anchor="t" anchorCtr="0">
+          <a:bodyPr anchorCtr="0" anchor="t" bIns="91425" lIns="91425" spcFirstLastPara="1" rIns="91425" wrap="square" tIns="91425">
             <a:noAutofit/>
           </a:bodyPr>
           <a:lstStyle/>
           <a:p>
-            <a:pPr marL="0" lvl="0" indent="0" algn="l" rtl="0">
+            <a:pPr indent="0" lvl="0" marL="0" rtl="0" algn="l">
               <a:spcBef>
                 <a:spcPts val="0"/>
               </a:spcBef>
@@ -1544,6 +1586,9 @@
               </a:spcAft>
               <a:buNone/>
             </a:pPr>
+            <a:r>
+              <a:t/>
+            </a:r>
             <a:endParaRPr/>
           </a:p>
         </p:txBody>
@@ -1557,11 +1602,11 @@
 </file>
 
 <file path=ppt/notesSlides/notesSlide8.xml><?xml version="1.0" encoding="utf-8"?>
-<p:notes xmlns:a="http://schemas.openxmlformats.org/drawingml/2006/main" xmlns:r="http://schemas.openxmlformats.org/officeDocument/2006/relationships" xmlns:p="http://schemas.openxmlformats.org/presentationml/2006/main" showMasterSp="0" showMasterPhAnim="0">
+<p:notes xmlns:a="http://schemas.openxmlformats.org/drawingml/2006/main" xmlns:r="http://schemas.openxmlformats.org/officeDocument/2006/relationships" xmlns:mc="http://schemas.openxmlformats.org/markup-compatibility/2006" xmlns:mv="urn:schemas-microsoft-com:mac:vml" xmlns:p="http://schemas.openxmlformats.org/presentationml/2006/main" xmlns:c="http://schemas.openxmlformats.org/drawingml/2006/chart" xmlns:dgm="http://schemas.openxmlformats.org/drawingml/2006/diagram" xmlns:o="urn:schemas-microsoft-com:office:office" xmlns:v="urn:schemas-microsoft-com:vml" xmlns:pvml="urn:schemas-microsoft-com:office:powerpoint" xmlns:com="http://schemas.openxmlformats.org/drawingml/2006/compatibility" xmlns:p14="http://schemas.microsoft.com/office/powerpoint/2010/main" xmlns:p15="http://schemas.microsoft.com/office/powerpoint/2012/main" xmlns:ahyp="http://schemas.microsoft.com/office/drawing/2018/hyperlinkcolor" showMasterPhAnim="0" showMasterSp="0">
   <p:cSld>
     <p:spTree>
       <p:nvGrpSpPr>
-        <p:cNvPr id="1" name="Shape 111"/>
+        <p:cNvPr id="107" name="Shape 107"/>
         <p:cNvGrpSpPr/>
         <p:nvPr/>
       </p:nvGrpSpPr>
@@ -1575,12 +1620,10 @@
       </p:grpSpPr>
       <p:sp>
         <p:nvSpPr>
-          <p:cNvPr id="112" name="Google Shape;112;g18a70fb9e84_0_122:notes"/>
-          <p:cNvSpPr>
-            <a:spLocks noGrp="1" noRot="1" noChangeAspect="1"/>
-          </p:cNvSpPr>
+          <p:cNvPr id="108" name="Google Shape;108;g18a70fb9e84_0_122:notes"/>
+          <p:cNvSpPr/>
           <p:nvPr>
-            <p:ph type="sldImg" idx="2"/>
+            <p:ph idx="2" type="sldImg"/>
           </p:nvPr>
         </p:nvSpPr>
         <p:spPr>
@@ -1589,13 +1632,9 @@
             <a:ext cx="6096000" cy="3429000"/>
           </a:xfrm>
           <a:custGeom>
-            <a:avLst/>
-            <a:gdLst/>
-            <a:ahLst/>
-            <a:cxnLst/>
-            <a:rect l="l" t="t" r="r" b="b"/>
+            <a:rect b="b" l="l" r="r" t="t"/>
             <a:pathLst>
-              <a:path w="120000" h="120000" extrusionOk="0">
+              <a:path extrusionOk="0" h="120000" w="120000">
                 <a:moveTo>
                   <a:pt x="0" y="0"/>
                 </a:moveTo>
@@ -1616,12 +1655,10 @@
       </p:sp>
       <p:sp>
         <p:nvSpPr>
-          <p:cNvPr id="113" name="Google Shape;113;g18a70fb9e84_0_122:notes"/>
-          <p:cNvSpPr txBox="1">
-            <a:spLocks noGrp="1"/>
-          </p:cNvSpPr>
+          <p:cNvPr id="109" name="Google Shape;109;g18a70fb9e84_0_122:notes"/>
+          <p:cNvSpPr txBox="1"/>
           <p:nvPr>
-            <p:ph type="body" idx="1"/>
+            <p:ph idx="1" type="body"/>
           </p:nvPr>
         </p:nvSpPr>
         <p:spPr>
@@ -1634,12 +1671,12 @@
           </a:prstGeom>
         </p:spPr>
         <p:txBody>
-          <a:bodyPr spcFirstLastPara="1" wrap="square" lIns="91425" tIns="91425" rIns="91425" bIns="91425" anchor="t" anchorCtr="0">
+          <a:bodyPr anchorCtr="0" anchor="t" bIns="91425" lIns="91425" spcFirstLastPara="1" rIns="91425" wrap="square" tIns="91425">
             <a:noAutofit/>
           </a:bodyPr>
           <a:lstStyle/>
           <a:p>
-            <a:pPr marL="0" lvl="0" indent="0" algn="l" rtl="0">
+            <a:pPr indent="0" lvl="0" marL="0" rtl="0" algn="l">
               <a:spcBef>
                 <a:spcPts val="0"/>
               </a:spcBef>
@@ -1648,6 +1685,9 @@
               </a:spcAft>
               <a:buNone/>
             </a:pPr>
+            <a:r>
+              <a:t/>
+            </a:r>
             <a:endParaRPr/>
           </a:p>
         </p:txBody>
@@ -1661,11 +1701,11 @@
 </file>
 
 <file path=ppt/notesSlides/notesSlide9.xml><?xml version="1.0" encoding="utf-8"?>
-<p:notes xmlns:a="http://schemas.openxmlformats.org/drawingml/2006/main" xmlns:r="http://schemas.openxmlformats.org/officeDocument/2006/relationships" xmlns:p="http://schemas.openxmlformats.org/presentationml/2006/main" showMasterSp="0" showMasterPhAnim="0">
+<p:notes xmlns:a="http://schemas.openxmlformats.org/drawingml/2006/main" xmlns:r="http://schemas.openxmlformats.org/officeDocument/2006/relationships" xmlns:mc="http://schemas.openxmlformats.org/markup-compatibility/2006" xmlns:mv="urn:schemas-microsoft-com:mac:vml" xmlns:p="http://schemas.openxmlformats.org/presentationml/2006/main" xmlns:c="http://schemas.openxmlformats.org/drawingml/2006/chart" xmlns:dgm="http://schemas.openxmlformats.org/drawingml/2006/diagram" xmlns:o="urn:schemas-microsoft-com:office:office" xmlns:v="urn:schemas-microsoft-com:vml" xmlns:pvml="urn:schemas-microsoft-com:office:powerpoint" xmlns:com="http://schemas.openxmlformats.org/drawingml/2006/compatibility" xmlns:p14="http://schemas.microsoft.com/office/powerpoint/2010/main" xmlns:p15="http://schemas.microsoft.com/office/powerpoint/2012/main" xmlns:ahyp="http://schemas.microsoft.com/office/drawing/2018/hyperlinkcolor" showMasterPhAnim="0" showMasterSp="0">
   <p:cSld>
     <p:spTree>
       <p:nvGrpSpPr>
-        <p:cNvPr id="1" name="Shape 118"/>
+        <p:cNvPr id="115" name="Shape 115"/>
         <p:cNvGrpSpPr/>
         <p:nvPr/>
       </p:nvGrpSpPr>
@@ -1679,12 +1719,10 @@
       </p:grpSpPr>
       <p:sp>
         <p:nvSpPr>
-          <p:cNvPr id="119" name="Google Shape;119;g18a70fb9e84_0_267:notes"/>
-          <p:cNvSpPr>
-            <a:spLocks noGrp="1" noRot="1" noChangeAspect="1"/>
-          </p:cNvSpPr>
+          <p:cNvPr id="116" name="Google Shape;116;g19020c8cf00_0_1:notes"/>
+          <p:cNvSpPr/>
           <p:nvPr>
-            <p:ph type="sldImg" idx="2"/>
+            <p:ph idx="2" type="sldImg"/>
           </p:nvPr>
         </p:nvSpPr>
         <p:spPr>
@@ -1693,13 +1731,9 @@
             <a:ext cx="6096000" cy="3429000"/>
           </a:xfrm>
           <a:custGeom>
-            <a:avLst/>
-            <a:gdLst/>
-            <a:ahLst/>
-            <a:cxnLst/>
-            <a:rect l="l" t="t" r="r" b="b"/>
+            <a:rect b="b" l="l" r="r" t="t"/>
             <a:pathLst>
-              <a:path w="120000" h="120000" extrusionOk="0">
+              <a:path extrusionOk="0" h="120000" w="120000">
                 <a:moveTo>
                   <a:pt x="0" y="0"/>
                 </a:moveTo>
@@ -1720,12 +1754,10 @@
       </p:sp>
       <p:sp>
         <p:nvSpPr>
-          <p:cNvPr id="120" name="Google Shape;120;g18a70fb9e84_0_267:notes"/>
-          <p:cNvSpPr txBox="1">
-            <a:spLocks noGrp="1"/>
-          </p:cNvSpPr>
+          <p:cNvPr id="117" name="Google Shape;117;g19020c8cf00_0_1:notes"/>
+          <p:cNvSpPr txBox="1"/>
           <p:nvPr>
-            <p:ph type="body" idx="1"/>
+            <p:ph idx="1" type="body"/>
           </p:nvPr>
         </p:nvSpPr>
         <p:spPr>
@@ -1738,12 +1770,12 @@
           </a:prstGeom>
         </p:spPr>
         <p:txBody>
-          <a:bodyPr spcFirstLastPara="1" wrap="square" lIns="91425" tIns="91425" rIns="91425" bIns="91425" anchor="t" anchorCtr="0">
+          <a:bodyPr anchorCtr="0" anchor="t" bIns="91425" lIns="91425" spcFirstLastPara="1" rIns="91425" wrap="square" tIns="91425">
             <a:noAutofit/>
           </a:bodyPr>
           <a:lstStyle/>
           <a:p>
-            <a:pPr marL="0" lvl="0" indent="0" algn="l" rtl="0">
+            <a:pPr indent="0" lvl="0" marL="0" rtl="0" algn="l">
               <a:spcBef>
                 <a:spcPts val="0"/>
               </a:spcBef>
@@ -1752,6 +1784,9 @@
               </a:spcAft>
               <a:buNone/>
             </a:pPr>
+            <a:r>
+              <a:t/>
+            </a:r>
             <a:endParaRPr/>
           </a:p>
         </p:txBody>
@@ -1765,11 +1800,11 @@
 </file>
 
 <file path=ppt/slideLayouts/slideLayout1.xml><?xml version="1.0" encoding="utf-8"?>
-<p:sldLayout xmlns:a="http://schemas.openxmlformats.org/drawingml/2006/main" xmlns:r="http://schemas.openxmlformats.org/officeDocument/2006/relationships" xmlns:p="http://schemas.openxmlformats.org/presentationml/2006/main" matchingName="Title slide" type="title">
+<p:sldLayout xmlns:a="http://schemas.openxmlformats.org/drawingml/2006/main" xmlns:r="http://schemas.openxmlformats.org/officeDocument/2006/relationships" xmlns:mc="http://schemas.openxmlformats.org/markup-compatibility/2006" xmlns:mv="urn:schemas-microsoft-com:mac:vml" xmlns:p="http://schemas.openxmlformats.org/presentationml/2006/main" xmlns:c="http://schemas.openxmlformats.org/drawingml/2006/chart" xmlns:dgm="http://schemas.openxmlformats.org/drawingml/2006/diagram" xmlns:o="urn:schemas-microsoft-com:office:office" xmlns:v="urn:schemas-microsoft-com:vml" xmlns:pvml="urn:schemas-microsoft-com:office:powerpoint" xmlns:com="http://schemas.openxmlformats.org/drawingml/2006/compatibility" xmlns:p14="http://schemas.microsoft.com/office/powerpoint/2010/main" xmlns:p15="http://schemas.microsoft.com/office/powerpoint/2012/main" xmlns:ahyp="http://schemas.microsoft.com/office/drawing/2018/hyperlinkcolor" matchingName="Title slide" type="title">
   <p:cSld name="TITLE">
     <p:spTree>
       <p:nvGrpSpPr>
-        <p:cNvPr id="1" name="Shape 9"/>
+        <p:cNvPr id="9" name="Shape 9"/>
         <p:cNvGrpSpPr/>
         <p:nvPr/>
       </p:nvGrpSpPr>
@@ -1793,13 +1828,9 @@
             <a:ext cx="1081625" cy="1124950"/>
           </a:xfrm>
           <a:custGeom>
-            <a:avLst/>
-            <a:gdLst/>
-            <a:ahLst/>
-            <a:cxnLst/>
-            <a:rect l="l" t="t" r="r" b="b"/>
+            <a:rect b="b" l="l" r="r" t="t"/>
             <a:pathLst>
-              <a:path w="43265" h="44998" extrusionOk="0">
+              <a:path extrusionOk="0" h="44998" w="43265">
                 <a:moveTo>
                   <a:pt x="0" y="44998"/>
                 </a:moveTo>
@@ -1813,14 +1844,14 @@
             </a:pathLst>
           </a:custGeom>
           <a:noFill/>
-          <a:ln w="28575" cap="flat" cmpd="sng">
+          <a:ln cap="flat" cmpd="sng" w="28575">
             <a:solidFill>
               <a:schemeClr val="accent5"/>
             </a:solidFill>
             <a:prstDash val="solid"/>
             <a:miter lim="8000"/>
-            <a:headEnd type="none" w="sm" len="sm"/>
-            <a:tailEnd type="none" w="sm" len="sm"/>
+            <a:headEnd len="sm" w="sm" type="none"/>
+            <a:tailEnd len="sm" w="sm" type="none"/>
           </a:ln>
         </p:spPr>
       </p:sp>
@@ -1836,13 +1867,9 @@
             <a:ext cx="1081625" cy="1124950"/>
           </a:xfrm>
           <a:custGeom>
-            <a:avLst/>
-            <a:gdLst/>
-            <a:ahLst/>
-            <a:cxnLst/>
-            <a:rect l="l" t="t" r="r" b="b"/>
+            <a:rect b="b" l="l" r="r" t="t"/>
             <a:pathLst>
-              <a:path w="43265" h="44998" extrusionOk="0">
+              <a:path extrusionOk="0" h="44998" w="43265">
                 <a:moveTo>
                   <a:pt x="0" y="44998"/>
                 </a:moveTo>
@@ -1856,14 +1883,14 @@
             </a:pathLst>
           </a:custGeom>
           <a:noFill/>
-          <a:ln w="28575" cap="flat" cmpd="sng">
+          <a:ln cap="flat" cmpd="sng" w="28575">
             <a:solidFill>
               <a:schemeClr val="accent5"/>
             </a:solidFill>
             <a:prstDash val="solid"/>
             <a:miter lim="8000"/>
-            <a:headEnd type="none" w="sm" len="sm"/>
-            <a:tailEnd type="none" w="sm" len="sm"/>
+            <a:headEnd len="sm" w="sm" type="none"/>
+            <a:tailEnd len="sm" w="sm" type="none"/>
           </a:ln>
         </p:spPr>
       </p:sp>
@@ -1882,23 +1909,21 @@
             <a:avLst/>
           </a:prstGeom>
           <a:noFill/>
-          <a:ln w="38100" cap="flat" cmpd="sng">
+          <a:ln cap="flat" cmpd="sng" w="38100">
             <a:solidFill>
               <a:schemeClr val="accent4"/>
             </a:solidFill>
             <a:prstDash val="solid"/>
             <a:round/>
-            <a:headEnd type="none" w="sm" len="sm"/>
-            <a:tailEnd type="none" w="sm" len="sm"/>
+            <a:headEnd len="sm" w="sm" type="none"/>
+            <a:tailEnd len="sm" w="sm" type="none"/>
           </a:ln>
         </p:spPr>
       </p:cxnSp>
       <p:sp>
         <p:nvSpPr>
           <p:cNvPr id="13" name="Google Shape;13;p2"/>
-          <p:cNvSpPr txBox="1">
-            <a:spLocks noGrp="1"/>
-          </p:cNvSpPr>
+          <p:cNvSpPr txBox="1"/>
           <p:nvPr>
             <p:ph type="ctrTitle"/>
           </p:nvPr>
@@ -1913,11 +1938,11 @@
           </a:prstGeom>
         </p:spPr>
         <p:txBody>
-          <a:bodyPr spcFirstLastPara="1" wrap="square" lIns="91425" tIns="91425" rIns="91425" bIns="91425" anchor="b" anchorCtr="0">
+          <a:bodyPr anchorCtr="0" anchor="b" bIns="91425" lIns="91425" spcFirstLastPara="1" rIns="91425" wrap="square" tIns="91425">
             <a:normAutofit/>
           </a:bodyPr>
           <a:lstStyle>
-            <a:lvl1pPr lvl="0" algn="ctr" rtl="0">
+            <a:lvl1pPr lvl="0" rtl="0" algn="ctr">
               <a:spcBef>
                 <a:spcPts val="0"/>
               </a:spcBef>
@@ -1928,7 +1953,7 @@
               <a:buNone/>
               <a:defRPr sz="4000"/>
             </a:lvl1pPr>
-            <a:lvl2pPr lvl="1" algn="ctr" rtl="0">
+            <a:lvl2pPr lvl="1" rtl="0" algn="ctr">
               <a:spcBef>
                 <a:spcPts val="0"/>
               </a:spcBef>
@@ -1939,7 +1964,7 @@
               <a:buNone/>
               <a:defRPr sz="4000"/>
             </a:lvl2pPr>
-            <a:lvl3pPr lvl="2" algn="ctr" rtl="0">
+            <a:lvl3pPr lvl="2" rtl="0" algn="ctr">
               <a:spcBef>
                 <a:spcPts val="0"/>
               </a:spcBef>
@@ -1950,7 +1975,7 @@
               <a:buNone/>
               <a:defRPr sz="4000"/>
             </a:lvl3pPr>
-            <a:lvl4pPr lvl="3" algn="ctr" rtl="0">
+            <a:lvl4pPr lvl="3" rtl="0" algn="ctr">
               <a:spcBef>
                 <a:spcPts val="0"/>
               </a:spcBef>
@@ -1961,7 +1986,7 @@
               <a:buNone/>
               <a:defRPr sz="4000"/>
             </a:lvl4pPr>
-            <a:lvl5pPr lvl="4" algn="ctr" rtl="0">
+            <a:lvl5pPr lvl="4" rtl="0" algn="ctr">
               <a:spcBef>
                 <a:spcPts val="0"/>
               </a:spcBef>
@@ -1972,7 +1997,7 @@
               <a:buNone/>
               <a:defRPr sz="4000"/>
             </a:lvl5pPr>
-            <a:lvl6pPr lvl="5" algn="ctr" rtl="0">
+            <a:lvl6pPr lvl="5" rtl="0" algn="ctr">
               <a:spcBef>
                 <a:spcPts val="0"/>
               </a:spcBef>
@@ -1983,7 +2008,7 @@
               <a:buNone/>
               <a:defRPr sz="4000"/>
             </a:lvl6pPr>
-            <a:lvl7pPr lvl="6" algn="ctr" rtl="0">
+            <a:lvl7pPr lvl="6" rtl="0" algn="ctr">
               <a:spcBef>
                 <a:spcPts val="0"/>
               </a:spcBef>
@@ -1994,7 +2019,7 @@
               <a:buNone/>
               <a:defRPr sz="4000"/>
             </a:lvl7pPr>
-            <a:lvl8pPr lvl="7" algn="ctr" rtl="0">
+            <a:lvl8pPr lvl="7" rtl="0" algn="ctr">
               <a:spcBef>
                 <a:spcPts val="0"/>
               </a:spcBef>
@@ -2005,7 +2030,7 @@
               <a:buNone/>
               <a:defRPr sz="4000"/>
             </a:lvl8pPr>
-            <a:lvl9pPr lvl="8" algn="ctr" rtl="0">
+            <a:lvl9pPr lvl="8" rtl="0" algn="ctr">
               <a:spcBef>
                 <a:spcPts val="0"/>
               </a:spcBef>
@@ -2017,19 +2042,15 @@
               <a:defRPr sz="4000"/>
             </a:lvl9pPr>
           </a:lstStyle>
-          <a:p>
-            <a:endParaRPr/>
-          </a:p>
+          <a:p/>
         </p:txBody>
       </p:sp>
       <p:sp>
         <p:nvSpPr>
           <p:cNvPr id="14" name="Google Shape;14;p2"/>
-          <p:cNvSpPr txBox="1">
-            <a:spLocks noGrp="1"/>
-          </p:cNvSpPr>
+          <p:cNvSpPr txBox="1"/>
           <p:nvPr>
-            <p:ph type="subTitle" idx="1"/>
+            <p:ph idx="1" type="subTitle"/>
           </p:nvPr>
         </p:nvSpPr>
         <p:spPr>
@@ -2042,11 +2063,11 @@
           </a:prstGeom>
         </p:spPr>
         <p:txBody>
-          <a:bodyPr spcFirstLastPara="1" wrap="square" lIns="91425" tIns="91425" rIns="91425" bIns="91425" anchor="t" anchorCtr="0">
+          <a:bodyPr anchorCtr="0" anchor="t" bIns="91425" lIns="91425" spcFirstLastPara="1" rIns="91425" wrap="square" tIns="91425">
             <a:normAutofit/>
           </a:bodyPr>
           <a:lstStyle>
-            <a:lvl1pPr lvl="0" algn="ctr" rtl="0">
+            <a:lvl1pPr lvl="0" rtl="0" algn="ctr">
               <a:lnSpc>
                 <a:spcPct val="100000"/>
               </a:lnSpc>
@@ -2072,7 +2093,7 @@
                 <a:sym typeface="Roboto Slab"/>
               </a:defRPr>
             </a:lvl1pPr>
-            <a:lvl2pPr lvl="1" algn="ctr" rtl="0">
+            <a:lvl2pPr lvl="1" rtl="0" algn="ctr">
               <a:lnSpc>
                 <a:spcPct val="100000"/>
               </a:lnSpc>
@@ -2098,7 +2119,7 @@
                 <a:sym typeface="Roboto Slab"/>
               </a:defRPr>
             </a:lvl2pPr>
-            <a:lvl3pPr lvl="2" algn="ctr" rtl="0">
+            <a:lvl3pPr lvl="2" rtl="0" algn="ctr">
               <a:lnSpc>
                 <a:spcPct val="100000"/>
               </a:lnSpc>
@@ -2124,7 +2145,7 @@
                 <a:sym typeface="Roboto Slab"/>
               </a:defRPr>
             </a:lvl3pPr>
-            <a:lvl4pPr lvl="3" algn="ctr" rtl="0">
+            <a:lvl4pPr lvl="3" rtl="0" algn="ctr">
               <a:lnSpc>
                 <a:spcPct val="100000"/>
               </a:lnSpc>
@@ -2150,7 +2171,7 @@
                 <a:sym typeface="Roboto Slab"/>
               </a:defRPr>
             </a:lvl4pPr>
-            <a:lvl5pPr lvl="4" algn="ctr" rtl="0">
+            <a:lvl5pPr lvl="4" rtl="0" algn="ctr">
               <a:lnSpc>
                 <a:spcPct val="100000"/>
               </a:lnSpc>
@@ -2176,7 +2197,7 @@
                 <a:sym typeface="Roboto Slab"/>
               </a:defRPr>
             </a:lvl5pPr>
-            <a:lvl6pPr lvl="5" algn="ctr" rtl="0">
+            <a:lvl6pPr lvl="5" rtl="0" algn="ctr">
               <a:lnSpc>
                 <a:spcPct val="100000"/>
               </a:lnSpc>
@@ -2202,7 +2223,7 @@
                 <a:sym typeface="Roboto Slab"/>
               </a:defRPr>
             </a:lvl6pPr>
-            <a:lvl7pPr lvl="6" algn="ctr" rtl="0">
+            <a:lvl7pPr lvl="6" rtl="0" algn="ctr">
               <a:lnSpc>
                 <a:spcPct val="100000"/>
               </a:lnSpc>
@@ -2228,7 +2249,7 @@
                 <a:sym typeface="Roboto Slab"/>
               </a:defRPr>
             </a:lvl7pPr>
-            <a:lvl8pPr lvl="7" algn="ctr" rtl="0">
+            <a:lvl8pPr lvl="7" rtl="0" algn="ctr">
               <a:lnSpc>
                 <a:spcPct val="100000"/>
               </a:lnSpc>
@@ -2254,7 +2275,7 @@
                 <a:sym typeface="Roboto Slab"/>
               </a:defRPr>
             </a:lvl8pPr>
-            <a:lvl9pPr lvl="8" algn="ctr" rtl="0">
+            <a:lvl9pPr lvl="8" rtl="0" algn="ctr">
               <a:lnSpc>
                 <a:spcPct val="100000"/>
               </a:lnSpc>
@@ -2281,19 +2302,15 @@
               </a:defRPr>
             </a:lvl9pPr>
           </a:lstStyle>
-          <a:p>
-            <a:endParaRPr/>
-          </a:p>
+          <a:p/>
         </p:txBody>
       </p:sp>
       <p:sp>
         <p:nvSpPr>
           <p:cNvPr id="15" name="Google Shape;15;p2"/>
-          <p:cNvSpPr txBox="1">
-            <a:spLocks noGrp="1"/>
-          </p:cNvSpPr>
+          <p:cNvSpPr txBox="1"/>
           <p:nvPr>
-            <p:ph type="sldNum" idx="12"/>
+            <p:ph idx="12" type="sldNum"/>
           </p:nvPr>
         </p:nvSpPr>
         <p:spPr>
@@ -2306,7 +2323,7 @@
           </a:prstGeom>
         </p:spPr>
         <p:txBody>
-          <a:bodyPr spcFirstLastPara="1" wrap="square" lIns="91425" tIns="91425" rIns="91425" bIns="91425" anchor="ctr" anchorCtr="0">
+          <a:bodyPr anchorCtr="0" anchor="ctr" bIns="91425" lIns="91425" spcFirstLastPara="1" rIns="91425" wrap="square" tIns="91425">
             <a:normAutofit/>
           </a:bodyPr>
           <a:lstStyle>
@@ -2348,7 +2365,7 @@
             </a:lvl9pPr>
           </a:lstStyle>
           <a:p>
-            <a:pPr marL="0" lvl="0" indent="0" algn="r" rtl="0">
+            <a:pPr indent="0" lvl="0" marL="0" rtl="0" algn="r">
               <a:spcBef>
                 <a:spcPts val="0"/>
               </a:spcBef>
@@ -2374,11 +2391,11 @@
 </file>
 
 <file path=ppt/slideLayouts/slideLayout10.xml><?xml version="1.0" encoding="utf-8"?>
-<p:sldLayout xmlns:a="http://schemas.openxmlformats.org/drawingml/2006/main" xmlns:r="http://schemas.openxmlformats.org/officeDocument/2006/relationships" xmlns:p="http://schemas.openxmlformats.org/presentationml/2006/main" matchingName="Big number">
+<p:sldLayout xmlns:a="http://schemas.openxmlformats.org/drawingml/2006/main" xmlns:r="http://schemas.openxmlformats.org/officeDocument/2006/relationships" xmlns:mc="http://schemas.openxmlformats.org/markup-compatibility/2006" xmlns:mv="urn:schemas-microsoft-com:mac:vml" xmlns:p="http://schemas.openxmlformats.org/presentationml/2006/main" xmlns:c="http://schemas.openxmlformats.org/drawingml/2006/chart" xmlns:dgm="http://schemas.openxmlformats.org/drawingml/2006/diagram" xmlns:o="urn:schemas-microsoft-com:office:office" xmlns:v="urn:schemas-microsoft-com:vml" xmlns:pvml="urn:schemas-microsoft-com:office:powerpoint" xmlns:com="http://schemas.openxmlformats.org/drawingml/2006/compatibility" xmlns:p14="http://schemas.microsoft.com/office/powerpoint/2010/main" xmlns:p15="http://schemas.microsoft.com/office/powerpoint/2012/main" xmlns:ahyp="http://schemas.microsoft.com/office/drawing/2018/hyperlinkcolor" matchingName="Big number">
   <p:cSld name="BIG_NUMBER">
     <p:spTree>
       <p:nvGrpSpPr>
-        <p:cNvPr id="1" name="Shape 52"/>
+        <p:cNvPr id="52" name="Shape 52"/>
         <p:cNvGrpSpPr/>
         <p:nvPr/>
       </p:nvGrpSpPr>
@@ -2412,12 +2429,12 @@
           </a:ln>
         </p:spPr>
         <p:txBody>
-          <a:bodyPr spcFirstLastPara="1" wrap="square" lIns="91425" tIns="91425" rIns="91425" bIns="91425" anchor="ctr" anchorCtr="0">
+          <a:bodyPr anchorCtr="0" anchor="ctr" bIns="91425" lIns="91425" spcFirstLastPara="1" rIns="91425" wrap="square" tIns="91425">
             <a:noAutofit/>
           </a:bodyPr>
           <a:lstStyle/>
           <a:p>
-            <a:pPr marL="0" lvl="0" indent="0" algn="l" rtl="0">
+            <a:pPr indent="0" lvl="0" marL="0" rtl="0" algn="l">
               <a:spcBef>
                 <a:spcPts val="0"/>
               </a:spcBef>
@@ -2426,6 +2443,9 @@
               </a:spcAft>
               <a:buNone/>
             </a:pPr>
+            <a:r>
+              <a:t/>
+            </a:r>
             <a:endParaRPr/>
           </a:p>
         </p:txBody>
@@ -2433,11 +2453,9 @@
       <p:sp>
         <p:nvSpPr>
           <p:cNvPr id="54" name="Google Shape;54;p11"/>
-          <p:cNvSpPr txBox="1">
-            <a:spLocks noGrp="1"/>
-          </p:cNvSpPr>
+          <p:cNvSpPr txBox="1"/>
           <p:nvPr>
-            <p:ph type="title" hasCustomPrompt="1"/>
+            <p:ph hasCustomPrompt="1" type="title"/>
           </p:nvPr>
         </p:nvSpPr>
         <p:spPr>
@@ -2450,11 +2468,11 @@
           </a:prstGeom>
         </p:spPr>
         <p:txBody>
-          <a:bodyPr spcFirstLastPara="1" wrap="square" lIns="91425" tIns="91425" rIns="91425" bIns="91425" anchor="ctr" anchorCtr="0">
+          <a:bodyPr anchorCtr="0" anchor="ctr" bIns="91425" lIns="91425" spcFirstLastPara="1" rIns="91425" wrap="square" tIns="91425">
             <a:normAutofit/>
           </a:bodyPr>
           <a:lstStyle>
-            <a:lvl1pPr lvl="0" algn="ctr" rtl="0">
+            <a:lvl1pPr lvl="0" rtl="0" algn="ctr">
               <a:spcBef>
                 <a:spcPts val="0"/>
               </a:spcBef>
@@ -2472,7 +2490,7 @@
                 </a:solidFill>
               </a:defRPr>
             </a:lvl1pPr>
-            <a:lvl2pPr lvl="1" algn="ctr" rtl="0">
+            <a:lvl2pPr lvl="1" rtl="0" algn="ctr">
               <a:spcBef>
                 <a:spcPts val="0"/>
               </a:spcBef>
@@ -2490,7 +2508,7 @@
                 </a:solidFill>
               </a:defRPr>
             </a:lvl2pPr>
-            <a:lvl3pPr lvl="2" algn="ctr" rtl="0">
+            <a:lvl3pPr lvl="2" rtl="0" algn="ctr">
               <a:spcBef>
                 <a:spcPts val="0"/>
               </a:spcBef>
@@ -2508,7 +2526,7 @@
                 </a:solidFill>
               </a:defRPr>
             </a:lvl3pPr>
-            <a:lvl4pPr lvl="3" algn="ctr" rtl="0">
+            <a:lvl4pPr lvl="3" rtl="0" algn="ctr">
               <a:spcBef>
                 <a:spcPts val="0"/>
               </a:spcBef>
@@ -2526,7 +2544,7 @@
                 </a:solidFill>
               </a:defRPr>
             </a:lvl4pPr>
-            <a:lvl5pPr lvl="4" algn="ctr" rtl="0">
+            <a:lvl5pPr lvl="4" rtl="0" algn="ctr">
               <a:spcBef>
                 <a:spcPts val="0"/>
               </a:spcBef>
@@ -2544,7 +2562,7 @@
                 </a:solidFill>
               </a:defRPr>
             </a:lvl5pPr>
-            <a:lvl6pPr lvl="5" algn="ctr" rtl="0">
+            <a:lvl6pPr lvl="5" rtl="0" algn="ctr">
               <a:spcBef>
                 <a:spcPts val="0"/>
               </a:spcBef>
@@ -2562,7 +2580,7 @@
                 </a:solidFill>
               </a:defRPr>
             </a:lvl6pPr>
-            <a:lvl7pPr lvl="6" algn="ctr" rtl="0">
+            <a:lvl7pPr lvl="6" rtl="0" algn="ctr">
               <a:spcBef>
                 <a:spcPts val="0"/>
               </a:spcBef>
@@ -2580,7 +2598,7 @@
                 </a:solidFill>
               </a:defRPr>
             </a:lvl7pPr>
-            <a:lvl8pPr lvl="7" algn="ctr" rtl="0">
+            <a:lvl8pPr lvl="7" rtl="0" algn="ctr">
               <a:spcBef>
                 <a:spcPts val="0"/>
               </a:spcBef>
@@ -2598,7 +2616,7 @@
                 </a:solidFill>
               </a:defRPr>
             </a:lvl8pPr>
-            <a:lvl9pPr lvl="8" algn="ctr" rtl="0">
+            <a:lvl9pPr lvl="8" rtl="0" algn="ctr">
               <a:spcBef>
                 <a:spcPts val="0"/>
               </a:spcBef>
@@ -2627,11 +2645,9 @@
       <p:sp>
         <p:nvSpPr>
           <p:cNvPr id="55" name="Google Shape;55;p11"/>
-          <p:cNvSpPr txBox="1">
-            <a:spLocks noGrp="1"/>
-          </p:cNvSpPr>
+          <p:cNvSpPr txBox="1"/>
           <p:nvPr>
-            <p:ph type="body" idx="1"/>
+            <p:ph idx="1" type="body"/>
           </p:nvPr>
         </p:nvSpPr>
         <p:spPr>
@@ -2644,11 +2660,11 @@
           </a:prstGeom>
         </p:spPr>
         <p:txBody>
-          <a:bodyPr spcFirstLastPara="1" wrap="square" lIns="91425" tIns="91425" rIns="91425" bIns="91425" anchor="t" anchorCtr="0">
+          <a:bodyPr anchorCtr="0" anchor="t" bIns="91425" lIns="91425" spcFirstLastPara="1" rIns="91425" wrap="square" tIns="91425">
             <a:normAutofit/>
           </a:bodyPr>
           <a:lstStyle>
-            <a:lvl1pPr marL="457200" lvl="0" indent="-342900" algn="ctr" rtl="0">
+            <a:lvl1pPr indent="-342900" lvl="0" marL="457200" rtl="0" algn="ctr">
               <a:spcBef>
                 <a:spcPts val="0"/>
               </a:spcBef>
@@ -2659,7 +2675,7 @@
               <a:buChar char="●"/>
               <a:defRPr/>
             </a:lvl1pPr>
-            <a:lvl2pPr marL="914400" lvl="1" indent="-317500" algn="ctr" rtl="0">
+            <a:lvl2pPr indent="-317500" lvl="1" marL="914400" rtl="0" algn="ctr">
               <a:spcBef>
                 <a:spcPts val="0"/>
               </a:spcBef>
@@ -2670,7 +2686,7 @@
               <a:buChar char="○"/>
               <a:defRPr/>
             </a:lvl2pPr>
-            <a:lvl3pPr marL="1371600" lvl="2" indent="-317500" algn="ctr" rtl="0">
+            <a:lvl3pPr indent="-317500" lvl="2" marL="1371600" rtl="0" algn="ctr">
               <a:spcBef>
                 <a:spcPts val="0"/>
               </a:spcBef>
@@ -2681,7 +2697,7 @@
               <a:buChar char="■"/>
               <a:defRPr/>
             </a:lvl3pPr>
-            <a:lvl4pPr marL="1828800" lvl="3" indent="-317500" algn="ctr" rtl="0">
+            <a:lvl4pPr indent="-317500" lvl="3" marL="1828800" rtl="0" algn="ctr">
               <a:spcBef>
                 <a:spcPts val="0"/>
               </a:spcBef>
@@ -2692,7 +2708,7 @@
               <a:buChar char="●"/>
               <a:defRPr/>
             </a:lvl4pPr>
-            <a:lvl5pPr marL="2286000" lvl="4" indent="-317500" algn="ctr" rtl="0">
+            <a:lvl5pPr indent="-317500" lvl="4" marL="2286000" rtl="0" algn="ctr">
               <a:spcBef>
                 <a:spcPts val="0"/>
               </a:spcBef>
@@ -2703,7 +2719,7 @@
               <a:buChar char="○"/>
               <a:defRPr/>
             </a:lvl5pPr>
-            <a:lvl6pPr marL="2743200" lvl="5" indent="-317500" algn="ctr" rtl="0">
+            <a:lvl6pPr indent="-317500" lvl="5" marL="2743200" rtl="0" algn="ctr">
               <a:spcBef>
                 <a:spcPts val="0"/>
               </a:spcBef>
@@ -2714,7 +2730,7 @@
               <a:buChar char="■"/>
               <a:defRPr/>
             </a:lvl6pPr>
-            <a:lvl7pPr marL="3200400" lvl="6" indent="-317500" algn="ctr" rtl="0">
+            <a:lvl7pPr indent="-317500" lvl="6" marL="3200400" rtl="0" algn="ctr">
               <a:spcBef>
                 <a:spcPts val="0"/>
               </a:spcBef>
@@ -2725,7 +2741,7 @@
               <a:buChar char="●"/>
               <a:defRPr/>
             </a:lvl7pPr>
-            <a:lvl8pPr marL="3657600" lvl="7" indent="-317500" algn="ctr" rtl="0">
+            <a:lvl8pPr indent="-317500" lvl="7" marL="3657600" rtl="0" algn="ctr">
               <a:spcBef>
                 <a:spcPts val="0"/>
               </a:spcBef>
@@ -2736,7 +2752,7 @@
               <a:buChar char="○"/>
               <a:defRPr/>
             </a:lvl8pPr>
-            <a:lvl9pPr marL="4114800" lvl="8" indent="-317500" algn="ctr" rtl="0">
+            <a:lvl9pPr indent="-317500" lvl="8" marL="4114800" rtl="0" algn="ctr">
               <a:spcBef>
                 <a:spcPts val="0"/>
               </a:spcBef>
@@ -2748,19 +2764,15 @@
               <a:defRPr/>
             </a:lvl9pPr>
           </a:lstStyle>
-          <a:p>
-            <a:endParaRPr/>
-          </a:p>
+          <a:p/>
         </p:txBody>
       </p:sp>
       <p:sp>
         <p:nvSpPr>
           <p:cNvPr id="56" name="Google Shape;56;p11"/>
-          <p:cNvSpPr txBox="1">
-            <a:spLocks noGrp="1"/>
-          </p:cNvSpPr>
+          <p:cNvSpPr txBox="1"/>
           <p:nvPr>
-            <p:ph type="sldNum" idx="12"/>
+            <p:ph idx="12" type="sldNum"/>
           </p:nvPr>
         </p:nvSpPr>
         <p:spPr>
@@ -2773,7 +2785,7 @@
           </a:prstGeom>
         </p:spPr>
         <p:txBody>
-          <a:bodyPr spcFirstLastPara="1" wrap="square" lIns="91425" tIns="91425" rIns="91425" bIns="91425" anchor="ctr" anchorCtr="0">
+          <a:bodyPr anchorCtr="0" anchor="ctr" bIns="91425" lIns="91425" spcFirstLastPara="1" rIns="91425" wrap="square" tIns="91425">
             <a:normAutofit/>
           </a:bodyPr>
           <a:lstStyle>
@@ -2815,7 +2827,7 @@
             </a:lvl9pPr>
           </a:lstStyle>
           <a:p>
-            <a:pPr marL="0" lvl="0" indent="0" algn="r" rtl="0">
+            <a:pPr indent="0" lvl="0" marL="0" rtl="0" algn="r">
               <a:spcBef>
                 <a:spcPts val="0"/>
               </a:spcBef>
@@ -2841,11 +2853,11 @@
 </file>
 
 <file path=ppt/slideLayouts/slideLayout11.xml><?xml version="1.0" encoding="utf-8"?>
-<p:sldLayout xmlns:a="http://schemas.openxmlformats.org/drawingml/2006/main" xmlns:r="http://schemas.openxmlformats.org/officeDocument/2006/relationships" xmlns:p="http://schemas.openxmlformats.org/presentationml/2006/main" matchingName="Blank" type="blank">
+<p:sldLayout xmlns:a="http://schemas.openxmlformats.org/drawingml/2006/main" xmlns:r="http://schemas.openxmlformats.org/officeDocument/2006/relationships" xmlns:mc="http://schemas.openxmlformats.org/markup-compatibility/2006" xmlns:mv="urn:schemas-microsoft-com:mac:vml" xmlns:p="http://schemas.openxmlformats.org/presentationml/2006/main" xmlns:c="http://schemas.openxmlformats.org/drawingml/2006/chart" xmlns:dgm="http://schemas.openxmlformats.org/drawingml/2006/diagram" xmlns:o="urn:schemas-microsoft-com:office:office" xmlns:v="urn:schemas-microsoft-com:vml" xmlns:pvml="urn:schemas-microsoft-com:office:powerpoint" xmlns:com="http://schemas.openxmlformats.org/drawingml/2006/compatibility" xmlns:p14="http://schemas.microsoft.com/office/powerpoint/2010/main" xmlns:p15="http://schemas.microsoft.com/office/powerpoint/2012/main" xmlns:ahyp="http://schemas.microsoft.com/office/drawing/2018/hyperlinkcolor" matchingName="Blank" type="blank">
   <p:cSld name="BLANK">
     <p:spTree>
       <p:nvGrpSpPr>
-        <p:cNvPr id="1" name="Shape 57"/>
+        <p:cNvPr id="57" name="Shape 57"/>
         <p:cNvGrpSpPr/>
         <p:nvPr/>
       </p:nvGrpSpPr>
@@ -2860,11 +2872,9 @@
       <p:sp>
         <p:nvSpPr>
           <p:cNvPr id="58" name="Google Shape;58;p12"/>
-          <p:cNvSpPr txBox="1">
-            <a:spLocks noGrp="1"/>
-          </p:cNvSpPr>
+          <p:cNvSpPr txBox="1"/>
           <p:nvPr>
-            <p:ph type="sldNum" idx="12"/>
+            <p:ph idx="12" type="sldNum"/>
           </p:nvPr>
         </p:nvSpPr>
         <p:spPr>
@@ -2877,7 +2887,7 @@
           </a:prstGeom>
         </p:spPr>
         <p:txBody>
-          <a:bodyPr spcFirstLastPara="1" wrap="square" lIns="91425" tIns="91425" rIns="91425" bIns="91425" anchor="ctr" anchorCtr="0">
+          <a:bodyPr anchorCtr="0" anchor="ctr" bIns="91425" lIns="91425" spcFirstLastPara="1" rIns="91425" wrap="square" tIns="91425">
             <a:normAutofit/>
           </a:bodyPr>
           <a:lstStyle>
@@ -2919,7 +2929,7 @@
             </a:lvl9pPr>
           </a:lstStyle>
           <a:p>
-            <a:pPr marL="0" lvl="0" indent="0" algn="r" rtl="0">
+            <a:pPr indent="0" lvl="0" marL="0" rtl="0" algn="r">
               <a:spcBef>
                 <a:spcPts val="0"/>
               </a:spcBef>
@@ -2945,11 +2955,11 @@
 </file>
 
 <file path=ppt/slideLayouts/slideLayout2.xml><?xml version="1.0" encoding="utf-8"?>
-<p:sldLayout xmlns:a="http://schemas.openxmlformats.org/drawingml/2006/main" xmlns:r="http://schemas.openxmlformats.org/officeDocument/2006/relationships" xmlns:p="http://schemas.openxmlformats.org/presentationml/2006/main" matchingName="Section header" type="secHead">
+<p:sldLayout xmlns:a="http://schemas.openxmlformats.org/drawingml/2006/main" xmlns:r="http://schemas.openxmlformats.org/officeDocument/2006/relationships" xmlns:mc="http://schemas.openxmlformats.org/markup-compatibility/2006" xmlns:mv="urn:schemas-microsoft-com:mac:vml" xmlns:p="http://schemas.openxmlformats.org/presentationml/2006/main" xmlns:c="http://schemas.openxmlformats.org/drawingml/2006/chart" xmlns:dgm="http://schemas.openxmlformats.org/drawingml/2006/diagram" xmlns:o="urn:schemas-microsoft-com:office:office" xmlns:v="urn:schemas-microsoft-com:vml" xmlns:pvml="urn:schemas-microsoft-com:office:powerpoint" xmlns:com="http://schemas.openxmlformats.org/drawingml/2006/compatibility" xmlns:p14="http://schemas.microsoft.com/office/powerpoint/2010/main" xmlns:p15="http://schemas.microsoft.com/office/powerpoint/2012/main" xmlns:ahyp="http://schemas.microsoft.com/office/drawing/2018/hyperlinkcolor" matchingName="Section header" type="secHead">
   <p:cSld name="SECTION_HEADER">
     <p:spTree>
       <p:nvGrpSpPr>
-        <p:cNvPr id="1" name="Shape 16"/>
+        <p:cNvPr id="16" name="Shape 16"/>
         <p:cNvGrpSpPr/>
         <p:nvPr/>
       </p:nvGrpSpPr>
@@ -2976,23 +2986,21 @@
             <a:avLst/>
           </a:prstGeom>
           <a:noFill/>
-          <a:ln w="38100" cap="flat" cmpd="sng">
+          <a:ln cap="flat" cmpd="sng" w="38100">
             <a:solidFill>
               <a:schemeClr val="accent4"/>
             </a:solidFill>
             <a:prstDash val="solid"/>
             <a:round/>
-            <a:headEnd type="none" w="sm" len="sm"/>
-            <a:tailEnd type="none" w="sm" len="sm"/>
+            <a:headEnd len="sm" w="sm" type="none"/>
+            <a:tailEnd len="sm" w="sm" type="none"/>
           </a:ln>
         </p:spPr>
       </p:cxnSp>
       <p:sp>
         <p:nvSpPr>
           <p:cNvPr id="18" name="Google Shape;18;p3"/>
-          <p:cNvSpPr txBox="1">
-            <a:spLocks noGrp="1"/>
-          </p:cNvSpPr>
+          <p:cNvSpPr txBox="1"/>
           <p:nvPr>
             <p:ph type="title"/>
           </p:nvPr>
@@ -3007,11 +3015,11 @@
           </a:prstGeom>
         </p:spPr>
         <p:txBody>
-          <a:bodyPr spcFirstLastPara="1" wrap="square" lIns="91425" tIns="91425" rIns="91425" bIns="91425" anchor="b" anchorCtr="0">
+          <a:bodyPr anchorCtr="0" anchor="b" bIns="91425" lIns="91425" spcFirstLastPara="1" rIns="91425" wrap="square" tIns="91425">
             <a:normAutofit/>
           </a:bodyPr>
           <a:lstStyle>
-            <a:lvl1pPr lvl="0" algn="ctr" rtl="0">
+            <a:lvl1pPr lvl="0" rtl="0" algn="ctr">
               <a:spcBef>
                 <a:spcPts val="0"/>
               </a:spcBef>
@@ -3022,7 +3030,7 @@
               <a:buNone/>
               <a:defRPr sz="4800"/>
             </a:lvl1pPr>
-            <a:lvl2pPr lvl="1" algn="ctr" rtl="0">
+            <a:lvl2pPr lvl="1" rtl="0" algn="ctr">
               <a:spcBef>
                 <a:spcPts val="0"/>
               </a:spcBef>
@@ -3033,7 +3041,7 @@
               <a:buNone/>
               <a:defRPr sz="4800"/>
             </a:lvl2pPr>
-            <a:lvl3pPr lvl="2" algn="ctr" rtl="0">
+            <a:lvl3pPr lvl="2" rtl="0" algn="ctr">
               <a:spcBef>
                 <a:spcPts val="0"/>
               </a:spcBef>
@@ -3044,7 +3052,7 @@
               <a:buNone/>
               <a:defRPr sz="4800"/>
             </a:lvl3pPr>
-            <a:lvl4pPr lvl="3" algn="ctr" rtl="0">
+            <a:lvl4pPr lvl="3" rtl="0" algn="ctr">
               <a:spcBef>
                 <a:spcPts val="0"/>
               </a:spcBef>
@@ -3055,7 +3063,7 @@
               <a:buNone/>
               <a:defRPr sz="4800"/>
             </a:lvl4pPr>
-            <a:lvl5pPr lvl="4" algn="ctr" rtl="0">
+            <a:lvl5pPr lvl="4" rtl="0" algn="ctr">
               <a:spcBef>
                 <a:spcPts val="0"/>
               </a:spcBef>
@@ -3066,7 +3074,7 @@
               <a:buNone/>
               <a:defRPr sz="4800"/>
             </a:lvl5pPr>
-            <a:lvl6pPr lvl="5" algn="ctr" rtl="0">
+            <a:lvl6pPr lvl="5" rtl="0" algn="ctr">
               <a:spcBef>
                 <a:spcPts val="0"/>
               </a:spcBef>
@@ -3077,7 +3085,7 @@
               <a:buNone/>
               <a:defRPr sz="4800"/>
             </a:lvl6pPr>
-            <a:lvl7pPr lvl="6" algn="ctr" rtl="0">
+            <a:lvl7pPr lvl="6" rtl="0" algn="ctr">
               <a:spcBef>
                 <a:spcPts val="0"/>
               </a:spcBef>
@@ -3088,7 +3096,7 @@
               <a:buNone/>
               <a:defRPr sz="4800"/>
             </a:lvl7pPr>
-            <a:lvl8pPr lvl="7" algn="ctr" rtl="0">
+            <a:lvl8pPr lvl="7" rtl="0" algn="ctr">
               <a:spcBef>
                 <a:spcPts val="0"/>
               </a:spcBef>
@@ -3099,7 +3107,7 @@
               <a:buNone/>
               <a:defRPr sz="4800"/>
             </a:lvl8pPr>
-            <a:lvl9pPr lvl="8" algn="ctr" rtl="0">
+            <a:lvl9pPr lvl="8" rtl="0" algn="ctr">
               <a:spcBef>
                 <a:spcPts val="0"/>
               </a:spcBef>
@@ -3111,19 +3119,15 @@
               <a:defRPr sz="4800"/>
             </a:lvl9pPr>
           </a:lstStyle>
-          <a:p>
-            <a:endParaRPr/>
-          </a:p>
+          <a:p/>
         </p:txBody>
       </p:sp>
       <p:sp>
         <p:nvSpPr>
           <p:cNvPr id="19" name="Google Shape;19;p3"/>
-          <p:cNvSpPr txBox="1">
-            <a:spLocks noGrp="1"/>
-          </p:cNvSpPr>
+          <p:cNvSpPr txBox="1"/>
           <p:nvPr>
-            <p:ph type="sldNum" idx="12"/>
+            <p:ph idx="12" type="sldNum"/>
           </p:nvPr>
         </p:nvSpPr>
         <p:spPr>
@@ -3136,7 +3140,7 @@
           </a:prstGeom>
         </p:spPr>
         <p:txBody>
-          <a:bodyPr spcFirstLastPara="1" wrap="square" lIns="91425" tIns="91425" rIns="91425" bIns="91425" anchor="ctr" anchorCtr="0">
+          <a:bodyPr anchorCtr="0" anchor="ctr" bIns="91425" lIns="91425" spcFirstLastPara="1" rIns="91425" wrap="square" tIns="91425">
             <a:normAutofit/>
           </a:bodyPr>
           <a:lstStyle>
@@ -3178,7 +3182,7 @@
             </a:lvl9pPr>
           </a:lstStyle>
           <a:p>
-            <a:pPr marL="0" lvl="0" indent="0" algn="r" rtl="0">
+            <a:pPr indent="0" lvl="0" marL="0" rtl="0" algn="r">
               <a:spcBef>
                 <a:spcPts val="0"/>
               </a:spcBef>
@@ -3204,11 +3208,11 @@
 </file>
 
 <file path=ppt/slideLayouts/slideLayout3.xml><?xml version="1.0" encoding="utf-8"?>
-<p:sldLayout xmlns:a="http://schemas.openxmlformats.org/drawingml/2006/main" xmlns:r="http://schemas.openxmlformats.org/officeDocument/2006/relationships" xmlns:p="http://schemas.openxmlformats.org/presentationml/2006/main" matchingName="Title and body" type="tx">
+<p:sldLayout xmlns:a="http://schemas.openxmlformats.org/drawingml/2006/main" xmlns:r="http://schemas.openxmlformats.org/officeDocument/2006/relationships" xmlns:mc="http://schemas.openxmlformats.org/markup-compatibility/2006" xmlns:mv="urn:schemas-microsoft-com:mac:vml" xmlns:p="http://schemas.openxmlformats.org/presentationml/2006/main" xmlns:c="http://schemas.openxmlformats.org/drawingml/2006/chart" xmlns:dgm="http://schemas.openxmlformats.org/drawingml/2006/diagram" xmlns:o="urn:schemas-microsoft-com:office:office" xmlns:v="urn:schemas-microsoft-com:vml" xmlns:pvml="urn:schemas-microsoft-com:office:powerpoint" xmlns:com="http://schemas.openxmlformats.org/drawingml/2006/compatibility" xmlns:p14="http://schemas.microsoft.com/office/powerpoint/2010/main" xmlns:p15="http://schemas.microsoft.com/office/powerpoint/2012/main" xmlns:ahyp="http://schemas.microsoft.com/office/drawing/2018/hyperlinkcolor" matchingName="Title and body" type="tx">
   <p:cSld name="TITLE_AND_BODY">
     <p:spTree>
       <p:nvGrpSpPr>
-        <p:cNvPr id="1" name="Shape 20"/>
+        <p:cNvPr id="20" name="Shape 20"/>
         <p:cNvGrpSpPr/>
         <p:nvPr/>
       </p:nvGrpSpPr>
@@ -3235,23 +3239,21 @@
             <a:avLst/>
           </a:prstGeom>
           <a:noFill/>
-          <a:ln w="38100" cap="flat" cmpd="sng">
+          <a:ln cap="flat" cmpd="sng" w="38100">
             <a:solidFill>
               <a:schemeClr val="accent4"/>
             </a:solidFill>
             <a:prstDash val="solid"/>
             <a:round/>
-            <a:headEnd type="none" w="sm" len="sm"/>
-            <a:tailEnd type="none" w="sm" len="sm"/>
+            <a:headEnd len="sm" w="sm" type="none"/>
+            <a:tailEnd len="sm" w="sm" type="none"/>
           </a:ln>
         </p:spPr>
       </p:cxnSp>
       <p:sp>
         <p:nvSpPr>
           <p:cNvPr id="22" name="Google Shape;22;p4"/>
-          <p:cNvSpPr txBox="1">
-            <a:spLocks noGrp="1"/>
-          </p:cNvSpPr>
+          <p:cNvSpPr txBox="1"/>
           <p:nvPr>
             <p:ph type="title"/>
           </p:nvPr>
@@ -3266,7 +3268,7 @@
           </a:prstGeom>
         </p:spPr>
         <p:txBody>
-          <a:bodyPr spcFirstLastPara="1" wrap="square" lIns="91425" tIns="91425" rIns="91425" bIns="91425" anchor="b" anchorCtr="0">
+          <a:bodyPr anchorCtr="0" anchor="b" bIns="91425" lIns="91425" spcFirstLastPara="1" rIns="91425" wrap="square" tIns="91425">
             <a:normAutofit/>
           </a:bodyPr>
           <a:lstStyle>
@@ -3370,19 +3372,15 @@
               <a:defRPr/>
             </a:lvl9pPr>
           </a:lstStyle>
-          <a:p>
-            <a:endParaRPr/>
-          </a:p>
+          <a:p/>
         </p:txBody>
       </p:sp>
       <p:sp>
         <p:nvSpPr>
           <p:cNvPr id="23" name="Google Shape;23;p4"/>
-          <p:cNvSpPr txBox="1">
-            <a:spLocks noGrp="1"/>
-          </p:cNvSpPr>
+          <p:cNvSpPr txBox="1"/>
           <p:nvPr>
-            <p:ph type="body" idx="1"/>
+            <p:ph idx="1" type="body"/>
           </p:nvPr>
         </p:nvSpPr>
         <p:spPr>
@@ -3395,11 +3393,11 @@
           </a:prstGeom>
         </p:spPr>
         <p:txBody>
-          <a:bodyPr spcFirstLastPara="1" wrap="square" lIns="91425" tIns="91425" rIns="91425" bIns="91425" anchor="t" anchorCtr="0">
+          <a:bodyPr anchorCtr="0" anchor="t" bIns="91425" lIns="91425" spcFirstLastPara="1" rIns="91425" wrap="square" tIns="91425">
             <a:normAutofit/>
           </a:bodyPr>
           <a:lstStyle>
-            <a:lvl1pPr marL="457200" lvl="0" indent="-342900" rtl="0">
+            <a:lvl1pPr indent="-342900" lvl="0" marL="457200" rtl="0">
               <a:spcBef>
                 <a:spcPts val="0"/>
               </a:spcBef>
@@ -3410,7 +3408,7 @@
               <a:buChar char="●"/>
               <a:defRPr/>
             </a:lvl1pPr>
-            <a:lvl2pPr marL="914400" lvl="1" indent="-317500" rtl="0">
+            <a:lvl2pPr indent="-317500" lvl="1" marL="914400" rtl="0">
               <a:spcBef>
                 <a:spcPts val="0"/>
               </a:spcBef>
@@ -3421,7 +3419,7 @@
               <a:buChar char="○"/>
               <a:defRPr/>
             </a:lvl2pPr>
-            <a:lvl3pPr marL="1371600" lvl="2" indent="-317500" rtl="0">
+            <a:lvl3pPr indent="-317500" lvl="2" marL="1371600" rtl="0">
               <a:spcBef>
                 <a:spcPts val="0"/>
               </a:spcBef>
@@ -3432,7 +3430,7 @@
               <a:buChar char="■"/>
               <a:defRPr/>
             </a:lvl3pPr>
-            <a:lvl4pPr marL="1828800" lvl="3" indent="-317500" rtl="0">
+            <a:lvl4pPr indent="-317500" lvl="3" marL="1828800" rtl="0">
               <a:spcBef>
                 <a:spcPts val="0"/>
               </a:spcBef>
@@ -3443,7 +3441,7 @@
               <a:buChar char="●"/>
               <a:defRPr/>
             </a:lvl4pPr>
-            <a:lvl5pPr marL="2286000" lvl="4" indent="-317500" rtl="0">
+            <a:lvl5pPr indent="-317500" lvl="4" marL="2286000" rtl="0">
               <a:spcBef>
                 <a:spcPts val="0"/>
               </a:spcBef>
@@ -3454,7 +3452,7 @@
               <a:buChar char="○"/>
               <a:defRPr/>
             </a:lvl5pPr>
-            <a:lvl6pPr marL="2743200" lvl="5" indent="-317500" rtl="0">
+            <a:lvl6pPr indent="-317500" lvl="5" marL="2743200" rtl="0">
               <a:spcBef>
                 <a:spcPts val="0"/>
               </a:spcBef>
@@ -3465,7 +3463,7 @@
               <a:buChar char="■"/>
               <a:defRPr/>
             </a:lvl6pPr>
-            <a:lvl7pPr marL="3200400" lvl="6" indent="-317500" rtl="0">
+            <a:lvl7pPr indent="-317500" lvl="6" marL="3200400" rtl="0">
               <a:spcBef>
                 <a:spcPts val="0"/>
               </a:spcBef>
@@ -3476,7 +3474,7 @@
               <a:buChar char="●"/>
               <a:defRPr/>
             </a:lvl7pPr>
-            <a:lvl8pPr marL="3657600" lvl="7" indent="-317500" rtl="0">
+            <a:lvl8pPr indent="-317500" lvl="7" marL="3657600" rtl="0">
               <a:spcBef>
                 <a:spcPts val="0"/>
               </a:spcBef>
@@ -3487,7 +3485,7 @@
               <a:buChar char="○"/>
               <a:defRPr/>
             </a:lvl8pPr>
-            <a:lvl9pPr marL="4114800" lvl="8" indent="-317500" rtl="0">
+            <a:lvl9pPr indent="-317500" lvl="8" marL="4114800" rtl="0">
               <a:spcBef>
                 <a:spcPts val="0"/>
               </a:spcBef>
@@ -3499,19 +3497,15 @@
               <a:defRPr/>
             </a:lvl9pPr>
           </a:lstStyle>
-          <a:p>
-            <a:endParaRPr/>
-          </a:p>
+          <a:p/>
         </p:txBody>
       </p:sp>
       <p:sp>
         <p:nvSpPr>
           <p:cNvPr id="24" name="Google Shape;24;p4"/>
-          <p:cNvSpPr txBox="1">
-            <a:spLocks noGrp="1"/>
-          </p:cNvSpPr>
+          <p:cNvSpPr txBox="1"/>
           <p:nvPr>
-            <p:ph type="sldNum" idx="12"/>
+            <p:ph idx="12" type="sldNum"/>
           </p:nvPr>
         </p:nvSpPr>
         <p:spPr>
@@ -3524,7 +3518,7 @@
           </a:prstGeom>
         </p:spPr>
         <p:txBody>
-          <a:bodyPr spcFirstLastPara="1" wrap="square" lIns="91425" tIns="91425" rIns="91425" bIns="91425" anchor="ctr" anchorCtr="0">
+          <a:bodyPr anchorCtr="0" anchor="ctr" bIns="91425" lIns="91425" spcFirstLastPara="1" rIns="91425" wrap="square" tIns="91425">
             <a:normAutofit/>
           </a:bodyPr>
           <a:lstStyle>
@@ -3566,7 +3560,7 @@
             </a:lvl9pPr>
           </a:lstStyle>
           <a:p>
-            <a:pPr marL="0" lvl="0" indent="0" algn="r" rtl="0">
+            <a:pPr indent="0" lvl="0" marL="0" rtl="0" algn="r">
               <a:spcBef>
                 <a:spcPts val="0"/>
               </a:spcBef>
@@ -3592,11 +3586,11 @@
 </file>
 
 <file path=ppt/slideLayouts/slideLayout4.xml><?xml version="1.0" encoding="utf-8"?>
-<p:sldLayout xmlns:a="http://schemas.openxmlformats.org/drawingml/2006/main" xmlns:r="http://schemas.openxmlformats.org/officeDocument/2006/relationships" xmlns:p="http://schemas.openxmlformats.org/presentationml/2006/main" matchingName="Title and two columns" type="twoColTx">
+<p:sldLayout xmlns:a="http://schemas.openxmlformats.org/drawingml/2006/main" xmlns:r="http://schemas.openxmlformats.org/officeDocument/2006/relationships" xmlns:mc="http://schemas.openxmlformats.org/markup-compatibility/2006" xmlns:mv="urn:schemas-microsoft-com:mac:vml" xmlns:p="http://schemas.openxmlformats.org/presentationml/2006/main" xmlns:c="http://schemas.openxmlformats.org/drawingml/2006/chart" xmlns:dgm="http://schemas.openxmlformats.org/drawingml/2006/diagram" xmlns:o="urn:schemas-microsoft-com:office:office" xmlns:v="urn:schemas-microsoft-com:vml" xmlns:pvml="urn:schemas-microsoft-com:office:powerpoint" xmlns:com="http://schemas.openxmlformats.org/drawingml/2006/compatibility" xmlns:p14="http://schemas.microsoft.com/office/powerpoint/2010/main" xmlns:p15="http://schemas.microsoft.com/office/powerpoint/2012/main" xmlns:ahyp="http://schemas.microsoft.com/office/drawing/2018/hyperlinkcolor" matchingName="Title and two columns" type="twoColTx">
   <p:cSld name="TITLE_AND_TWO_COLUMNS">
     <p:spTree>
       <p:nvGrpSpPr>
-        <p:cNvPr id="1" name="Shape 25"/>
+        <p:cNvPr id="25" name="Shape 25"/>
         <p:cNvGrpSpPr/>
         <p:nvPr/>
       </p:nvGrpSpPr>
@@ -3623,23 +3617,21 @@
             <a:avLst/>
           </a:prstGeom>
           <a:noFill/>
-          <a:ln w="38100" cap="flat" cmpd="sng">
+          <a:ln cap="flat" cmpd="sng" w="38100">
             <a:solidFill>
               <a:schemeClr val="accent4"/>
             </a:solidFill>
             <a:prstDash val="solid"/>
             <a:round/>
-            <a:headEnd type="none" w="sm" len="sm"/>
-            <a:tailEnd type="none" w="sm" len="sm"/>
+            <a:headEnd len="sm" w="sm" type="none"/>
+            <a:tailEnd len="sm" w="sm" type="none"/>
           </a:ln>
         </p:spPr>
       </p:cxnSp>
       <p:sp>
         <p:nvSpPr>
           <p:cNvPr id="27" name="Google Shape;27;p5"/>
-          <p:cNvSpPr txBox="1">
-            <a:spLocks noGrp="1"/>
-          </p:cNvSpPr>
+          <p:cNvSpPr txBox="1"/>
           <p:nvPr>
             <p:ph type="title"/>
           </p:nvPr>
@@ -3654,7 +3646,7 @@
           </a:prstGeom>
         </p:spPr>
         <p:txBody>
-          <a:bodyPr spcFirstLastPara="1" wrap="square" lIns="91425" tIns="91425" rIns="91425" bIns="91425" anchor="b" anchorCtr="0">
+          <a:bodyPr anchorCtr="0" anchor="b" bIns="91425" lIns="91425" spcFirstLastPara="1" rIns="91425" wrap="square" tIns="91425">
             <a:normAutofit/>
           </a:bodyPr>
           <a:lstStyle>
@@ -3758,19 +3750,15 @@
               <a:defRPr/>
             </a:lvl9pPr>
           </a:lstStyle>
-          <a:p>
-            <a:endParaRPr/>
-          </a:p>
+          <a:p/>
         </p:txBody>
       </p:sp>
       <p:sp>
         <p:nvSpPr>
           <p:cNvPr id="28" name="Google Shape;28;p5"/>
-          <p:cNvSpPr txBox="1">
-            <a:spLocks noGrp="1"/>
-          </p:cNvSpPr>
+          <p:cNvSpPr txBox="1"/>
           <p:nvPr>
-            <p:ph type="body" idx="1"/>
+            <p:ph idx="1" type="body"/>
           </p:nvPr>
         </p:nvSpPr>
         <p:spPr>
@@ -3783,11 +3771,11 @@
           </a:prstGeom>
         </p:spPr>
         <p:txBody>
-          <a:bodyPr spcFirstLastPara="1" wrap="square" lIns="91425" tIns="91425" rIns="91425" bIns="91425" anchor="t" anchorCtr="0">
+          <a:bodyPr anchorCtr="0" anchor="t" bIns="91425" lIns="91425" spcFirstLastPara="1" rIns="91425" wrap="square" tIns="91425">
             <a:normAutofit/>
           </a:bodyPr>
           <a:lstStyle>
-            <a:lvl1pPr marL="457200" lvl="0" indent="-317500" rtl="0">
+            <a:lvl1pPr indent="-317500" lvl="0" marL="457200" rtl="0">
               <a:spcBef>
                 <a:spcPts val="0"/>
               </a:spcBef>
@@ -3798,7 +3786,7 @@
               <a:buChar char="●"/>
               <a:defRPr sz="1400"/>
             </a:lvl1pPr>
-            <a:lvl2pPr marL="914400" lvl="1" indent="-304800" rtl="0">
+            <a:lvl2pPr indent="-304800" lvl="1" marL="914400" rtl="0">
               <a:spcBef>
                 <a:spcPts val="0"/>
               </a:spcBef>
@@ -3809,7 +3797,7 @@
               <a:buChar char="○"/>
               <a:defRPr sz="1200"/>
             </a:lvl2pPr>
-            <a:lvl3pPr marL="1371600" lvl="2" indent="-304800" rtl="0">
+            <a:lvl3pPr indent="-304800" lvl="2" marL="1371600" rtl="0">
               <a:spcBef>
                 <a:spcPts val="0"/>
               </a:spcBef>
@@ -3820,7 +3808,7 @@
               <a:buChar char="■"/>
               <a:defRPr sz="1200"/>
             </a:lvl3pPr>
-            <a:lvl4pPr marL="1828800" lvl="3" indent="-304800" rtl="0">
+            <a:lvl4pPr indent="-304800" lvl="3" marL="1828800" rtl="0">
               <a:spcBef>
                 <a:spcPts val="0"/>
               </a:spcBef>
@@ -3831,7 +3819,7 @@
               <a:buChar char="●"/>
               <a:defRPr sz="1200"/>
             </a:lvl4pPr>
-            <a:lvl5pPr marL="2286000" lvl="4" indent="-304800" rtl="0">
+            <a:lvl5pPr indent="-304800" lvl="4" marL="2286000" rtl="0">
               <a:spcBef>
                 <a:spcPts val="0"/>
               </a:spcBef>
@@ -3842,7 +3830,7 @@
               <a:buChar char="○"/>
               <a:defRPr sz="1200"/>
             </a:lvl5pPr>
-            <a:lvl6pPr marL="2743200" lvl="5" indent="-304800" rtl="0">
+            <a:lvl6pPr indent="-304800" lvl="5" marL="2743200" rtl="0">
               <a:spcBef>
                 <a:spcPts val="0"/>
               </a:spcBef>
@@ -3853,7 +3841,7 @@
               <a:buChar char="■"/>
               <a:defRPr sz="1200"/>
             </a:lvl6pPr>
-            <a:lvl7pPr marL="3200400" lvl="6" indent="-304800" rtl="0">
+            <a:lvl7pPr indent="-304800" lvl="6" marL="3200400" rtl="0">
               <a:spcBef>
                 <a:spcPts val="0"/>
               </a:spcBef>
@@ -3864,7 +3852,7 @@
               <a:buChar char="●"/>
               <a:defRPr sz="1200"/>
             </a:lvl7pPr>
-            <a:lvl8pPr marL="3657600" lvl="7" indent="-304800" rtl="0">
+            <a:lvl8pPr indent="-304800" lvl="7" marL="3657600" rtl="0">
               <a:spcBef>
                 <a:spcPts val="0"/>
               </a:spcBef>
@@ -3875,7 +3863,7 @@
               <a:buChar char="○"/>
               <a:defRPr sz="1200"/>
             </a:lvl8pPr>
-            <a:lvl9pPr marL="4114800" lvl="8" indent="-304800" rtl="0">
+            <a:lvl9pPr indent="-304800" lvl="8" marL="4114800" rtl="0">
               <a:spcBef>
                 <a:spcPts val="0"/>
               </a:spcBef>
@@ -3887,19 +3875,15 @@
               <a:defRPr sz="1200"/>
             </a:lvl9pPr>
           </a:lstStyle>
-          <a:p>
-            <a:endParaRPr/>
-          </a:p>
+          <a:p/>
         </p:txBody>
       </p:sp>
       <p:sp>
         <p:nvSpPr>
           <p:cNvPr id="29" name="Google Shape;29;p5"/>
-          <p:cNvSpPr txBox="1">
-            <a:spLocks noGrp="1"/>
-          </p:cNvSpPr>
+          <p:cNvSpPr txBox="1"/>
           <p:nvPr>
-            <p:ph type="body" idx="2"/>
+            <p:ph idx="2" type="body"/>
           </p:nvPr>
         </p:nvSpPr>
         <p:spPr>
@@ -3912,11 +3896,11 @@
           </a:prstGeom>
         </p:spPr>
         <p:txBody>
-          <a:bodyPr spcFirstLastPara="1" wrap="square" lIns="91425" tIns="91425" rIns="91425" bIns="91425" anchor="t" anchorCtr="0">
+          <a:bodyPr anchorCtr="0" anchor="t" bIns="91425" lIns="91425" spcFirstLastPara="1" rIns="91425" wrap="square" tIns="91425">
             <a:normAutofit/>
           </a:bodyPr>
           <a:lstStyle>
-            <a:lvl1pPr marL="457200" lvl="0" indent="-317500" rtl="0">
+            <a:lvl1pPr indent="-317500" lvl="0" marL="457200" rtl="0">
               <a:spcBef>
                 <a:spcPts val="0"/>
               </a:spcBef>
@@ -3927,7 +3911,7 @@
               <a:buChar char="●"/>
               <a:defRPr sz="1400"/>
             </a:lvl1pPr>
-            <a:lvl2pPr marL="914400" lvl="1" indent="-304800" rtl="0">
+            <a:lvl2pPr indent="-304800" lvl="1" marL="914400" rtl="0">
               <a:spcBef>
                 <a:spcPts val="0"/>
               </a:spcBef>
@@ -3938,7 +3922,7 @@
               <a:buChar char="○"/>
               <a:defRPr sz="1200"/>
             </a:lvl2pPr>
-            <a:lvl3pPr marL="1371600" lvl="2" indent="-304800" rtl="0">
+            <a:lvl3pPr indent="-304800" lvl="2" marL="1371600" rtl="0">
               <a:spcBef>
                 <a:spcPts val="0"/>
               </a:spcBef>
@@ -3949,7 +3933,7 @@
               <a:buChar char="■"/>
               <a:defRPr sz="1200"/>
             </a:lvl3pPr>
-            <a:lvl4pPr marL="1828800" lvl="3" indent="-304800" rtl="0">
+            <a:lvl4pPr indent="-304800" lvl="3" marL="1828800" rtl="0">
               <a:spcBef>
                 <a:spcPts val="0"/>
               </a:spcBef>
@@ -3960,7 +3944,7 @@
               <a:buChar char="●"/>
               <a:defRPr sz="1200"/>
             </a:lvl4pPr>
-            <a:lvl5pPr marL="2286000" lvl="4" indent="-304800" rtl="0">
+            <a:lvl5pPr indent="-304800" lvl="4" marL="2286000" rtl="0">
               <a:spcBef>
                 <a:spcPts val="0"/>
               </a:spcBef>
@@ -3971,7 +3955,7 @@
               <a:buChar char="○"/>
               <a:defRPr sz="1200"/>
             </a:lvl5pPr>
-            <a:lvl6pPr marL="2743200" lvl="5" indent="-304800" rtl="0">
+            <a:lvl6pPr indent="-304800" lvl="5" marL="2743200" rtl="0">
               <a:spcBef>
                 <a:spcPts val="0"/>
               </a:spcBef>
@@ -3982,7 +3966,7 @@
               <a:buChar char="■"/>
               <a:defRPr sz="1200"/>
             </a:lvl6pPr>
-            <a:lvl7pPr marL="3200400" lvl="6" indent="-304800" rtl="0">
+            <a:lvl7pPr indent="-304800" lvl="6" marL="3200400" rtl="0">
               <a:spcBef>
                 <a:spcPts val="0"/>
               </a:spcBef>
@@ -3993,7 +3977,7 @@
               <a:buChar char="●"/>
               <a:defRPr sz="1200"/>
             </a:lvl7pPr>
-            <a:lvl8pPr marL="3657600" lvl="7" indent="-304800" rtl="0">
+            <a:lvl8pPr indent="-304800" lvl="7" marL="3657600" rtl="0">
               <a:spcBef>
                 <a:spcPts val="0"/>
               </a:spcBef>
@@ -4004,7 +3988,7 @@
               <a:buChar char="○"/>
               <a:defRPr sz="1200"/>
             </a:lvl8pPr>
-            <a:lvl9pPr marL="4114800" lvl="8" indent="-304800" rtl="0">
+            <a:lvl9pPr indent="-304800" lvl="8" marL="4114800" rtl="0">
               <a:spcBef>
                 <a:spcPts val="0"/>
               </a:spcBef>
@@ -4016,19 +4000,15 @@
               <a:defRPr sz="1200"/>
             </a:lvl9pPr>
           </a:lstStyle>
-          <a:p>
-            <a:endParaRPr/>
-          </a:p>
+          <a:p/>
         </p:txBody>
       </p:sp>
       <p:sp>
         <p:nvSpPr>
           <p:cNvPr id="30" name="Google Shape;30;p5"/>
-          <p:cNvSpPr txBox="1">
-            <a:spLocks noGrp="1"/>
-          </p:cNvSpPr>
+          <p:cNvSpPr txBox="1"/>
           <p:nvPr>
-            <p:ph type="sldNum" idx="12"/>
+            <p:ph idx="12" type="sldNum"/>
           </p:nvPr>
         </p:nvSpPr>
         <p:spPr>
@@ -4041,7 +4021,7 @@
           </a:prstGeom>
         </p:spPr>
         <p:txBody>
-          <a:bodyPr spcFirstLastPara="1" wrap="square" lIns="91425" tIns="91425" rIns="91425" bIns="91425" anchor="ctr" anchorCtr="0">
+          <a:bodyPr anchorCtr="0" anchor="ctr" bIns="91425" lIns="91425" spcFirstLastPara="1" rIns="91425" wrap="square" tIns="91425">
             <a:normAutofit/>
           </a:bodyPr>
           <a:lstStyle>
@@ -4083,7 +4063,7 @@
             </a:lvl9pPr>
           </a:lstStyle>
           <a:p>
-            <a:pPr marL="0" lvl="0" indent="0" algn="r" rtl="0">
+            <a:pPr indent="0" lvl="0" marL="0" rtl="0" algn="r">
               <a:spcBef>
                 <a:spcPts val="0"/>
               </a:spcBef>
@@ -4109,11 +4089,11 @@
 </file>
 
 <file path=ppt/slideLayouts/slideLayout5.xml><?xml version="1.0" encoding="utf-8"?>
-<p:sldLayout xmlns:a="http://schemas.openxmlformats.org/drawingml/2006/main" xmlns:r="http://schemas.openxmlformats.org/officeDocument/2006/relationships" xmlns:p="http://schemas.openxmlformats.org/presentationml/2006/main" matchingName="Title only" type="titleOnly">
+<p:sldLayout xmlns:a="http://schemas.openxmlformats.org/drawingml/2006/main" xmlns:r="http://schemas.openxmlformats.org/officeDocument/2006/relationships" xmlns:mc="http://schemas.openxmlformats.org/markup-compatibility/2006" xmlns:mv="urn:schemas-microsoft-com:mac:vml" xmlns:p="http://schemas.openxmlformats.org/presentationml/2006/main" xmlns:c="http://schemas.openxmlformats.org/drawingml/2006/chart" xmlns:dgm="http://schemas.openxmlformats.org/drawingml/2006/diagram" xmlns:o="urn:schemas-microsoft-com:office:office" xmlns:v="urn:schemas-microsoft-com:vml" xmlns:pvml="urn:schemas-microsoft-com:office:powerpoint" xmlns:com="http://schemas.openxmlformats.org/drawingml/2006/compatibility" xmlns:p14="http://schemas.microsoft.com/office/powerpoint/2010/main" xmlns:p15="http://schemas.microsoft.com/office/powerpoint/2012/main" xmlns:ahyp="http://schemas.microsoft.com/office/drawing/2018/hyperlinkcolor" matchingName="Title only" type="titleOnly">
   <p:cSld name="TITLE_ONLY">
     <p:spTree>
       <p:nvGrpSpPr>
-        <p:cNvPr id="1" name="Shape 31"/>
+        <p:cNvPr id="31" name="Shape 31"/>
         <p:cNvGrpSpPr/>
         <p:nvPr/>
       </p:nvGrpSpPr>
@@ -4128,9 +4108,7 @@
       <p:sp>
         <p:nvSpPr>
           <p:cNvPr id="32" name="Google Shape;32;p6"/>
-          <p:cNvSpPr txBox="1">
-            <a:spLocks noGrp="1"/>
-          </p:cNvSpPr>
+          <p:cNvSpPr txBox="1"/>
           <p:nvPr>
             <p:ph type="title"/>
           </p:nvPr>
@@ -4145,7 +4123,7 @@
           </a:prstGeom>
         </p:spPr>
         <p:txBody>
-          <a:bodyPr spcFirstLastPara="1" wrap="square" lIns="91425" tIns="91425" rIns="91425" bIns="91425" anchor="b" anchorCtr="0">
+          <a:bodyPr anchorCtr="0" anchor="b" bIns="91425" lIns="91425" spcFirstLastPara="1" rIns="91425" wrap="square" tIns="91425">
             <a:normAutofit/>
           </a:bodyPr>
           <a:lstStyle>
@@ -4249,19 +4227,15 @@
               <a:defRPr/>
             </a:lvl9pPr>
           </a:lstStyle>
-          <a:p>
-            <a:endParaRPr/>
-          </a:p>
+          <a:p/>
         </p:txBody>
       </p:sp>
       <p:sp>
         <p:nvSpPr>
           <p:cNvPr id="33" name="Google Shape;33;p6"/>
-          <p:cNvSpPr txBox="1">
-            <a:spLocks noGrp="1"/>
-          </p:cNvSpPr>
+          <p:cNvSpPr txBox="1"/>
           <p:nvPr>
-            <p:ph type="sldNum" idx="12"/>
+            <p:ph idx="12" type="sldNum"/>
           </p:nvPr>
         </p:nvSpPr>
         <p:spPr>
@@ -4274,7 +4248,7 @@
           </a:prstGeom>
         </p:spPr>
         <p:txBody>
-          <a:bodyPr spcFirstLastPara="1" wrap="square" lIns="91425" tIns="91425" rIns="91425" bIns="91425" anchor="ctr" anchorCtr="0">
+          <a:bodyPr anchorCtr="0" anchor="ctr" bIns="91425" lIns="91425" spcFirstLastPara="1" rIns="91425" wrap="square" tIns="91425">
             <a:normAutofit/>
           </a:bodyPr>
           <a:lstStyle>
@@ -4316,7 +4290,7 @@
             </a:lvl9pPr>
           </a:lstStyle>
           <a:p>
-            <a:pPr marL="0" lvl="0" indent="0" algn="r" rtl="0">
+            <a:pPr indent="0" lvl="0" marL="0" rtl="0" algn="r">
               <a:spcBef>
                 <a:spcPts val="0"/>
               </a:spcBef>
@@ -4342,11 +4316,11 @@
 </file>
 
 <file path=ppt/slideLayouts/slideLayout6.xml><?xml version="1.0" encoding="utf-8"?>
-<p:sldLayout xmlns:a="http://schemas.openxmlformats.org/drawingml/2006/main" xmlns:r="http://schemas.openxmlformats.org/officeDocument/2006/relationships" xmlns:p="http://schemas.openxmlformats.org/presentationml/2006/main" matchingName="One column text">
+<p:sldLayout xmlns:a="http://schemas.openxmlformats.org/drawingml/2006/main" xmlns:r="http://schemas.openxmlformats.org/officeDocument/2006/relationships" xmlns:mc="http://schemas.openxmlformats.org/markup-compatibility/2006" xmlns:mv="urn:schemas-microsoft-com:mac:vml" xmlns:p="http://schemas.openxmlformats.org/presentationml/2006/main" xmlns:c="http://schemas.openxmlformats.org/drawingml/2006/chart" xmlns:dgm="http://schemas.openxmlformats.org/drawingml/2006/diagram" xmlns:o="urn:schemas-microsoft-com:office:office" xmlns:v="urn:schemas-microsoft-com:vml" xmlns:pvml="urn:schemas-microsoft-com:office:powerpoint" xmlns:com="http://schemas.openxmlformats.org/drawingml/2006/compatibility" xmlns:p14="http://schemas.microsoft.com/office/powerpoint/2010/main" xmlns:p15="http://schemas.microsoft.com/office/powerpoint/2012/main" xmlns:ahyp="http://schemas.microsoft.com/office/drawing/2018/hyperlinkcolor" matchingName="One column text">
   <p:cSld name="ONE_COLUMN_TEXT">
     <p:spTree>
       <p:nvGrpSpPr>
-        <p:cNvPr id="1" name="Shape 34"/>
+        <p:cNvPr id="34" name="Shape 34"/>
         <p:cNvGrpSpPr/>
         <p:nvPr/>
       </p:nvGrpSpPr>
@@ -4373,23 +4347,21 @@
             <a:avLst/>
           </a:prstGeom>
           <a:noFill/>
-          <a:ln w="38100" cap="flat" cmpd="sng">
+          <a:ln cap="flat" cmpd="sng" w="38100">
             <a:solidFill>
               <a:schemeClr val="accent4"/>
             </a:solidFill>
             <a:prstDash val="solid"/>
             <a:round/>
-            <a:headEnd type="none" w="sm" len="sm"/>
-            <a:tailEnd type="none" w="sm" len="sm"/>
+            <a:headEnd len="sm" w="sm" type="none"/>
+            <a:tailEnd len="sm" w="sm" type="none"/>
           </a:ln>
         </p:spPr>
       </p:cxnSp>
       <p:sp>
         <p:nvSpPr>
           <p:cNvPr id="36" name="Google Shape;36;p7"/>
-          <p:cNvSpPr txBox="1">
-            <a:spLocks noGrp="1"/>
-          </p:cNvSpPr>
+          <p:cNvSpPr txBox="1"/>
           <p:nvPr>
             <p:ph type="title"/>
           </p:nvPr>
@@ -4404,7 +4376,7 @@
           </a:prstGeom>
         </p:spPr>
         <p:txBody>
-          <a:bodyPr spcFirstLastPara="1" wrap="square" lIns="91425" tIns="91425" rIns="91425" bIns="91425" anchor="b" anchorCtr="0">
+          <a:bodyPr anchorCtr="0" anchor="b" bIns="91425" lIns="91425" spcFirstLastPara="1" rIns="91425" wrap="square" tIns="91425">
             <a:normAutofit/>
           </a:bodyPr>
           <a:lstStyle>
@@ -4508,19 +4480,15 @@
               <a:defRPr sz="2400"/>
             </a:lvl9pPr>
           </a:lstStyle>
-          <a:p>
-            <a:endParaRPr/>
-          </a:p>
+          <a:p/>
         </p:txBody>
       </p:sp>
       <p:sp>
         <p:nvSpPr>
           <p:cNvPr id="37" name="Google Shape;37;p7"/>
-          <p:cNvSpPr txBox="1">
-            <a:spLocks noGrp="1"/>
-          </p:cNvSpPr>
+          <p:cNvSpPr txBox="1"/>
           <p:nvPr>
-            <p:ph type="body" idx="1"/>
+            <p:ph idx="1" type="body"/>
           </p:nvPr>
         </p:nvSpPr>
         <p:spPr>
@@ -4533,11 +4501,11 @@
           </a:prstGeom>
         </p:spPr>
         <p:txBody>
-          <a:bodyPr spcFirstLastPara="1" wrap="square" lIns="91425" tIns="91425" rIns="91425" bIns="91425" anchor="t" anchorCtr="0">
+          <a:bodyPr anchorCtr="0" anchor="t" bIns="91425" lIns="91425" spcFirstLastPara="1" rIns="91425" wrap="square" tIns="91425">
             <a:normAutofit/>
           </a:bodyPr>
           <a:lstStyle>
-            <a:lvl1pPr marL="457200" lvl="0" indent="-304800" rtl="0">
+            <a:lvl1pPr indent="-304800" lvl="0" marL="457200" rtl="0">
               <a:spcBef>
                 <a:spcPts val="0"/>
               </a:spcBef>
@@ -4548,7 +4516,7 @@
               <a:buChar char="●"/>
               <a:defRPr sz="1200"/>
             </a:lvl1pPr>
-            <a:lvl2pPr marL="914400" lvl="1" indent="-304800" rtl="0">
+            <a:lvl2pPr indent="-304800" lvl="1" marL="914400" rtl="0">
               <a:spcBef>
                 <a:spcPts val="0"/>
               </a:spcBef>
@@ -4559,7 +4527,7 @@
               <a:buChar char="○"/>
               <a:defRPr sz="1200"/>
             </a:lvl2pPr>
-            <a:lvl3pPr marL="1371600" lvl="2" indent="-304800" rtl="0">
+            <a:lvl3pPr indent="-304800" lvl="2" marL="1371600" rtl="0">
               <a:spcBef>
                 <a:spcPts val="0"/>
               </a:spcBef>
@@ -4570,7 +4538,7 @@
               <a:buChar char="■"/>
               <a:defRPr sz="1200"/>
             </a:lvl3pPr>
-            <a:lvl4pPr marL="1828800" lvl="3" indent="-304800" rtl="0">
+            <a:lvl4pPr indent="-304800" lvl="3" marL="1828800" rtl="0">
               <a:spcBef>
                 <a:spcPts val="0"/>
               </a:spcBef>
@@ -4581,7 +4549,7 @@
               <a:buChar char="●"/>
               <a:defRPr sz="1200"/>
             </a:lvl4pPr>
-            <a:lvl5pPr marL="2286000" lvl="4" indent="-304800" rtl="0">
+            <a:lvl5pPr indent="-304800" lvl="4" marL="2286000" rtl="0">
               <a:spcBef>
                 <a:spcPts val="0"/>
               </a:spcBef>
@@ -4592,7 +4560,7 @@
               <a:buChar char="○"/>
               <a:defRPr sz="1200"/>
             </a:lvl5pPr>
-            <a:lvl6pPr marL="2743200" lvl="5" indent="-304800" rtl="0">
+            <a:lvl6pPr indent="-304800" lvl="5" marL="2743200" rtl="0">
               <a:spcBef>
                 <a:spcPts val="0"/>
               </a:spcBef>
@@ -4603,7 +4571,7 @@
               <a:buChar char="■"/>
               <a:defRPr sz="1200"/>
             </a:lvl6pPr>
-            <a:lvl7pPr marL="3200400" lvl="6" indent="-304800" rtl="0">
+            <a:lvl7pPr indent="-304800" lvl="6" marL="3200400" rtl="0">
               <a:spcBef>
                 <a:spcPts val="0"/>
               </a:spcBef>
@@ -4614,7 +4582,7 @@
               <a:buChar char="●"/>
               <a:defRPr sz="1200"/>
             </a:lvl7pPr>
-            <a:lvl8pPr marL="3657600" lvl="7" indent="-304800" rtl="0">
+            <a:lvl8pPr indent="-304800" lvl="7" marL="3657600" rtl="0">
               <a:spcBef>
                 <a:spcPts val="0"/>
               </a:spcBef>
@@ -4625,7 +4593,7 @@
               <a:buChar char="○"/>
               <a:defRPr sz="1200"/>
             </a:lvl8pPr>
-            <a:lvl9pPr marL="4114800" lvl="8" indent="-304800" rtl="0">
+            <a:lvl9pPr indent="-304800" lvl="8" marL="4114800" rtl="0">
               <a:spcBef>
                 <a:spcPts val="0"/>
               </a:spcBef>
@@ -4637,19 +4605,15 @@
               <a:defRPr sz="1200"/>
             </a:lvl9pPr>
           </a:lstStyle>
-          <a:p>
-            <a:endParaRPr/>
-          </a:p>
+          <a:p/>
         </p:txBody>
       </p:sp>
       <p:sp>
         <p:nvSpPr>
           <p:cNvPr id="38" name="Google Shape;38;p7"/>
-          <p:cNvSpPr txBox="1">
-            <a:spLocks noGrp="1"/>
-          </p:cNvSpPr>
+          <p:cNvSpPr txBox="1"/>
           <p:nvPr>
-            <p:ph type="sldNum" idx="12"/>
+            <p:ph idx="12" type="sldNum"/>
           </p:nvPr>
         </p:nvSpPr>
         <p:spPr>
@@ -4662,7 +4626,7 @@
           </a:prstGeom>
         </p:spPr>
         <p:txBody>
-          <a:bodyPr spcFirstLastPara="1" wrap="square" lIns="91425" tIns="91425" rIns="91425" bIns="91425" anchor="ctr" anchorCtr="0">
+          <a:bodyPr anchorCtr="0" anchor="ctr" bIns="91425" lIns="91425" spcFirstLastPara="1" rIns="91425" wrap="square" tIns="91425">
             <a:normAutofit/>
           </a:bodyPr>
           <a:lstStyle>
@@ -4704,7 +4668,7 @@
             </a:lvl9pPr>
           </a:lstStyle>
           <a:p>
-            <a:pPr marL="0" lvl="0" indent="0" algn="r" rtl="0">
+            <a:pPr indent="0" lvl="0" marL="0" rtl="0" algn="r">
               <a:spcBef>
                 <a:spcPts val="0"/>
               </a:spcBef>
@@ -4730,11 +4694,11 @@
 </file>
 
 <file path=ppt/slideLayouts/slideLayout7.xml><?xml version="1.0" encoding="utf-8"?>
-<p:sldLayout xmlns:a="http://schemas.openxmlformats.org/drawingml/2006/main" xmlns:r="http://schemas.openxmlformats.org/officeDocument/2006/relationships" xmlns:p="http://schemas.openxmlformats.org/presentationml/2006/main" matchingName="Main point">
+<p:sldLayout xmlns:a="http://schemas.openxmlformats.org/drawingml/2006/main" xmlns:r="http://schemas.openxmlformats.org/officeDocument/2006/relationships" xmlns:mc="http://schemas.openxmlformats.org/markup-compatibility/2006" xmlns:mv="urn:schemas-microsoft-com:mac:vml" xmlns:p="http://schemas.openxmlformats.org/presentationml/2006/main" xmlns:c="http://schemas.openxmlformats.org/drawingml/2006/chart" xmlns:dgm="http://schemas.openxmlformats.org/drawingml/2006/diagram" xmlns:o="urn:schemas-microsoft-com:office:office" xmlns:v="urn:schemas-microsoft-com:vml" xmlns:pvml="urn:schemas-microsoft-com:office:powerpoint" xmlns:com="http://schemas.openxmlformats.org/drawingml/2006/compatibility" xmlns:p14="http://schemas.microsoft.com/office/powerpoint/2010/main" xmlns:p15="http://schemas.microsoft.com/office/powerpoint/2012/main" xmlns:ahyp="http://schemas.microsoft.com/office/drawing/2018/hyperlinkcolor" matchingName="Main point">
   <p:cSld name="MAIN_POINT">
     <p:spTree>
       <p:nvGrpSpPr>
-        <p:cNvPr id="1" name="Shape 39"/>
+        <p:cNvPr id="39" name="Shape 39"/>
         <p:cNvGrpSpPr/>
         <p:nvPr/>
       </p:nvGrpSpPr>
@@ -4749,9 +4713,7 @@
       <p:sp>
         <p:nvSpPr>
           <p:cNvPr id="40" name="Google Shape;40;p8"/>
-          <p:cNvSpPr txBox="1">
-            <a:spLocks noGrp="1"/>
-          </p:cNvSpPr>
+          <p:cNvSpPr txBox="1"/>
           <p:nvPr>
             <p:ph type="title"/>
           </p:nvPr>
@@ -4766,7 +4728,7 @@
           </a:prstGeom>
         </p:spPr>
         <p:txBody>
-          <a:bodyPr spcFirstLastPara="1" wrap="square" lIns="91425" tIns="91425" rIns="91425" bIns="91425" anchor="ctr" anchorCtr="0">
+          <a:bodyPr anchorCtr="0" anchor="ctr" bIns="91425" lIns="91425" spcFirstLastPara="1" rIns="91425" wrap="square" tIns="91425">
             <a:normAutofit/>
           </a:bodyPr>
           <a:lstStyle>
@@ -4870,19 +4832,15 @@
               <a:defRPr sz="4800"/>
             </a:lvl9pPr>
           </a:lstStyle>
-          <a:p>
-            <a:endParaRPr/>
-          </a:p>
+          <a:p/>
         </p:txBody>
       </p:sp>
       <p:sp>
         <p:nvSpPr>
           <p:cNvPr id="41" name="Google Shape;41;p8"/>
-          <p:cNvSpPr txBox="1">
-            <a:spLocks noGrp="1"/>
-          </p:cNvSpPr>
+          <p:cNvSpPr txBox="1"/>
           <p:nvPr>
-            <p:ph type="sldNum" idx="12"/>
+            <p:ph idx="12" type="sldNum"/>
           </p:nvPr>
         </p:nvSpPr>
         <p:spPr>
@@ -4895,7 +4853,7 @@
           </a:prstGeom>
         </p:spPr>
         <p:txBody>
-          <a:bodyPr spcFirstLastPara="1" wrap="square" lIns="91425" tIns="91425" rIns="91425" bIns="91425" anchor="ctr" anchorCtr="0">
+          <a:bodyPr anchorCtr="0" anchor="ctr" bIns="91425" lIns="91425" spcFirstLastPara="1" rIns="91425" wrap="square" tIns="91425">
             <a:normAutofit/>
           </a:bodyPr>
           <a:lstStyle>
@@ -4937,7 +4895,7 @@
             </a:lvl9pPr>
           </a:lstStyle>
           <a:p>
-            <a:pPr marL="0" lvl="0" indent="0" algn="r" rtl="0">
+            <a:pPr indent="0" lvl="0" marL="0" rtl="0" algn="r">
               <a:spcBef>
                 <a:spcPts val="0"/>
               </a:spcBef>
@@ -4963,11 +4921,11 @@
 </file>
 
 <file path=ppt/slideLayouts/slideLayout8.xml><?xml version="1.0" encoding="utf-8"?>
-<p:sldLayout xmlns:a="http://schemas.openxmlformats.org/drawingml/2006/main" xmlns:r="http://schemas.openxmlformats.org/officeDocument/2006/relationships" xmlns:p="http://schemas.openxmlformats.org/presentationml/2006/main" matchingName="Section title and description">
+<p:sldLayout xmlns:a="http://schemas.openxmlformats.org/drawingml/2006/main" xmlns:r="http://schemas.openxmlformats.org/officeDocument/2006/relationships" xmlns:mc="http://schemas.openxmlformats.org/markup-compatibility/2006" xmlns:mv="urn:schemas-microsoft-com:mac:vml" xmlns:p="http://schemas.openxmlformats.org/presentationml/2006/main" xmlns:c="http://schemas.openxmlformats.org/drawingml/2006/chart" xmlns:dgm="http://schemas.openxmlformats.org/drawingml/2006/diagram" xmlns:o="urn:schemas-microsoft-com:office:office" xmlns:v="urn:schemas-microsoft-com:vml" xmlns:pvml="urn:schemas-microsoft-com:office:powerpoint" xmlns:com="http://schemas.openxmlformats.org/drawingml/2006/compatibility" xmlns:p14="http://schemas.microsoft.com/office/powerpoint/2010/main" xmlns:p15="http://schemas.microsoft.com/office/powerpoint/2012/main" xmlns:ahyp="http://schemas.microsoft.com/office/drawing/2018/hyperlinkcolor" matchingName="Section title and description">
   <p:cSld name="SECTION_TITLE_AND_DESCRIPTION">
     <p:spTree>
       <p:nvGrpSpPr>
-        <p:cNvPr id="1" name="Shape 42"/>
+        <p:cNvPr id="42" name="Shape 42"/>
         <p:cNvGrpSpPr/>
         <p:nvPr/>
       </p:nvGrpSpPr>
@@ -5001,12 +4959,12 @@
           </a:ln>
         </p:spPr>
         <p:txBody>
-          <a:bodyPr spcFirstLastPara="1" wrap="square" lIns="91425" tIns="91425" rIns="91425" bIns="91425" anchor="ctr" anchorCtr="0">
+          <a:bodyPr anchorCtr="0" anchor="ctr" bIns="91425" lIns="91425" spcFirstLastPara="1" rIns="91425" wrap="square" tIns="91425">
             <a:noAutofit/>
           </a:bodyPr>
           <a:lstStyle/>
           <a:p>
-            <a:pPr marL="0" lvl="0" indent="0" algn="l" rtl="0">
+            <a:pPr indent="0" lvl="0" marL="0" rtl="0" algn="l">
               <a:spcBef>
                 <a:spcPts val="0"/>
               </a:spcBef>
@@ -5015,6 +4973,9 @@
               </a:spcAft>
               <a:buNone/>
             </a:pPr>
+            <a:r>
+              <a:t/>
+            </a:r>
             <a:endParaRPr/>
           </a:p>
         </p:txBody>
@@ -5034,23 +4995,21 @@
             <a:avLst/>
           </a:prstGeom>
           <a:noFill/>
-          <a:ln w="38100" cap="flat" cmpd="sng">
+          <a:ln cap="flat" cmpd="sng" w="38100">
             <a:solidFill>
               <a:schemeClr val="accent5"/>
             </a:solidFill>
             <a:prstDash val="solid"/>
             <a:round/>
-            <a:headEnd type="none" w="sm" len="sm"/>
-            <a:tailEnd type="none" w="sm" len="sm"/>
+            <a:headEnd len="sm" w="sm" type="none"/>
+            <a:tailEnd len="sm" w="sm" type="none"/>
           </a:ln>
         </p:spPr>
       </p:cxnSp>
       <p:sp>
         <p:nvSpPr>
           <p:cNvPr id="45" name="Google Shape;45;p9"/>
-          <p:cNvSpPr txBox="1">
-            <a:spLocks noGrp="1"/>
-          </p:cNvSpPr>
+          <p:cNvSpPr txBox="1"/>
           <p:nvPr>
             <p:ph type="title"/>
           </p:nvPr>
@@ -5065,11 +5024,11 @@
           </a:prstGeom>
         </p:spPr>
         <p:txBody>
-          <a:bodyPr spcFirstLastPara="1" wrap="square" lIns="91425" tIns="91425" rIns="91425" bIns="91425" anchor="b" anchorCtr="0">
+          <a:bodyPr anchorCtr="0" anchor="b" bIns="91425" lIns="91425" spcFirstLastPara="1" rIns="91425" wrap="square" tIns="91425">
             <a:normAutofit/>
           </a:bodyPr>
           <a:lstStyle>
-            <a:lvl1pPr lvl="0" algn="ctr" rtl="0">
+            <a:lvl1pPr lvl="0" rtl="0" algn="ctr">
               <a:spcBef>
                 <a:spcPts val="0"/>
               </a:spcBef>
@@ -5080,7 +5039,7 @@
               <a:buNone/>
               <a:defRPr sz="3800"/>
             </a:lvl1pPr>
-            <a:lvl2pPr lvl="1" algn="ctr" rtl="0">
+            <a:lvl2pPr lvl="1" rtl="0" algn="ctr">
               <a:spcBef>
                 <a:spcPts val="0"/>
               </a:spcBef>
@@ -5091,7 +5050,7 @@
               <a:buNone/>
               <a:defRPr sz="3800"/>
             </a:lvl2pPr>
-            <a:lvl3pPr lvl="2" algn="ctr" rtl="0">
+            <a:lvl3pPr lvl="2" rtl="0" algn="ctr">
               <a:spcBef>
                 <a:spcPts val="0"/>
               </a:spcBef>
@@ -5102,7 +5061,7 @@
               <a:buNone/>
               <a:defRPr sz="3800"/>
             </a:lvl3pPr>
-            <a:lvl4pPr lvl="3" algn="ctr" rtl="0">
+            <a:lvl4pPr lvl="3" rtl="0" algn="ctr">
               <a:spcBef>
                 <a:spcPts val="0"/>
               </a:spcBef>
@@ -5113,7 +5072,7 @@
               <a:buNone/>
               <a:defRPr sz="3800"/>
             </a:lvl4pPr>
-            <a:lvl5pPr lvl="4" algn="ctr" rtl="0">
+            <a:lvl5pPr lvl="4" rtl="0" algn="ctr">
               <a:spcBef>
                 <a:spcPts val="0"/>
               </a:spcBef>
@@ -5124,7 +5083,7 @@
               <a:buNone/>
               <a:defRPr sz="3800"/>
             </a:lvl5pPr>
-            <a:lvl6pPr lvl="5" algn="ctr" rtl="0">
+            <a:lvl6pPr lvl="5" rtl="0" algn="ctr">
               <a:spcBef>
                 <a:spcPts val="0"/>
               </a:spcBef>
@@ -5135,7 +5094,7 @@
               <a:buNone/>
               <a:defRPr sz="3800"/>
             </a:lvl6pPr>
-            <a:lvl7pPr lvl="6" algn="ctr" rtl="0">
+            <a:lvl7pPr lvl="6" rtl="0" algn="ctr">
               <a:spcBef>
                 <a:spcPts val="0"/>
               </a:spcBef>
@@ -5146,7 +5105,7 @@
               <a:buNone/>
               <a:defRPr sz="3800"/>
             </a:lvl7pPr>
-            <a:lvl8pPr lvl="7" algn="ctr" rtl="0">
+            <a:lvl8pPr lvl="7" rtl="0" algn="ctr">
               <a:spcBef>
                 <a:spcPts val="0"/>
               </a:spcBef>
@@ -5157,7 +5116,7 @@
               <a:buNone/>
               <a:defRPr sz="3800"/>
             </a:lvl8pPr>
-            <a:lvl9pPr lvl="8" algn="ctr" rtl="0">
+            <a:lvl9pPr lvl="8" rtl="0" algn="ctr">
               <a:spcBef>
                 <a:spcPts val="0"/>
               </a:spcBef>
@@ -5169,19 +5128,15 @@
               <a:defRPr sz="3800"/>
             </a:lvl9pPr>
           </a:lstStyle>
-          <a:p>
-            <a:endParaRPr/>
-          </a:p>
+          <a:p/>
         </p:txBody>
       </p:sp>
       <p:sp>
         <p:nvSpPr>
           <p:cNvPr id="46" name="Google Shape;46;p9"/>
-          <p:cNvSpPr txBox="1">
-            <a:spLocks noGrp="1"/>
-          </p:cNvSpPr>
+          <p:cNvSpPr txBox="1"/>
           <p:nvPr>
-            <p:ph type="subTitle" idx="1"/>
+            <p:ph idx="1" type="subTitle"/>
           </p:nvPr>
         </p:nvSpPr>
         <p:spPr>
@@ -5194,11 +5149,11 @@
           </a:prstGeom>
         </p:spPr>
         <p:txBody>
-          <a:bodyPr spcFirstLastPara="1" wrap="square" lIns="91425" tIns="91425" rIns="91425" bIns="91425" anchor="t" anchorCtr="0">
+          <a:bodyPr anchorCtr="0" anchor="t" bIns="91425" lIns="91425" spcFirstLastPara="1" rIns="91425" wrap="square" tIns="91425">
             <a:normAutofit/>
           </a:bodyPr>
           <a:lstStyle>
-            <a:lvl1pPr lvl="0" algn="ctr" rtl="0">
+            <a:lvl1pPr lvl="0" rtl="0" algn="ctr">
               <a:lnSpc>
                 <a:spcPct val="100000"/>
               </a:lnSpc>
@@ -5219,7 +5174,7 @@
                 </a:solidFill>
               </a:defRPr>
             </a:lvl1pPr>
-            <a:lvl2pPr lvl="1" algn="ctr" rtl="0">
+            <a:lvl2pPr lvl="1" rtl="0" algn="ctr">
               <a:lnSpc>
                 <a:spcPct val="100000"/>
               </a:lnSpc>
@@ -5240,7 +5195,7 @@
                 </a:solidFill>
               </a:defRPr>
             </a:lvl2pPr>
-            <a:lvl3pPr lvl="2" algn="ctr" rtl="0">
+            <a:lvl3pPr lvl="2" rtl="0" algn="ctr">
               <a:lnSpc>
                 <a:spcPct val="100000"/>
               </a:lnSpc>
@@ -5261,7 +5216,7 @@
                 </a:solidFill>
               </a:defRPr>
             </a:lvl3pPr>
-            <a:lvl4pPr lvl="3" algn="ctr" rtl="0">
+            <a:lvl4pPr lvl="3" rtl="0" algn="ctr">
               <a:lnSpc>
                 <a:spcPct val="100000"/>
               </a:lnSpc>
@@ -5282,7 +5237,7 @@
                 </a:solidFill>
               </a:defRPr>
             </a:lvl4pPr>
-            <a:lvl5pPr lvl="4" algn="ctr" rtl="0">
+            <a:lvl5pPr lvl="4" rtl="0" algn="ctr">
               <a:lnSpc>
                 <a:spcPct val="100000"/>
               </a:lnSpc>
@@ -5303,7 +5258,7 @@
                 </a:solidFill>
               </a:defRPr>
             </a:lvl5pPr>
-            <a:lvl6pPr lvl="5" algn="ctr" rtl="0">
+            <a:lvl6pPr lvl="5" rtl="0" algn="ctr">
               <a:lnSpc>
                 <a:spcPct val="100000"/>
               </a:lnSpc>
@@ -5324,7 +5279,7 @@
                 </a:solidFill>
               </a:defRPr>
             </a:lvl6pPr>
-            <a:lvl7pPr lvl="6" algn="ctr" rtl="0">
+            <a:lvl7pPr lvl="6" rtl="0" algn="ctr">
               <a:lnSpc>
                 <a:spcPct val="100000"/>
               </a:lnSpc>
@@ -5345,7 +5300,7 @@
                 </a:solidFill>
               </a:defRPr>
             </a:lvl7pPr>
-            <a:lvl8pPr lvl="7" algn="ctr" rtl="0">
+            <a:lvl8pPr lvl="7" rtl="0" algn="ctr">
               <a:lnSpc>
                 <a:spcPct val="100000"/>
               </a:lnSpc>
@@ -5366,7 +5321,7 @@
                 </a:solidFill>
               </a:defRPr>
             </a:lvl8pPr>
-            <a:lvl9pPr lvl="8" algn="ctr" rtl="0">
+            <a:lvl9pPr lvl="8" rtl="0" algn="ctr">
               <a:lnSpc>
                 <a:spcPct val="100000"/>
               </a:lnSpc>
@@ -5388,19 +5343,15 @@
               </a:defRPr>
             </a:lvl9pPr>
           </a:lstStyle>
-          <a:p>
-            <a:endParaRPr/>
-          </a:p>
+          <a:p/>
         </p:txBody>
       </p:sp>
       <p:sp>
         <p:nvSpPr>
           <p:cNvPr id="47" name="Google Shape;47;p9"/>
-          <p:cNvSpPr txBox="1">
-            <a:spLocks noGrp="1"/>
-          </p:cNvSpPr>
+          <p:cNvSpPr txBox="1"/>
           <p:nvPr>
-            <p:ph type="body" idx="2"/>
+            <p:ph idx="2" type="body"/>
           </p:nvPr>
         </p:nvSpPr>
         <p:spPr>
@@ -5413,11 +5364,11 @@
           </a:prstGeom>
         </p:spPr>
         <p:txBody>
-          <a:bodyPr spcFirstLastPara="1" wrap="square" lIns="91425" tIns="91425" rIns="91425" bIns="91425" anchor="ctr" anchorCtr="0">
+          <a:bodyPr anchorCtr="0" anchor="ctr" bIns="91425" lIns="91425" spcFirstLastPara="1" rIns="91425" wrap="square" tIns="91425">
             <a:normAutofit/>
           </a:bodyPr>
           <a:lstStyle>
-            <a:lvl1pPr marL="457200" lvl="0" indent="-342900" rtl="0">
+            <a:lvl1pPr indent="-342900" lvl="0" marL="457200" rtl="0">
               <a:spcBef>
                 <a:spcPts val="0"/>
               </a:spcBef>
@@ -5428,7 +5379,7 @@
               <a:buChar char="●"/>
               <a:defRPr/>
             </a:lvl1pPr>
-            <a:lvl2pPr marL="914400" lvl="1" indent="-317500" rtl="0">
+            <a:lvl2pPr indent="-317500" lvl="1" marL="914400" rtl="0">
               <a:spcBef>
                 <a:spcPts val="0"/>
               </a:spcBef>
@@ -5439,7 +5390,7 @@
               <a:buChar char="○"/>
               <a:defRPr/>
             </a:lvl2pPr>
-            <a:lvl3pPr marL="1371600" lvl="2" indent="-317500" rtl="0">
+            <a:lvl3pPr indent="-317500" lvl="2" marL="1371600" rtl="0">
               <a:spcBef>
                 <a:spcPts val="0"/>
               </a:spcBef>
@@ -5450,7 +5401,7 @@
               <a:buChar char="■"/>
               <a:defRPr/>
             </a:lvl3pPr>
-            <a:lvl4pPr marL="1828800" lvl="3" indent="-317500" rtl="0">
+            <a:lvl4pPr indent="-317500" lvl="3" marL="1828800" rtl="0">
               <a:spcBef>
                 <a:spcPts val="0"/>
               </a:spcBef>
@@ -5461,7 +5412,7 @@
               <a:buChar char="●"/>
               <a:defRPr/>
             </a:lvl4pPr>
-            <a:lvl5pPr marL="2286000" lvl="4" indent="-317500" rtl="0">
+            <a:lvl5pPr indent="-317500" lvl="4" marL="2286000" rtl="0">
               <a:spcBef>
                 <a:spcPts val="0"/>
               </a:spcBef>
@@ -5472,7 +5423,7 @@
               <a:buChar char="○"/>
               <a:defRPr/>
             </a:lvl5pPr>
-            <a:lvl6pPr marL="2743200" lvl="5" indent="-317500" rtl="0">
+            <a:lvl6pPr indent="-317500" lvl="5" marL="2743200" rtl="0">
               <a:spcBef>
                 <a:spcPts val="0"/>
               </a:spcBef>
@@ -5483,7 +5434,7 @@
               <a:buChar char="■"/>
               <a:defRPr/>
             </a:lvl6pPr>
-            <a:lvl7pPr marL="3200400" lvl="6" indent="-317500" rtl="0">
+            <a:lvl7pPr indent="-317500" lvl="6" marL="3200400" rtl="0">
               <a:spcBef>
                 <a:spcPts val="0"/>
               </a:spcBef>
@@ -5494,7 +5445,7 @@
               <a:buChar char="●"/>
               <a:defRPr/>
             </a:lvl7pPr>
-            <a:lvl8pPr marL="3657600" lvl="7" indent="-317500" rtl="0">
+            <a:lvl8pPr indent="-317500" lvl="7" marL="3657600" rtl="0">
               <a:spcBef>
                 <a:spcPts val="0"/>
               </a:spcBef>
@@ -5505,7 +5456,7 @@
               <a:buChar char="○"/>
               <a:defRPr/>
             </a:lvl8pPr>
-            <a:lvl9pPr marL="4114800" lvl="8" indent="-317500" rtl="0">
+            <a:lvl9pPr indent="-317500" lvl="8" marL="4114800" rtl="0">
               <a:spcBef>
                 <a:spcPts val="0"/>
               </a:spcBef>
@@ -5517,19 +5468,15 @@
               <a:defRPr/>
             </a:lvl9pPr>
           </a:lstStyle>
-          <a:p>
-            <a:endParaRPr/>
-          </a:p>
+          <a:p/>
         </p:txBody>
       </p:sp>
       <p:sp>
         <p:nvSpPr>
           <p:cNvPr id="48" name="Google Shape;48;p9"/>
-          <p:cNvSpPr txBox="1">
-            <a:spLocks noGrp="1"/>
-          </p:cNvSpPr>
+          <p:cNvSpPr txBox="1"/>
           <p:nvPr>
-            <p:ph type="sldNum" idx="12"/>
+            <p:ph idx="12" type="sldNum"/>
           </p:nvPr>
         </p:nvSpPr>
         <p:spPr>
@@ -5542,7 +5489,7 @@
           </a:prstGeom>
         </p:spPr>
         <p:txBody>
-          <a:bodyPr spcFirstLastPara="1" wrap="square" lIns="91425" tIns="91425" rIns="91425" bIns="91425" anchor="ctr" anchorCtr="0">
+          <a:bodyPr anchorCtr="0" anchor="ctr" bIns="91425" lIns="91425" spcFirstLastPara="1" rIns="91425" wrap="square" tIns="91425">
             <a:normAutofit/>
           </a:bodyPr>
           <a:lstStyle>
@@ -5584,7 +5531,7 @@
             </a:lvl9pPr>
           </a:lstStyle>
           <a:p>
-            <a:pPr marL="0" lvl="0" indent="0" algn="r" rtl="0">
+            <a:pPr indent="0" lvl="0" marL="0" rtl="0" algn="r">
               <a:spcBef>
                 <a:spcPts val="0"/>
               </a:spcBef>
@@ -5610,11 +5557,11 @@
 </file>
 
 <file path=ppt/slideLayouts/slideLayout9.xml><?xml version="1.0" encoding="utf-8"?>
-<p:sldLayout xmlns:a="http://schemas.openxmlformats.org/drawingml/2006/main" xmlns:r="http://schemas.openxmlformats.org/officeDocument/2006/relationships" xmlns:p="http://schemas.openxmlformats.org/presentationml/2006/main" matchingName="Caption">
+<p:sldLayout xmlns:a="http://schemas.openxmlformats.org/drawingml/2006/main" xmlns:r="http://schemas.openxmlformats.org/officeDocument/2006/relationships" xmlns:mc="http://schemas.openxmlformats.org/markup-compatibility/2006" xmlns:mv="urn:schemas-microsoft-com:mac:vml" xmlns:p="http://schemas.openxmlformats.org/presentationml/2006/main" xmlns:c="http://schemas.openxmlformats.org/drawingml/2006/chart" xmlns:dgm="http://schemas.openxmlformats.org/drawingml/2006/diagram" xmlns:o="urn:schemas-microsoft-com:office:office" xmlns:v="urn:schemas-microsoft-com:vml" xmlns:pvml="urn:schemas-microsoft-com:office:powerpoint" xmlns:com="http://schemas.openxmlformats.org/drawingml/2006/compatibility" xmlns:p14="http://schemas.microsoft.com/office/powerpoint/2010/main" xmlns:p15="http://schemas.microsoft.com/office/powerpoint/2012/main" xmlns:ahyp="http://schemas.microsoft.com/office/drawing/2018/hyperlinkcolor" matchingName="Caption">
   <p:cSld name="CAPTION_ONLY">
     <p:spTree>
       <p:nvGrpSpPr>
-        <p:cNvPr id="1" name="Shape 49"/>
+        <p:cNvPr id="49" name="Shape 49"/>
         <p:cNvGrpSpPr/>
         <p:nvPr/>
       </p:nvGrpSpPr>
@@ -5629,11 +5576,9 @@
       <p:sp>
         <p:nvSpPr>
           <p:cNvPr id="50" name="Google Shape;50;p10"/>
-          <p:cNvSpPr txBox="1">
-            <a:spLocks noGrp="1"/>
-          </p:cNvSpPr>
+          <p:cNvSpPr txBox="1"/>
           <p:nvPr>
-            <p:ph type="body" idx="1"/>
+            <p:ph idx="1" type="body"/>
           </p:nvPr>
         </p:nvSpPr>
         <p:spPr>
@@ -5646,11 +5591,11 @@
           </a:prstGeom>
         </p:spPr>
         <p:txBody>
-          <a:bodyPr spcFirstLastPara="1" wrap="square" lIns="91425" tIns="91425" rIns="91425" bIns="91425" anchor="ctr" anchorCtr="0">
+          <a:bodyPr anchorCtr="0" anchor="ctr" bIns="91425" lIns="91425" spcFirstLastPara="1" rIns="91425" wrap="square" tIns="91425">
             <a:normAutofit/>
           </a:bodyPr>
           <a:lstStyle>
-            <a:lvl1pPr marL="457200" lvl="0" indent="-228600" rtl="0">
+            <a:lvl1pPr indent="-228600" lvl="0" marL="457200" rtl="0">
               <a:lnSpc>
                 <a:spcPct val="100000"/>
               </a:lnSpc>
@@ -5671,19 +5616,15 @@
               </a:defRPr>
             </a:lvl1pPr>
           </a:lstStyle>
-          <a:p>
-            <a:endParaRPr/>
-          </a:p>
+          <a:p/>
         </p:txBody>
       </p:sp>
       <p:sp>
         <p:nvSpPr>
           <p:cNvPr id="51" name="Google Shape;51;p10"/>
-          <p:cNvSpPr txBox="1">
-            <a:spLocks noGrp="1"/>
-          </p:cNvSpPr>
+          <p:cNvSpPr txBox="1"/>
           <p:nvPr>
-            <p:ph type="sldNum" idx="12"/>
+            <p:ph idx="12" type="sldNum"/>
           </p:nvPr>
         </p:nvSpPr>
         <p:spPr>
@@ -5696,7 +5637,7 @@
           </a:prstGeom>
         </p:spPr>
         <p:txBody>
-          <a:bodyPr spcFirstLastPara="1" wrap="square" lIns="91425" tIns="91425" rIns="91425" bIns="91425" anchor="ctr" anchorCtr="0">
+          <a:bodyPr anchorCtr="0" anchor="ctr" bIns="91425" lIns="91425" spcFirstLastPara="1" rIns="91425" wrap="square" tIns="91425">
             <a:normAutofit/>
           </a:bodyPr>
           <a:lstStyle>
@@ -5738,7 +5679,7 @@
             </a:lvl9pPr>
           </a:lstStyle>
           <a:p>
-            <a:pPr marL="0" lvl="0" indent="0" algn="r" rtl="0">
+            <a:pPr indent="0" lvl="0" marL="0" rtl="0" algn="r">
               <a:spcBef>
                 <a:spcPts val="0"/>
               </a:spcBef>
@@ -5764,19 +5705,18 @@
 </file>
 
 <file path=ppt/slideMasters/slideMaster1.xml><?xml version="1.0" encoding="utf-8"?>
-<p:sldMaster xmlns:a="http://schemas.openxmlformats.org/drawingml/2006/main" xmlns:r="http://schemas.openxmlformats.org/officeDocument/2006/relationships" xmlns:p="http://schemas.openxmlformats.org/presentationml/2006/main">
+<p:sldMaster xmlns:a="http://schemas.openxmlformats.org/drawingml/2006/main" xmlns:r="http://schemas.openxmlformats.org/officeDocument/2006/relationships" xmlns:mc="http://schemas.openxmlformats.org/markup-compatibility/2006" xmlns:mv="urn:schemas-microsoft-com:mac:vml" xmlns:p="http://schemas.openxmlformats.org/presentationml/2006/main" xmlns:c="http://schemas.openxmlformats.org/drawingml/2006/chart" xmlns:dgm="http://schemas.openxmlformats.org/drawingml/2006/diagram" xmlns:o="urn:schemas-microsoft-com:office:office" xmlns:v="urn:schemas-microsoft-com:vml" xmlns:pvml="urn:schemas-microsoft-com:office:powerpoint" xmlns:com="http://schemas.openxmlformats.org/drawingml/2006/compatibility" xmlns:p14="http://schemas.microsoft.com/office/powerpoint/2010/main" xmlns:p15="http://schemas.microsoft.com/office/powerpoint/2012/main" xmlns:ahyp="http://schemas.microsoft.com/office/drawing/2018/hyperlinkcolor">
   <p:cSld name="marina">
     <p:bg>
       <p:bgPr>
         <a:solidFill>
           <a:schemeClr val="lt1"/>
         </a:solidFill>
-        <a:effectLst/>
       </p:bgPr>
     </p:bg>
     <p:spTree>
       <p:nvGrpSpPr>
-        <p:cNvPr id="1" name="Shape 5"/>
+        <p:cNvPr id="5" name="Shape 5"/>
         <p:cNvGrpSpPr/>
         <p:nvPr/>
       </p:nvGrpSpPr>
@@ -5791,9 +5731,7 @@
       <p:sp>
         <p:nvSpPr>
           <p:cNvPr id="6" name="Google Shape;6;p1"/>
-          <p:cNvSpPr txBox="1">
-            <a:spLocks noGrp="1"/>
-          </p:cNvSpPr>
+          <p:cNvSpPr txBox="1"/>
           <p:nvPr>
             <p:ph type="title"/>
           </p:nvPr>
@@ -5812,7 +5750,7 @@
           </a:ln>
         </p:spPr>
         <p:txBody>
-          <a:bodyPr spcFirstLastPara="1" wrap="square" lIns="91425" tIns="91425" rIns="91425" bIns="91425" anchor="b" anchorCtr="0">
+          <a:bodyPr anchorCtr="0" anchor="b" bIns="91425" lIns="91425" spcFirstLastPara="1" rIns="91425" wrap="square" tIns="91425">
             <a:normAutofit/>
           </a:bodyPr>
           <a:lstStyle>
@@ -6024,19 +5962,15 @@
               </a:defRPr>
             </a:lvl9pPr>
           </a:lstStyle>
-          <a:p>
-            <a:endParaRPr/>
-          </a:p>
+          <a:p/>
         </p:txBody>
       </p:sp>
       <p:sp>
         <p:nvSpPr>
           <p:cNvPr id="7" name="Google Shape;7;p1"/>
-          <p:cNvSpPr txBox="1">
-            <a:spLocks noGrp="1"/>
-          </p:cNvSpPr>
+          <p:cNvSpPr txBox="1"/>
           <p:nvPr>
-            <p:ph type="body" idx="1"/>
+            <p:ph idx="1" type="body"/>
           </p:nvPr>
         </p:nvSpPr>
         <p:spPr>
@@ -6053,11 +5987,11 @@
           </a:ln>
         </p:spPr>
         <p:txBody>
-          <a:bodyPr spcFirstLastPara="1" wrap="square" lIns="91425" tIns="91425" rIns="91425" bIns="91425" anchor="t" anchorCtr="0">
+          <a:bodyPr anchorCtr="0" anchor="t" bIns="91425" lIns="91425" spcFirstLastPara="1" rIns="91425" wrap="square" tIns="91425">
             <a:normAutofit/>
           </a:bodyPr>
           <a:lstStyle>
-            <a:lvl1pPr marL="457200" lvl="0" indent="-342900" rtl="0">
+            <a:lvl1pPr indent="-342900" lvl="0" marL="457200" rtl="0">
               <a:lnSpc>
                 <a:spcPct val="115000"/>
               </a:lnSpc>
@@ -6083,7 +6017,7 @@
                 <a:sym typeface="Roboto"/>
               </a:defRPr>
             </a:lvl1pPr>
-            <a:lvl2pPr marL="914400" lvl="1" indent="-317500" rtl="0">
+            <a:lvl2pPr indent="-317500" lvl="1" marL="914400" rtl="0">
               <a:lnSpc>
                 <a:spcPct val="115000"/>
               </a:lnSpc>
@@ -6109,7 +6043,7 @@
                 <a:sym typeface="Roboto"/>
               </a:defRPr>
             </a:lvl2pPr>
-            <a:lvl3pPr marL="1371600" lvl="2" indent="-317500" rtl="0">
+            <a:lvl3pPr indent="-317500" lvl="2" marL="1371600" rtl="0">
               <a:lnSpc>
                 <a:spcPct val="115000"/>
               </a:lnSpc>
@@ -6135,7 +6069,7 @@
                 <a:sym typeface="Roboto"/>
               </a:defRPr>
             </a:lvl3pPr>
-            <a:lvl4pPr marL="1828800" lvl="3" indent="-317500" rtl="0">
+            <a:lvl4pPr indent="-317500" lvl="3" marL="1828800" rtl="0">
               <a:lnSpc>
                 <a:spcPct val="115000"/>
               </a:lnSpc>
@@ -6161,7 +6095,7 @@
                 <a:sym typeface="Roboto"/>
               </a:defRPr>
             </a:lvl4pPr>
-            <a:lvl5pPr marL="2286000" lvl="4" indent="-317500" rtl="0">
+            <a:lvl5pPr indent="-317500" lvl="4" marL="2286000" rtl="0">
               <a:lnSpc>
                 <a:spcPct val="115000"/>
               </a:lnSpc>
@@ -6187,7 +6121,7 @@
                 <a:sym typeface="Roboto"/>
               </a:defRPr>
             </a:lvl5pPr>
-            <a:lvl6pPr marL="2743200" lvl="5" indent="-317500" rtl="0">
+            <a:lvl6pPr indent="-317500" lvl="5" marL="2743200" rtl="0">
               <a:lnSpc>
                 <a:spcPct val="115000"/>
               </a:lnSpc>
@@ -6213,7 +6147,7 @@
                 <a:sym typeface="Roboto"/>
               </a:defRPr>
             </a:lvl6pPr>
-            <a:lvl7pPr marL="3200400" lvl="6" indent="-317500" rtl="0">
+            <a:lvl7pPr indent="-317500" lvl="6" marL="3200400" rtl="0">
               <a:lnSpc>
                 <a:spcPct val="115000"/>
               </a:lnSpc>
@@ -6239,7 +6173,7 @@
                 <a:sym typeface="Roboto"/>
               </a:defRPr>
             </a:lvl7pPr>
-            <a:lvl8pPr marL="3657600" lvl="7" indent="-317500" rtl="0">
+            <a:lvl8pPr indent="-317500" lvl="7" marL="3657600" rtl="0">
               <a:lnSpc>
                 <a:spcPct val="115000"/>
               </a:lnSpc>
@@ -6265,7 +6199,7 @@
                 <a:sym typeface="Roboto"/>
               </a:defRPr>
             </a:lvl8pPr>
-            <a:lvl9pPr marL="4114800" lvl="8" indent="-317500" rtl="0">
+            <a:lvl9pPr indent="-317500" lvl="8" marL="4114800" rtl="0">
               <a:lnSpc>
                 <a:spcPct val="115000"/>
               </a:lnSpc>
@@ -6292,19 +6226,15 @@
               </a:defRPr>
             </a:lvl9pPr>
           </a:lstStyle>
-          <a:p>
-            <a:endParaRPr/>
-          </a:p>
+          <a:p/>
         </p:txBody>
       </p:sp>
       <p:sp>
         <p:nvSpPr>
           <p:cNvPr id="8" name="Google Shape;8;p1"/>
-          <p:cNvSpPr txBox="1">
-            <a:spLocks noGrp="1"/>
-          </p:cNvSpPr>
+          <p:cNvSpPr txBox="1"/>
           <p:nvPr>
-            <p:ph type="sldNum" idx="12"/>
+            <p:ph idx="12" type="sldNum"/>
           </p:nvPr>
         </p:nvSpPr>
         <p:spPr>
@@ -6321,11 +6251,11 @@
           </a:ln>
         </p:spPr>
         <p:txBody>
-          <a:bodyPr spcFirstLastPara="1" wrap="square" lIns="91425" tIns="91425" rIns="91425" bIns="91425" anchor="ctr" anchorCtr="0">
+          <a:bodyPr anchorCtr="0" anchor="ctr" bIns="91425" lIns="91425" spcFirstLastPara="1" rIns="91425" wrap="square" tIns="91425">
             <a:normAutofit/>
           </a:bodyPr>
           <a:lstStyle>
-            <a:lvl1pPr lvl="0" algn="r" rtl="0">
+            <a:lvl1pPr lvl="0" rtl="0" algn="r">
               <a:buNone/>
               <a:defRPr sz="1000">
                 <a:solidFill>
@@ -6337,7 +6267,7 @@
                 <a:sym typeface="Roboto"/>
               </a:defRPr>
             </a:lvl1pPr>
-            <a:lvl2pPr lvl="1" algn="r" rtl="0">
+            <a:lvl2pPr lvl="1" rtl="0" algn="r">
               <a:buNone/>
               <a:defRPr sz="1000">
                 <a:solidFill>
@@ -6349,7 +6279,7 @@
                 <a:sym typeface="Roboto"/>
               </a:defRPr>
             </a:lvl2pPr>
-            <a:lvl3pPr lvl="2" algn="r" rtl="0">
+            <a:lvl3pPr lvl="2" rtl="0" algn="r">
               <a:buNone/>
               <a:defRPr sz="1000">
                 <a:solidFill>
@@ -6361,7 +6291,7 @@
                 <a:sym typeface="Roboto"/>
               </a:defRPr>
             </a:lvl3pPr>
-            <a:lvl4pPr lvl="3" algn="r" rtl="0">
+            <a:lvl4pPr lvl="3" rtl="0" algn="r">
               <a:buNone/>
               <a:defRPr sz="1000">
                 <a:solidFill>
@@ -6373,7 +6303,7 @@
                 <a:sym typeface="Roboto"/>
               </a:defRPr>
             </a:lvl4pPr>
-            <a:lvl5pPr lvl="4" algn="r" rtl="0">
+            <a:lvl5pPr lvl="4" rtl="0" algn="r">
               <a:buNone/>
               <a:defRPr sz="1000">
                 <a:solidFill>
@@ -6385,7 +6315,7 @@
                 <a:sym typeface="Roboto"/>
               </a:defRPr>
             </a:lvl5pPr>
-            <a:lvl6pPr lvl="5" algn="r" rtl="0">
+            <a:lvl6pPr lvl="5" rtl="0" algn="r">
               <a:buNone/>
               <a:defRPr sz="1000">
                 <a:solidFill>
@@ -6397,7 +6327,7 @@
                 <a:sym typeface="Roboto"/>
               </a:defRPr>
             </a:lvl6pPr>
-            <a:lvl7pPr lvl="6" algn="r" rtl="0">
+            <a:lvl7pPr lvl="6" rtl="0" algn="r">
               <a:buNone/>
               <a:defRPr sz="1000">
                 <a:solidFill>
@@ -6409,7 +6339,7 @@
                 <a:sym typeface="Roboto"/>
               </a:defRPr>
             </a:lvl7pPr>
-            <a:lvl8pPr lvl="7" algn="r" rtl="0">
+            <a:lvl8pPr lvl="7" rtl="0" algn="r">
               <a:buNone/>
               <a:defRPr sz="1000">
                 <a:solidFill>
@@ -6421,7 +6351,7 @@
                 <a:sym typeface="Roboto"/>
               </a:defRPr>
             </a:lvl8pPr>
-            <a:lvl9pPr lvl="8" algn="r" rtl="0">
+            <a:lvl9pPr lvl="8" rtl="0" algn="r">
               <a:buNone/>
               <a:defRPr sz="1000">
                 <a:solidFill>
@@ -6435,7 +6365,7 @@
             </a:lvl9pPr>
           </a:lstStyle>
           <a:p>
-            <a:pPr marL="0" lvl="0" indent="0" algn="r" rtl="0">
+            <a:pPr indent="0" lvl="0" marL="0" rtl="0" algn="r">
               <a:spcBef>
                 <a:spcPts val="0"/>
               </a:spcBef>
@@ -6454,7 +6384,7 @@
       </p:sp>
     </p:spTree>
   </p:cSld>
-  <p:clrMap bg1="lt1" tx1="dk1" bg2="dk2" tx2="lt2" accent1="accent1" accent2="accent2" accent3="accent3" accent4="accent4" accent5="accent5" accent6="accent6" hlink="hlink" folHlink="folHlink"/>
+  <p:clrMap accent1="accent1" accent2="accent2" accent3="accent3" accent4="accent4" accent5="accent5" accent6="accent6" bg1="lt1" bg2="dk2" tx1="dk1" tx2="lt2" folHlink="folHlink" hlink="hlink"/>
   <p:sldLayoutIdLst>
     <p:sldLayoutId id="2147483648" r:id="rId1"/>
     <p:sldLayoutId id="2147483649" r:id="rId2"/>
@@ -6468,22 +6398,22 @@
     <p:sldLayoutId id="2147483657" r:id="rId10"/>
     <p:sldLayoutId id="2147483658" r:id="rId11"/>
   </p:sldLayoutIdLst>
-  <mc:AlternateContent xmlns:mc="http://schemas.openxmlformats.org/markup-compatibility/2006" xmlns:p14="http://schemas.microsoft.com/office/powerpoint/2010/main">
+  <mc:AlternateContent>
     <mc:Choice Requires="p14">
       <p:transition spd="slow" p14:dur="1500">
-        <p14:prism/>
+        <p14:prism dir="l"/>
       </p:transition>
     </mc:Choice>
-    <mc:Fallback xmlns:ahyp="http://schemas.microsoft.com/office/drawing/2018/hyperlinkcolor" xmlns:p15="http://schemas.microsoft.com/office/powerpoint/2012/main" xmlns:com="http://schemas.openxmlformats.org/drawingml/2006/compatibility" xmlns:pvml="urn:schemas-microsoft-com:office:powerpoint" xmlns:v="urn:schemas-microsoft-com:vml" xmlns:o="urn:schemas-microsoft-com:office:office" xmlns:dgm="http://schemas.openxmlformats.org/drawingml/2006/diagram" xmlns:c="http://schemas.openxmlformats.org/drawingml/2006/chart" xmlns:mv="urn:schemas-microsoft-com:mac:vml" xmlns="">
+    <mc:Fallback>
       <p:transition spd="slow">
         <p:fade/>
       </p:transition>
     </mc:Fallback>
   </mc:AlternateContent>
-  <p:hf sldNum="0" hdr="0" ftr="0" dt="0"/>
+  <p:hf dt="0" ftr="0" hdr="0" sldNum="0"/>
   <p:txStyles>
     <p:titleStyle>
-      <a:defPPr marR="0" lvl="0" algn="l" rtl="0">
+      <a:defPPr lvl="0" marR="0" rtl="0" algn="l">
         <a:lnSpc>
           <a:spcPct val="100000"/>
         </a:lnSpc>
@@ -6494,7 +6424,7 @@
           <a:spcPts val="0"/>
         </a:spcAft>
       </a:defPPr>
-      <a:lvl1pPr marR="0" lvl="0" algn="l" rtl="0">
+      <a:lvl1pPr lvl="0" marR="0" rtl="0" algn="l">
         <a:lnSpc>
           <a:spcPct val="100000"/>
         </a:lnSpc>
@@ -6508,7 +6438,7 @@
           <a:srgbClr val="000000"/>
         </a:buClr>
         <a:buFont typeface="Arial"/>
-        <a:defRPr sz="1400" b="0" i="0" u="none" strike="noStrike" cap="none">
+        <a:defRPr b="0" i="0" sz="1400" u="none" cap="none" strike="noStrike">
           <a:solidFill>
             <a:srgbClr val="000000"/>
           </a:solidFill>
@@ -6518,7 +6448,7 @@
           <a:sym typeface="Arial"/>
         </a:defRPr>
       </a:lvl1pPr>
-      <a:lvl2pPr marR="0" lvl="1" algn="l" rtl="0">
+      <a:lvl2pPr lvl="1" marR="0" rtl="0" algn="l">
         <a:lnSpc>
           <a:spcPct val="100000"/>
         </a:lnSpc>
@@ -6532,7 +6462,7 @@
           <a:srgbClr val="000000"/>
         </a:buClr>
         <a:buFont typeface="Arial"/>
-        <a:defRPr sz="1400" b="0" i="0" u="none" strike="noStrike" cap="none">
+        <a:defRPr b="0" i="0" sz="1400" u="none" cap="none" strike="noStrike">
           <a:solidFill>
             <a:srgbClr val="000000"/>
           </a:solidFill>
@@ -6542,7 +6472,7 @@
           <a:sym typeface="Arial"/>
         </a:defRPr>
       </a:lvl2pPr>
-      <a:lvl3pPr marR="0" lvl="2" algn="l" rtl="0">
+      <a:lvl3pPr lvl="2" marR="0" rtl="0" algn="l">
         <a:lnSpc>
           <a:spcPct val="100000"/>
         </a:lnSpc>
@@ -6556,7 +6486,7 @@
           <a:srgbClr val="000000"/>
         </a:buClr>
         <a:buFont typeface="Arial"/>
-        <a:defRPr sz="1400" b="0" i="0" u="none" strike="noStrike" cap="none">
+        <a:defRPr b="0" i="0" sz="1400" u="none" cap="none" strike="noStrike">
           <a:solidFill>
             <a:srgbClr val="000000"/>
           </a:solidFill>
@@ -6566,7 +6496,7 @@
           <a:sym typeface="Arial"/>
         </a:defRPr>
       </a:lvl3pPr>
-      <a:lvl4pPr marR="0" lvl="3" algn="l" rtl="0">
+      <a:lvl4pPr lvl="3" marR="0" rtl="0" algn="l">
         <a:lnSpc>
           <a:spcPct val="100000"/>
         </a:lnSpc>
@@ -6580,7 +6510,7 @@
           <a:srgbClr val="000000"/>
         </a:buClr>
         <a:buFont typeface="Arial"/>
-        <a:defRPr sz="1400" b="0" i="0" u="none" strike="noStrike" cap="none">
+        <a:defRPr b="0" i="0" sz="1400" u="none" cap="none" strike="noStrike">
           <a:solidFill>
             <a:srgbClr val="000000"/>
           </a:solidFill>
@@ -6590,7 +6520,7 @@
           <a:sym typeface="Arial"/>
         </a:defRPr>
       </a:lvl4pPr>
-      <a:lvl5pPr marR="0" lvl="4" algn="l" rtl="0">
+      <a:lvl5pPr lvl="4" marR="0" rtl="0" algn="l">
         <a:lnSpc>
           <a:spcPct val="100000"/>
         </a:lnSpc>
@@ -6604,7 +6534,7 @@
           <a:srgbClr val="000000"/>
         </a:buClr>
         <a:buFont typeface="Arial"/>
-        <a:defRPr sz="1400" b="0" i="0" u="none" strike="noStrike" cap="none">
+        <a:defRPr b="0" i="0" sz="1400" u="none" cap="none" strike="noStrike">
           <a:solidFill>
             <a:srgbClr val="000000"/>
           </a:solidFill>
@@ -6614,7 +6544,7 @@
           <a:sym typeface="Arial"/>
         </a:defRPr>
       </a:lvl5pPr>
-      <a:lvl6pPr marR="0" lvl="5" algn="l" rtl="0">
+      <a:lvl6pPr lvl="5" marR="0" rtl="0" algn="l">
         <a:lnSpc>
           <a:spcPct val="100000"/>
         </a:lnSpc>
@@ -6628,7 +6558,7 @@
           <a:srgbClr val="000000"/>
         </a:buClr>
         <a:buFont typeface="Arial"/>
-        <a:defRPr sz="1400" b="0" i="0" u="none" strike="noStrike" cap="none">
+        <a:defRPr b="0" i="0" sz="1400" u="none" cap="none" strike="noStrike">
           <a:solidFill>
             <a:srgbClr val="000000"/>
           </a:solidFill>
@@ -6638,7 +6568,7 @@
           <a:sym typeface="Arial"/>
         </a:defRPr>
       </a:lvl6pPr>
-      <a:lvl7pPr marR="0" lvl="6" algn="l" rtl="0">
+      <a:lvl7pPr lvl="6" marR="0" rtl="0" algn="l">
         <a:lnSpc>
           <a:spcPct val="100000"/>
         </a:lnSpc>
@@ -6652,7 +6582,7 @@
           <a:srgbClr val="000000"/>
         </a:buClr>
         <a:buFont typeface="Arial"/>
-        <a:defRPr sz="1400" b="0" i="0" u="none" strike="noStrike" cap="none">
+        <a:defRPr b="0" i="0" sz="1400" u="none" cap="none" strike="noStrike">
           <a:solidFill>
             <a:srgbClr val="000000"/>
           </a:solidFill>
@@ -6662,7 +6592,7 @@
           <a:sym typeface="Arial"/>
         </a:defRPr>
       </a:lvl7pPr>
-      <a:lvl8pPr marR="0" lvl="7" algn="l" rtl="0">
+      <a:lvl8pPr lvl="7" marR="0" rtl="0" algn="l">
         <a:lnSpc>
           <a:spcPct val="100000"/>
         </a:lnSpc>
@@ -6676,7 +6606,7 @@
           <a:srgbClr val="000000"/>
         </a:buClr>
         <a:buFont typeface="Arial"/>
-        <a:defRPr sz="1400" b="0" i="0" u="none" strike="noStrike" cap="none">
+        <a:defRPr b="0" i="0" sz="1400" u="none" cap="none" strike="noStrike">
           <a:solidFill>
             <a:srgbClr val="000000"/>
           </a:solidFill>
@@ -6686,7 +6616,7 @@
           <a:sym typeface="Arial"/>
         </a:defRPr>
       </a:lvl8pPr>
-      <a:lvl9pPr marR="0" lvl="8" algn="l" rtl="0">
+      <a:lvl9pPr lvl="8" marR="0" rtl="0" algn="l">
         <a:lnSpc>
           <a:spcPct val="100000"/>
         </a:lnSpc>
@@ -6700,7 +6630,7 @@
           <a:srgbClr val="000000"/>
         </a:buClr>
         <a:buFont typeface="Arial"/>
-        <a:defRPr sz="1400" b="0" i="0" u="none" strike="noStrike" cap="none">
+        <a:defRPr b="0" i="0" sz="1400" u="none" cap="none" strike="noStrike">
           <a:solidFill>
             <a:srgbClr val="000000"/>
           </a:solidFill>
@@ -6712,7 +6642,7 @@
       </a:lvl9pPr>
     </p:titleStyle>
     <p:bodyStyle>
-      <a:defPPr marR="0" lvl="0" algn="l" rtl="0">
+      <a:defPPr lvl="0" marR="0" rtl="0" algn="l">
         <a:lnSpc>
           <a:spcPct val="100000"/>
         </a:lnSpc>
@@ -6723,7 +6653,7 @@
           <a:spcPts val="0"/>
         </a:spcAft>
       </a:defPPr>
-      <a:lvl1pPr marR="0" lvl="0" algn="l" rtl="0">
+      <a:lvl1pPr lvl="0" marR="0" rtl="0" algn="l">
         <a:lnSpc>
           <a:spcPct val="100000"/>
         </a:lnSpc>
@@ -6737,7 +6667,7 @@
           <a:srgbClr val="000000"/>
         </a:buClr>
         <a:buFont typeface="Arial"/>
-        <a:defRPr sz="1400" b="0" i="0" u="none" strike="noStrike" cap="none">
+        <a:defRPr b="0" i="0" sz="1400" u="none" cap="none" strike="noStrike">
           <a:solidFill>
             <a:srgbClr val="000000"/>
           </a:solidFill>
@@ -6747,7 +6677,7 @@
           <a:sym typeface="Arial"/>
         </a:defRPr>
       </a:lvl1pPr>
-      <a:lvl2pPr marR="0" lvl="1" algn="l" rtl="0">
+      <a:lvl2pPr lvl="1" marR="0" rtl="0" algn="l">
         <a:lnSpc>
           <a:spcPct val="100000"/>
         </a:lnSpc>
@@ -6761,7 +6691,7 @@
           <a:srgbClr val="000000"/>
         </a:buClr>
         <a:buFont typeface="Arial"/>
-        <a:defRPr sz="1400" b="0" i="0" u="none" strike="noStrike" cap="none">
+        <a:defRPr b="0" i="0" sz="1400" u="none" cap="none" strike="noStrike">
           <a:solidFill>
             <a:srgbClr val="000000"/>
           </a:solidFill>
@@ -6771,7 +6701,7 @@
           <a:sym typeface="Arial"/>
         </a:defRPr>
       </a:lvl2pPr>
-      <a:lvl3pPr marR="0" lvl="2" algn="l" rtl="0">
+      <a:lvl3pPr lvl="2" marR="0" rtl="0" algn="l">
         <a:lnSpc>
           <a:spcPct val="100000"/>
         </a:lnSpc>
@@ -6785,7 +6715,7 @@
           <a:srgbClr val="000000"/>
         </a:buClr>
         <a:buFont typeface="Arial"/>
-        <a:defRPr sz="1400" b="0" i="0" u="none" strike="noStrike" cap="none">
+        <a:defRPr b="0" i="0" sz="1400" u="none" cap="none" strike="noStrike">
           <a:solidFill>
             <a:srgbClr val="000000"/>
           </a:solidFill>
@@ -6795,7 +6725,7 @@
           <a:sym typeface="Arial"/>
         </a:defRPr>
       </a:lvl3pPr>
-      <a:lvl4pPr marR="0" lvl="3" algn="l" rtl="0">
+      <a:lvl4pPr lvl="3" marR="0" rtl="0" algn="l">
         <a:lnSpc>
           <a:spcPct val="100000"/>
         </a:lnSpc>
@@ -6809,7 +6739,7 @@
           <a:srgbClr val="000000"/>
         </a:buClr>
         <a:buFont typeface="Arial"/>
-        <a:defRPr sz="1400" b="0" i="0" u="none" strike="noStrike" cap="none">
+        <a:defRPr b="0" i="0" sz="1400" u="none" cap="none" strike="noStrike">
           <a:solidFill>
             <a:srgbClr val="000000"/>
           </a:solidFill>
@@ -6819,7 +6749,7 @@
           <a:sym typeface="Arial"/>
         </a:defRPr>
       </a:lvl4pPr>
-      <a:lvl5pPr marR="0" lvl="4" algn="l" rtl="0">
+      <a:lvl5pPr lvl="4" marR="0" rtl="0" algn="l">
         <a:lnSpc>
           <a:spcPct val="100000"/>
         </a:lnSpc>
@@ -6833,7 +6763,7 @@
           <a:srgbClr val="000000"/>
         </a:buClr>
         <a:buFont typeface="Arial"/>
-        <a:defRPr sz="1400" b="0" i="0" u="none" strike="noStrike" cap="none">
+        <a:defRPr b="0" i="0" sz="1400" u="none" cap="none" strike="noStrike">
           <a:solidFill>
             <a:srgbClr val="000000"/>
           </a:solidFill>
@@ -6843,7 +6773,7 @@
           <a:sym typeface="Arial"/>
         </a:defRPr>
       </a:lvl5pPr>
-      <a:lvl6pPr marR="0" lvl="5" algn="l" rtl="0">
+      <a:lvl6pPr lvl="5" marR="0" rtl="0" algn="l">
         <a:lnSpc>
           <a:spcPct val="100000"/>
         </a:lnSpc>
@@ -6857,7 +6787,7 @@
           <a:srgbClr val="000000"/>
         </a:buClr>
         <a:buFont typeface="Arial"/>
-        <a:defRPr sz="1400" b="0" i="0" u="none" strike="noStrike" cap="none">
+        <a:defRPr b="0" i="0" sz="1400" u="none" cap="none" strike="noStrike">
           <a:solidFill>
             <a:srgbClr val="000000"/>
           </a:solidFill>
@@ -6867,7 +6797,7 @@
           <a:sym typeface="Arial"/>
         </a:defRPr>
       </a:lvl6pPr>
-      <a:lvl7pPr marR="0" lvl="6" algn="l" rtl="0">
+      <a:lvl7pPr lvl="6" marR="0" rtl="0" algn="l">
         <a:lnSpc>
           <a:spcPct val="100000"/>
         </a:lnSpc>
@@ -6881,7 +6811,7 @@
           <a:srgbClr val="000000"/>
         </a:buClr>
         <a:buFont typeface="Arial"/>
-        <a:defRPr sz="1400" b="0" i="0" u="none" strike="noStrike" cap="none">
+        <a:defRPr b="0" i="0" sz="1400" u="none" cap="none" strike="noStrike">
           <a:solidFill>
             <a:srgbClr val="000000"/>
           </a:solidFill>
@@ -6891,7 +6821,7 @@
           <a:sym typeface="Arial"/>
         </a:defRPr>
       </a:lvl7pPr>
-      <a:lvl8pPr marR="0" lvl="7" algn="l" rtl="0">
+      <a:lvl8pPr lvl="7" marR="0" rtl="0" algn="l">
         <a:lnSpc>
           <a:spcPct val="100000"/>
         </a:lnSpc>
@@ -6905,7 +6835,7 @@
           <a:srgbClr val="000000"/>
         </a:buClr>
         <a:buFont typeface="Arial"/>
-        <a:defRPr sz="1400" b="0" i="0" u="none" strike="noStrike" cap="none">
+        <a:defRPr b="0" i="0" sz="1400" u="none" cap="none" strike="noStrike">
           <a:solidFill>
             <a:srgbClr val="000000"/>
           </a:solidFill>
@@ -6915,7 +6845,7 @@
           <a:sym typeface="Arial"/>
         </a:defRPr>
       </a:lvl8pPr>
-      <a:lvl9pPr marR="0" lvl="8" algn="l" rtl="0">
+      <a:lvl9pPr lvl="8" marR="0" rtl="0" algn="l">
         <a:lnSpc>
           <a:spcPct val="100000"/>
         </a:lnSpc>
@@ -6929,7 +6859,7 @@
           <a:srgbClr val="000000"/>
         </a:buClr>
         <a:buFont typeface="Arial"/>
-        <a:defRPr sz="1400" b="0" i="0" u="none" strike="noStrike" cap="none">
+        <a:defRPr b="0" i="0" sz="1400" u="none" cap="none" strike="noStrike">
           <a:solidFill>
             <a:srgbClr val="000000"/>
           </a:solidFill>
@@ -6941,7 +6871,7 @@
       </a:lvl9pPr>
     </p:bodyStyle>
     <p:otherStyle>
-      <a:defPPr marR="0" lvl="0" algn="l" rtl="0">
+      <a:defPPr lvl="0" marR="0" rtl="0" algn="l">
         <a:lnSpc>
           <a:spcPct val="100000"/>
         </a:lnSpc>
@@ -6952,7 +6882,7 @@
           <a:spcPts val="0"/>
         </a:spcAft>
       </a:defPPr>
-      <a:lvl1pPr marR="0" lvl="0" algn="l" rtl="0">
+      <a:lvl1pPr lvl="0" marR="0" rtl="0" algn="l">
         <a:lnSpc>
           <a:spcPct val="100000"/>
         </a:lnSpc>
@@ -6966,7 +6896,7 @@
           <a:srgbClr val="000000"/>
         </a:buClr>
         <a:buFont typeface="Arial"/>
-        <a:defRPr sz="1400" b="0" i="0" u="none" strike="noStrike" cap="none">
+        <a:defRPr b="0" i="0" sz="1400" u="none" cap="none" strike="noStrike">
           <a:solidFill>
             <a:srgbClr val="000000"/>
           </a:solidFill>
@@ -6976,7 +6906,7 @@
           <a:sym typeface="Arial"/>
         </a:defRPr>
       </a:lvl1pPr>
-      <a:lvl2pPr marR="0" lvl="1" algn="l" rtl="0">
+      <a:lvl2pPr lvl="1" marR="0" rtl="0" algn="l">
         <a:lnSpc>
           <a:spcPct val="100000"/>
         </a:lnSpc>
@@ -6990,7 +6920,7 @@
           <a:srgbClr val="000000"/>
         </a:buClr>
         <a:buFont typeface="Arial"/>
-        <a:defRPr sz="1400" b="0" i="0" u="none" strike="noStrike" cap="none">
+        <a:defRPr b="0" i="0" sz="1400" u="none" cap="none" strike="noStrike">
           <a:solidFill>
             <a:srgbClr val="000000"/>
           </a:solidFill>
@@ -7000,7 +6930,7 @@
           <a:sym typeface="Arial"/>
         </a:defRPr>
       </a:lvl2pPr>
-      <a:lvl3pPr marR="0" lvl="2" algn="l" rtl="0">
+      <a:lvl3pPr lvl="2" marR="0" rtl="0" algn="l">
         <a:lnSpc>
           <a:spcPct val="100000"/>
         </a:lnSpc>
@@ -7014,7 +6944,7 @@
           <a:srgbClr val="000000"/>
         </a:buClr>
         <a:buFont typeface="Arial"/>
-        <a:defRPr sz="1400" b="0" i="0" u="none" strike="noStrike" cap="none">
+        <a:defRPr b="0" i="0" sz="1400" u="none" cap="none" strike="noStrike">
           <a:solidFill>
             <a:srgbClr val="000000"/>
           </a:solidFill>
@@ -7024,7 +6954,7 @@
           <a:sym typeface="Arial"/>
         </a:defRPr>
       </a:lvl3pPr>
-      <a:lvl4pPr marR="0" lvl="3" algn="l" rtl="0">
+      <a:lvl4pPr lvl="3" marR="0" rtl="0" algn="l">
         <a:lnSpc>
           <a:spcPct val="100000"/>
         </a:lnSpc>
@@ -7038,7 +6968,7 @@
           <a:srgbClr val="000000"/>
         </a:buClr>
         <a:buFont typeface="Arial"/>
-        <a:defRPr sz="1400" b="0" i="0" u="none" strike="noStrike" cap="none">
+        <a:defRPr b="0" i="0" sz="1400" u="none" cap="none" strike="noStrike">
           <a:solidFill>
             <a:srgbClr val="000000"/>
           </a:solidFill>
@@ -7048,7 +6978,7 @@
           <a:sym typeface="Arial"/>
         </a:defRPr>
       </a:lvl4pPr>
-      <a:lvl5pPr marR="0" lvl="4" algn="l" rtl="0">
+      <a:lvl5pPr lvl="4" marR="0" rtl="0" algn="l">
         <a:lnSpc>
           <a:spcPct val="100000"/>
         </a:lnSpc>
@@ -7062,7 +6992,7 @@
           <a:srgbClr val="000000"/>
         </a:buClr>
         <a:buFont typeface="Arial"/>
-        <a:defRPr sz="1400" b="0" i="0" u="none" strike="noStrike" cap="none">
+        <a:defRPr b="0" i="0" sz="1400" u="none" cap="none" strike="noStrike">
           <a:solidFill>
             <a:srgbClr val="000000"/>
           </a:solidFill>
@@ -7072,7 +7002,7 @@
           <a:sym typeface="Arial"/>
         </a:defRPr>
       </a:lvl5pPr>
-      <a:lvl6pPr marR="0" lvl="5" algn="l" rtl="0">
+      <a:lvl6pPr lvl="5" marR="0" rtl="0" algn="l">
         <a:lnSpc>
           <a:spcPct val="100000"/>
         </a:lnSpc>
@@ -7086,7 +7016,7 @@
           <a:srgbClr val="000000"/>
         </a:buClr>
         <a:buFont typeface="Arial"/>
-        <a:defRPr sz="1400" b="0" i="0" u="none" strike="noStrike" cap="none">
+        <a:defRPr b="0" i="0" sz="1400" u="none" cap="none" strike="noStrike">
           <a:solidFill>
             <a:srgbClr val="000000"/>
           </a:solidFill>
@@ -7096,7 +7026,7 @@
           <a:sym typeface="Arial"/>
         </a:defRPr>
       </a:lvl6pPr>
-      <a:lvl7pPr marR="0" lvl="6" algn="l" rtl="0">
+      <a:lvl7pPr lvl="6" marR="0" rtl="0" algn="l">
         <a:lnSpc>
           <a:spcPct val="100000"/>
         </a:lnSpc>
@@ -7110,7 +7040,7 @@
           <a:srgbClr val="000000"/>
         </a:buClr>
         <a:buFont typeface="Arial"/>
-        <a:defRPr sz="1400" b="0" i="0" u="none" strike="noStrike" cap="none">
+        <a:defRPr b="0" i="0" sz="1400" u="none" cap="none" strike="noStrike">
           <a:solidFill>
             <a:srgbClr val="000000"/>
           </a:solidFill>
@@ -7120,7 +7050,7 @@
           <a:sym typeface="Arial"/>
         </a:defRPr>
       </a:lvl7pPr>
-      <a:lvl8pPr marR="0" lvl="7" algn="l" rtl="0">
+      <a:lvl8pPr lvl="7" marR="0" rtl="0" algn="l">
         <a:lnSpc>
           <a:spcPct val="100000"/>
         </a:lnSpc>
@@ -7134,7 +7064,7 @@
           <a:srgbClr val="000000"/>
         </a:buClr>
         <a:buFont typeface="Arial"/>
-        <a:defRPr sz="1400" b="0" i="0" u="none" strike="noStrike" cap="none">
+        <a:defRPr b="0" i="0" sz="1400" u="none" cap="none" strike="noStrike">
           <a:solidFill>
             <a:srgbClr val="000000"/>
           </a:solidFill>
@@ -7144,7 +7074,7 @@
           <a:sym typeface="Arial"/>
         </a:defRPr>
       </a:lvl8pPr>
-      <a:lvl9pPr marR="0" lvl="8" algn="l" rtl="0">
+      <a:lvl9pPr lvl="8" marR="0" rtl="0" algn="l">
         <a:lnSpc>
           <a:spcPct val="100000"/>
         </a:lnSpc>
@@ -7158,7 +7088,7 @@
           <a:srgbClr val="000000"/>
         </a:buClr>
         <a:buFont typeface="Arial"/>
-        <a:defRPr sz="1400" b="0" i="0" u="none" strike="noStrike" cap="none">
+        <a:defRPr b="0" i="0" sz="1400" u="none" cap="none" strike="noStrike">
           <a:solidFill>
             <a:srgbClr val="000000"/>
           </a:solidFill>
@@ -7174,11 +7104,11 @@
 </file>
 
 <file path=ppt/slides/slide1.xml><?xml version="1.0" encoding="utf-8"?>
-<p:sld xmlns:a="http://schemas.openxmlformats.org/drawingml/2006/main" xmlns:r="http://schemas.openxmlformats.org/officeDocument/2006/relationships" xmlns:p="http://schemas.openxmlformats.org/presentationml/2006/main">
+<p:sld xmlns:a="http://schemas.openxmlformats.org/drawingml/2006/main" xmlns:r="http://schemas.openxmlformats.org/officeDocument/2006/relationships" xmlns:mc="http://schemas.openxmlformats.org/markup-compatibility/2006" xmlns:mv="urn:schemas-microsoft-com:mac:vml" xmlns:p="http://schemas.openxmlformats.org/presentationml/2006/main" xmlns:c="http://schemas.openxmlformats.org/drawingml/2006/chart" xmlns:dgm="http://schemas.openxmlformats.org/drawingml/2006/diagram" xmlns:o="urn:schemas-microsoft-com:office:office" xmlns:v="urn:schemas-microsoft-com:vml" xmlns:pvml="urn:schemas-microsoft-com:office:powerpoint" xmlns:com="http://schemas.openxmlformats.org/drawingml/2006/compatibility" xmlns:p14="http://schemas.microsoft.com/office/powerpoint/2010/main" xmlns:p15="http://schemas.microsoft.com/office/powerpoint/2012/main" xmlns:ahyp="http://schemas.microsoft.com/office/drawing/2018/hyperlinkcolor">
   <p:cSld>
     <p:spTree>
       <p:nvGrpSpPr>
-        <p:cNvPr id="1" name="Shape 62"/>
+        <p:cNvPr id="62" name="Shape 62"/>
         <p:cNvGrpSpPr/>
         <p:nvPr/>
       </p:nvGrpSpPr>
@@ -7193,9 +7123,7 @@
       <p:sp>
         <p:nvSpPr>
           <p:cNvPr id="63" name="Google Shape;63;p13"/>
-          <p:cNvSpPr txBox="1">
-            <a:spLocks noGrp="1"/>
-          </p:cNvSpPr>
+          <p:cNvSpPr txBox="1"/>
           <p:nvPr>
             <p:ph type="ctrTitle"/>
           </p:nvPr>
@@ -7210,12 +7138,12 @@
           </a:prstGeom>
         </p:spPr>
         <p:txBody>
-          <a:bodyPr spcFirstLastPara="1" wrap="square" lIns="91425" tIns="91425" rIns="91425" bIns="91425" anchor="b" anchorCtr="0">
+          <a:bodyPr anchorCtr="0" anchor="b" bIns="91425" lIns="91425" spcFirstLastPara="1" rIns="91425" wrap="square" tIns="91425">
             <a:normAutofit fontScale="90000"/>
           </a:bodyPr>
           <a:lstStyle/>
           <a:p>
-            <a:pPr marL="0" lvl="0" indent="0" algn="ctr" rtl="0">
+            <a:pPr indent="0" lvl="0" marL="0" rtl="0" algn="ctr">
               <a:spcBef>
                 <a:spcPts val="0"/>
               </a:spcBef>
@@ -7225,21 +7153,21 @@
               <a:buNone/>
             </a:pPr>
             <a:r>
-              <a:rPr lang="en" sz="3633" b="1">
+              <a:rPr b="1" lang="en" sz="3633">
                 <a:solidFill>
                   <a:srgbClr val="FFF2CC"/>
                 </a:solidFill>
               </a:rPr>
               <a:t>THE ADA PROJECT</a:t>
             </a:r>
-            <a:endParaRPr sz="3633" b="1">
+            <a:endParaRPr b="1" sz="3633">
               <a:solidFill>
                 <a:srgbClr val="FFF2CC"/>
               </a:solidFill>
             </a:endParaRPr>
           </a:p>
           <a:p>
-            <a:pPr marL="0" lvl="0" indent="0" algn="ctr" rtl="0">
+            <a:pPr indent="0" lvl="0" marL="0" rtl="0" algn="ctr">
               <a:spcBef>
                 <a:spcPts val="0"/>
               </a:spcBef>
@@ -7249,7 +7177,7 @@
               <a:buNone/>
             </a:pPr>
             <a:r>
-              <a:rPr lang="en" sz="2533" b="1">
+              <a:rPr b="1" lang="en" sz="2533">
                 <a:solidFill>
                   <a:srgbClr val="FFF2CC"/>
                 </a:solidFill>
@@ -7321,13 +7249,13 @@
   <p:clrMapOvr>
     <a:masterClrMapping/>
   </p:clrMapOvr>
-  <mc:AlternateContent xmlns:mc="http://schemas.openxmlformats.org/markup-compatibility/2006" xmlns:p14="http://schemas.microsoft.com/office/powerpoint/2010/main">
+  <mc:AlternateContent>
     <mc:Choice Requires="p14">
       <p:transition spd="slow" p14:dur="1500">
         <p14:gallery dir="l"/>
       </p:transition>
     </mc:Choice>
-    <mc:Fallback xmlns:ahyp="http://schemas.microsoft.com/office/drawing/2018/hyperlinkcolor" xmlns:p15="http://schemas.microsoft.com/office/powerpoint/2012/main" xmlns:com="http://schemas.openxmlformats.org/drawingml/2006/compatibility" xmlns:pvml="urn:schemas-microsoft-com:office:powerpoint" xmlns:v="urn:schemas-microsoft-com:vml" xmlns:o="urn:schemas-microsoft-com:office:office" xmlns:dgm="http://schemas.openxmlformats.org/drawingml/2006/diagram" xmlns:c="http://schemas.openxmlformats.org/drawingml/2006/chart" xmlns:mv="urn:schemas-microsoft-com:mac:vml" xmlns="">
+    <mc:Fallback>
       <p:transition spd="slow">
         <p:fade/>
       </p:transition>
@@ -7337,11 +7265,18 @@
 </file>
 
 <file path=ppt/slides/slide10.xml><?xml version="1.0" encoding="utf-8"?>
-<p:sld xmlns:a="http://schemas.openxmlformats.org/drawingml/2006/main" xmlns:r="http://schemas.openxmlformats.org/officeDocument/2006/relationships" xmlns:p="http://schemas.openxmlformats.org/presentationml/2006/main">
+<p:sld xmlns:a="http://schemas.openxmlformats.org/drawingml/2006/main" xmlns:r="http://schemas.openxmlformats.org/officeDocument/2006/relationships" xmlns:mc="http://schemas.openxmlformats.org/markup-compatibility/2006" xmlns:mv="urn:schemas-microsoft-com:mac:vml" xmlns:p="http://schemas.openxmlformats.org/presentationml/2006/main" xmlns:c="http://schemas.openxmlformats.org/drawingml/2006/chart" xmlns:dgm="http://schemas.openxmlformats.org/drawingml/2006/diagram" xmlns:o="urn:schemas-microsoft-com:office:office" xmlns:v="urn:schemas-microsoft-com:vml" xmlns:pvml="urn:schemas-microsoft-com:office:powerpoint" xmlns:com="http://schemas.openxmlformats.org/drawingml/2006/compatibility" xmlns:p14="http://schemas.microsoft.com/office/powerpoint/2010/main" xmlns:p15="http://schemas.microsoft.com/office/powerpoint/2012/main" xmlns:ahyp="http://schemas.microsoft.com/office/drawing/2018/hyperlinkcolor">
   <p:cSld>
+    <p:bg>
+      <p:bgPr>
+        <a:solidFill>
+          <a:schemeClr val="dk1"/>
+        </a:solidFill>
+      </p:bgPr>
+    </p:bg>
     <p:spTree>
       <p:nvGrpSpPr>
-        <p:cNvPr id="1" name="Shape 128"/>
+        <p:cNvPr id="124" name="Shape 124"/>
         <p:cNvGrpSpPr/>
         <p:nvPr/>
       </p:nvGrpSpPr>
@@ -7355,10 +7290,8 @@
       </p:grpSpPr>
       <p:sp>
         <p:nvSpPr>
-          <p:cNvPr id="129" name="Google Shape;129;p22"/>
-          <p:cNvSpPr txBox="1">
-            <a:spLocks noGrp="1"/>
-          </p:cNvSpPr>
+          <p:cNvPr id="125" name="Google Shape;125;p22"/>
+          <p:cNvSpPr txBox="1"/>
           <p:nvPr>
             <p:ph type="title"/>
           </p:nvPr>
@@ -7373,22 +7306,178 @@
           </a:prstGeom>
         </p:spPr>
         <p:txBody>
-          <a:bodyPr spcFirstLastPara="1" wrap="square" lIns="91425" tIns="91425" rIns="91425" bIns="91425" anchor="b" anchorCtr="0">
+          <a:bodyPr anchorCtr="0" anchor="b" bIns="91425" lIns="91425" spcFirstLastPara="1" rIns="91425" wrap="square" tIns="91425">
             <a:normAutofit/>
           </a:bodyPr>
           <a:lstStyle/>
           <a:p>
-            <a:pPr marL="0" lvl="0" indent="0" algn="l" rtl="0">
-              <a:spcBef>
-                <a:spcPts val="0"/>
-              </a:spcBef>
-              <a:spcAft>
-                <a:spcPts val="0"/>
+            <a:pPr indent="0" lvl="0" marL="0" rtl="0" algn="l">
+              <a:lnSpc>
+                <a:spcPct val="115000"/>
+              </a:lnSpc>
+              <a:spcBef>
+                <a:spcPts val="0"/>
+              </a:spcBef>
+              <a:spcAft>
+                <a:spcPts val="1200"/>
               </a:spcAft>
               <a:buNone/>
             </a:pPr>
             <a:r>
-              <a:rPr lang="en" b="1">
+              <a:rPr b="1" lang="en">
+                <a:solidFill>
+                  <a:schemeClr val="lt1"/>
+                </a:solidFill>
+                <a:latin typeface="Roboto"/>
+                <a:ea typeface="Roboto"/>
+                <a:cs typeface="Roboto"/>
+                <a:sym typeface="Roboto"/>
+              </a:rPr>
+              <a:t>Insight 5 - Mental illness is hereditary.</a:t>
+            </a:r>
+            <a:endParaRPr>
+              <a:solidFill>
+                <a:schemeClr val="lt1"/>
+              </a:solidFill>
+            </a:endParaRPr>
+          </a:p>
+        </p:txBody>
+      </p:sp>
+      <p:sp>
+        <p:nvSpPr>
+          <p:cNvPr id="126" name="Google Shape;126;p22"/>
+          <p:cNvSpPr txBox="1"/>
+          <p:nvPr>
+            <p:ph idx="1" type="body"/>
+          </p:nvPr>
+        </p:nvSpPr>
+        <p:spPr>
+          <a:xfrm>
+            <a:off x="387900" y="1489824"/>
+            <a:ext cx="8368200" cy="1343100"/>
+          </a:xfrm>
+          <a:prstGeom prst="rect">
+            <a:avLst/>
+          </a:prstGeom>
+        </p:spPr>
+        <p:txBody>
+          <a:bodyPr anchorCtr="0" anchor="t" bIns="91425" lIns="91425" spcFirstLastPara="1" rIns="91425" wrap="square" tIns="91425">
+            <a:normAutofit/>
+          </a:bodyPr>
+          <a:lstStyle/>
+          <a:p>
+            <a:pPr indent="0" lvl="0" marL="0" rtl="0" algn="l">
+              <a:spcBef>
+                <a:spcPts val="0"/>
+              </a:spcBef>
+              <a:spcAft>
+                <a:spcPts val="1200"/>
+              </a:spcAft>
+              <a:buNone/>
+            </a:pPr>
+            <a:r>
+              <a:rPr lang="en">
+                <a:solidFill>
+                  <a:schemeClr val="lt1"/>
+                </a:solidFill>
+              </a:rPr>
+              <a:t>It was found that persons with a family history of mental illness are at higher risk of mental illness as most people with mental health challenges seem to also have persons with similar illness in their family history</a:t>
+            </a:r>
+            <a:endParaRPr>
+              <a:solidFill>
+                <a:schemeClr val="lt1"/>
+              </a:solidFill>
+            </a:endParaRPr>
+          </a:p>
+        </p:txBody>
+      </p:sp>
+      <p:pic>
+        <p:nvPicPr>
+          <p:cNvPr id="127" name="Google Shape;127;p22"/>
+          <p:cNvPicPr preferRelativeResize="0"/>
+          <p:nvPr/>
+        </p:nvPicPr>
+        <p:blipFill>
+          <a:blip r:embed="rId3">
+            <a:alphaModFix/>
+          </a:blip>
+          <a:stretch>
+            <a:fillRect/>
+          </a:stretch>
+        </p:blipFill>
+        <p:spPr>
+          <a:xfrm>
+            <a:off x="2965250" y="2734174"/>
+            <a:ext cx="2746619" cy="2005776"/>
+          </a:xfrm>
+          <a:prstGeom prst="rect">
+            <a:avLst/>
+          </a:prstGeom>
+          <a:noFill/>
+          <a:ln>
+            <a:noFill/>
+          </a:ln>
+        </p:spPr>
+      </p:pic>
+    </p:spTree>
+  </p:cSld>
+  <p:clrMapOvr>
+    <a:masterClrMapping/>
+  </p:clrMapOvr>
+</p:sld>
+</file>
+
+<file path=ppt/slides/slide11.xml><?xml version="1.0" encoding="utf-8"?>
+<p:sld xmlns:a="http://schemas.openxmlformats.org/drawingml/2006/main" xmlns:r="http://schemas.openxmlformats.org/officeDocument/2006/relationships" xmlns:mc="http://schemas.openxmlformats.org/markup-compatibility/2006" xmlns:mv="urn:schemas-microsoft-com:mac:vml" xmlns:p="http://schemas.openxmlformats.org/presentationml/2006/main" xmlns:c="http://schemas.openxmlformats.org/drawingml/2006/chart" xmlns:dgm="http://schemas.openxmlformats.org/drawingml/2006/diagram" xmlns:o="urn:schemas-microsoft-com:office:office" xmlns:v="urn:schemas-microsoft-com:vml" xmlns:pvml="urn:schemas-microsoft-com:office:powerpoint" xmlns:com="http://schemas.openxmlformats.org/drawingml/2006/compatibility" xmlns:p14="http://schemas.microsoft.com/office/powerpoint/2010/main" xmlns:p15="http://schemas.microsoft.com/office/powerpoint/2012/main" xmlns:ahyp="http://schemas.microsoft.com/office/drawing/2018/hyperlinkcolor">
+  <p:cSld>
+    <p:spTree>
+      <p:nvGrpSpPr>
+        <p:cNvPr id="131" name="Shape 131"/>
+        <p:cNvGrpSpPr/>
+        <p:nvPr/>
+      </p:nvGrpSpPr>
+      <p:grpSpPr>
+        <a:xfrm>
+          <a:off x="0" y="0"/>
+          <a:ext cx="0" cy="0"/>
+          <a:chOff x="0" y="0"/>
+          <a:chExt cx="0" cy="0"/>
+        </a:xfrm>
+      </p:grpSpPr>
+      <p:sp>
+        <p:nvSpPr>
+          <p:cNvPr id="132" name="Google Shape;132;p23"/>
+          <p:cNvSpPr txBox="1"/>
+          <p:nvPr>
+            <p:ph type="title"/>
+          </p:nvPr>
+        </p:nvSpPr>
+        <p:spPr>
+          <a:xfrm>
+            <a:off x="387900" y="458025"/>
+            <a:ext cx="8368200" cy="686100"/>
+          </a:xfrm>
+          <a:prstGeom prst="rect">
+            <a:avLst/>
+          </a:prstGeom>
+        </p:spPr>
+        <p:txBody>
+          <a:bodyPr anchorCtr="0" anchor="b" bIns="91425" lIns="91425" spcFirstLastPara="1" rIns="91425" wrap="square" tIns="91425">
+            <a:normAutofit/>
+          </a:bodyPr>
+          <a:lstStyle/>
+          <a:p>
+            <a:pPr indent="0" lvl="0" marL="0" rtl="0" algn="l">
+              <a:spcBef>
+                <a:spcPts val="0"/>
+              </a:spcBef>
+              <a:spcAft>
+                <a:spcPts val="0"/>
+              </a:spcAft>
+              <a:buNone/>
+            </a:pPr>
+            <a:r>
+              <a:rPr b="1" lang="en">
                 <a:solidFill>
                   <a:srgbClr val="FFF2CC"/>
                 </a:solidFill>
@@ -7405,12 +7494,10 @@
       </p:sp>
       <p:sp>
         <p:nvSpPr>
-          <p:cNvPr id="130" name="Google Shape;130;p22"/>
-          <p:cNvSpPr txBox="1">
-            <a:spLocks noGrp="1"/>
-          </p:cNvSpPr>
+          <p:cNvPr id="133" name="Google Shape;133;p23"/>
+          <p:cNvSpPr txBox="1"/>
           <p:nvPr>
-            <p:ph type="body" idx="1"/>
+            <p:ph idx="1" type="body"/>
           </p:nvPr>
         </p:nvSpPr>
         <p:spPr>
@@ -7423,12 +7510,12 @@
           </a:prstGeom>
         </p:spPr>
         <p:txBody>
-          <a:bodyPr spcFirstLastPara="1" wrap="square" lIns="91425" tIns="91425" rIns="91425" bIns="91425" anchor="t" anchorCtr="0">
+          <a:bodyPr anchorCtr="0" anchor="t" bIns="91425" lIns="91425" spcFirstLastPara="1" rIns="91425" wrap="square" tIns="91425">
             <a:normAutofit/>
           </a:bodyPr>
           <a:lstStyle/>
           <a:p>
-            <a:pPr marL="0" lvl="0" indent="0" algn="l" rtl="0">
+            <a:pPr indent="0" lvl="0" marL="0" rtl="0" algn="l">
               <a:spcBef>
                 <a:spcPts val="0"/>
               </a:spcBef>
@@ -7444,7 +7531,7 @@
             <a:endParaRPr/>
           </a:p>
           <a:p>
-            <a:pPr marL="0" lvl="0" indent="0" algn="l" rtl="0">
+            <a:pPr indent="0" lvl="0" marL="0" rtl="0" algn="l">
               <a:spcBef>
                 <a:spcPts val="1200"/>
               </a:spcBef>
@@ -7454,7 +7541,7 @@
               <a:buNone/>
             </a:pPr>
             <a:r>
-              <a:rPr lang="en" i="1"/>
+              <a:rPr i="1" lang="en"/>
               <a:t>Also, people with mental disorder in their family History have higher chance of mental health disorder.</a:t>
             </a:r>
             <a:endParaRPr i="1"/>
@@ -7470,11 +7557,11 @@
 </file>
 
 <file path=ppt/slides/slide2.xml><?xml version="1.0" encoding="utf-8"?>
-<p:sld xmlns:a="http://schemas.openxmlformats.org/drawingml/2006/main" xmlns:r="http://schemas.openxmlformats.org/officeDocument/2006/relationships" xmlns:p="http://schemas.openxmlformats.org/presentationml/2006/main">
+<p:sld xmlns:a="http://schemas.openxmlformats.org/drawingml/2006/main" xmlns:r="http://schemas.openxmlformats.org/officeDocument/2006/relationships" xmlns:mc="http://schemas.openxmlformats.org/markup-compatibility/2006" xmlns:mv="urn:schemas-microsoft-com:mac:vml" xmlns:p="http://schemas.openxmlformats.org/presentationml/2006/main" xmlns:c="http://schemas.openxmlformats.org/drawingml/2006/chart" xmlns:dgm="http://schemas.openxmlformats.org/drawingml/2006/diagram" xmlns:o="urn:schemas-microsoft-com:office:office" xmlns:v="urn:schemas-microsoft-com:vml" xmlns:pvml="urn:schemas-microsoft-com:office:powerpoint" xmlns:com="http://schemas.openxmlformats.org/drawingml/2006/compatibility" xmlns:p14="http://schemas.microsoft.com/office/powerpoint/2010/main" xmlns:p15="http://schemas.microsoft.com/office/powerpoint/2012/main" xmlns:ahyp="http://schemas.microsoft.com/office/drawing/2018/hyperlinkcolor">
   <p:cSld>
     <p:spTree>
       <p:nvGrpSpPr>
-        <p:cNvPr id="1" name="Shape 69"/>
+        <p:cNvPr id="69" name="Shape 69"/>
         <p:cNvGrpSpPr/>
         <p:nvPr/>
       </p:nvGrpSpPr>
@@ -7489,9 +7576,7 @@
       <p:sp>
         <p:nvSpPr>
           <p:cNvPr id="70" name="Google Shape;70;p14"/>
-          <p:cNvSpPr txBox="1">
-            <a:spLocks noGrp="1"/>
-          </p:cNvSpPr>
+          <p:cNvSpPr txBox="1"/>
           <p:nvPr>
             <p:ph type="title"/>
           </p:nvPr>
@@ -7499,19 +7584,19 @@
         <p:spPr>
           <a:xfrm>
             <a:off x="387900" y="458025"/>
-            <a:ext cx="8368200" cy="686100"/>
+            <a:ext cx="8368200" cy="718800"/>
           </a:xfrm>
           <a:prstGeom prst="rect">
             <a:avLst/>
           </a:prstGeom>
         </p:spPr>
         <p:txBody>
-          <a:bodyPr spcFirstLastPara="1" wrap="square" lIns="91425" tIns="91425" rIns="91425" bIns="91425" anchor="b" anchorCtr="0">
+          <a:bodyPr anchorCtr="0" anchor="b" bIns="91425" lIns="91425" spcFirstLastPara="1" rIns="91425" wrap="square" tIns="91425">
             <a:normAutofit/>
           </a:bodyPr>
           <a:lstStyle/>
           <a:p>
-            <a:pPr marL="0" lvl="0" indent="0" algn="l" rtl="0">
+            <a:pPr indent="0" lvl="0" marL="0" rtl="0" algn="l">
               <a:spcBef>
                 <a:spcPts val="0"/>
               </a:spcBef>
@@ -7521,14 +7606,14 @@
               <a:buNone/>
             </a:pPr>
             <a:r>
-              <a:rPr lang="en" sz="2000" b="1">
+              <a:rPr b="1" lang="en" sz="2000">
                 <a:solidFill>
                   <a:srgbClr val="FFF2CC"/>
                 </a:solidFill>
               </a:rPr>
-              <a:t>REPORT ON SQL ANALYSIS OF MENTAL HEALTH SURVEY</a:t>
+              <a:t>INSIGHTS FROM SQL ANALYSIS OF A MENTAL HEALTH SURVEY</a:t>
             </a:r>
-            <a:endParaRPr sz="2000" b="1">
+            <a:endParaRPr b="1" sz="2000">
               <a:solidFill>
                 <a:srgbClr val="FFF2CC"/>
               </a:solidFill>
@@ -7539,11 +7624,9 @@
       <p:sp>
         <p:nvSpPr>
           <p:cNvPr id="71" name="Google Shape;71;p14"/>
-          <p:cNvSpPr txBox="1">
-            <a:spLocks noGrp="1"/>
-          </p:cNvSpPr>
+          <p:cNvSpPr txBox="1"/>
           <p:nvPr>
-            <p:ph type="body" idx="1"/>
+            <p:ph idx="1" type="body"/>
           </p:nvPr>
         </p:nvSpPr>
         <p:spPr>
@@ -7556,12 +7639,12 @@
           </a:prstGeom>
         </p:spPr>
         <p:txBody>
-          <a:bodyPr spcFirstLastPara="1" wrap="square" lIns="91425" tIns="91425" rIns="91425" bIns="91425" anchor="t" anchorCtr="0">
+          <a:bodyPr anchorCtr="0" anchor="t" bIns="91425" lIns="91425" spcFirstLastPara="1" rIns="91425" wrap="square" tIns="91425">
             <a:normAutofit/>
           </a:bodyPr>
           <a:lstStyle/>
           <a:p>
-            <a:pPr marL="0" lvl="0" indent="0" algn="l" rtl="0">
+            <a:pPr indent="0" lvl="0" marL="0" rtl="0" algn="l">
               <a:spcBef>
                 <a:spcPts val="0"/>
               </a:spcBef>
@@ -7571,21 +7654,21 @@
               <a:buNone/>
             </a:pPr>
             <a:r>
-              <a:rPr lang="en" sz="1400" b="1">
+              <a:rPr b="1" lang="en" sz="1400">
                 <a:solidFill>
                   <a:srgbClr val="FFF2CC"/>
                 </a:solidFill>
               </a:rPr>
               <a:t>Collaborators:</a:t>
             </a:r>
-            <a:endParaRPr sz="1400" b="1">
+            <a:endParaRPr b="1" sz="1400">
               <a:solidFill>
                 <a:srgbClr val="FFF2CC"/>
               </a:solidFill>
             </a:endParaRPr>
           </a:p>
           <a:p>
-            <a:pPr marL="457200" lvl="0" indent="-295275" algn="l" rtl="0">
+            <a:pPr indent="-295275" lvl="0" marL="457200" rtl="0" algn="l">
               <a:spcBef>
                 <a:spcPts val="1200"/>
               </a:spcBef>
@@ -7613,7 +7696,7 @@
             </a:endParaRPr>
           </a:p>
           <a:p>
-            <a:pPr marL="457200" lvl="0" indent="-295275" algn="l" rtl="0">
+            <a:pPr indent="-295275" lvl="0" marL="457200" rtl="0" algn="l">
               <a:spcBef>
                 <a:spcPts val="0"/>
               </a:spcBef>
@@ -7641,7 +7724,7 @@
             </a:endParaRPr>
           </a:p>
           <a:p>
-            <a:pPr marL="0" lvl="0" indent="0" algn="l" rtl="0">
+            <a:pPr indent="0" lvl="0" marL="0" rtl="0" algn="l">
               <a:spcBef>
                 <a:spcPts val="1200"/>
               </a:spcBef>
@@ -7651,21 +7734,21 @@
               <a:buNone/>
             </a:pPr>
             <a:r>
-              <a:rPr lang="en" sz="1400" b="1">
+              <a:rPr b="1" lang="en" sz="1400">
                 <a:solidFill>
                   <a:srgbClr val="FFF2CC"/>
                 </a:solidFill>
               </a:rPr>
               <a:t>Team Members:</a:t>
             </a:r>
-            <a:endParaRPr sz="1400" b="1">
+            <a:endParaRPr b="1" sz="1400">
               <a:solidFill>
                 <a:srgbClr val="FFF2CC"/>
               </a:solidFill>
             </a:endParaRPr>
           </a:p>
           <a:p>
-            <a:pPr marL="457200" lvl="0" indent="-304800" algn="l" rtl="0">
+            <a:pPr indent="-304800" lvl="0" marL="457200" rtl="0" algn="l">
               <a:spcBef>
                 <a:spcPts val="1200"/>
               </a:spcBef>
@@ -7702,7 +7785,7 @@
             </a:endParaRPr>
           </a:p>
           <a:p>
-            <a:pPr marL="457200" lvl="0" indent="-304800" algn="l" rtl="0">
+            <a:pPr indent="-304800" lvl="0" marL="457200" rtl="0" algn="l">
               <a:spcBef>
                 <a:spcPts val="0"/>
               </a:spcBef>
@@ -7739,7 +7822,7 @@
             </a:endParaRPr>
           </a:p>
           <a:p>
-            <a:pPr marL="457200" lvl="0" indent="-304800" algn="l" rtl="0">
+            <a:pPr indent="-304800" lvl="0" marL="457200" rtl="0" algn="l">
               <a:spcBef>
                 <a:spcPts val="0"/>
               </a:spcBef>
@@ -7763,7 +7846,7 @@
                 <a:cs typeface="Arial"/>
                 <a:sym typeface="Arial"/>
               </a:rPr>
-              <a:t>Ojukwu Shiela</a:t>
+              <a:t>Ojukwu Sheila </a:t>
             </a:r>
             <a:endParaRPr sz="1200">
               <a:solidFill>
@@ -7776,7 +7859,7 @@
             </a:endParaRPr>
           </a:p>
           <a:p>
-            <a:pPr marL="457200" lvl="0" indent="-304800" algn="l" rtl="0">
+            <a:pPr indent="-304800" lvl="0" marL="457200" rtl="0" algn="l">
               <a:spcBef>
                 <a:spcPts val="0"/>
               </a:spcBef>
@@ -7813,7 +7896,7 @@
             </a:endParaRPr>
           </a:p>
           <a:p>
-            <a:pPr marL="0" lvl="0" indent="0" algn="l" rtl="0">
+            <a:pPr indent="0" lvl="0" marL="0" rtl="0" algn="l">
               <a:spcBef>
                 <a:spcPts val="1200"/>
               </a:spcBef>
@@ -7822,7 +7905,10 @@
               </a:spcAft>
               <a:buNone/>
             </a:pPr>
-            <a:endParaRPr sz="1400" b="1">
+            <a:r>
+              <a:t/>
+            </a:r>
+            <a:endParaRPr b="1" sz="1400">
               <a:solidFill>
                 <a:srgbClr val="FFF2CC"/>
               </a:solidFill>
@@ -7839,11 +7925,11 @@
 </file>
 
 <file path=ppt/slides/slide3.xml><?xml version="1.0" encoding="utf-8"?>
-<p:sld xmlns:a="http://schemas.openxmlformats.org/drawingml/2006/main" xmlns:r="http://schemas.openxmlformats.org/officeDocument/2006/relationships" xmlns:p="http://schemas.openxmlformats.org/presentationml/2006/main">
+<p:sld xmlns:a="http://schemas.openxmlformats.org/drawingml/2006/main" xmlns:r="http://schemas.openxmlformats.org/officeDocument/2006/relationships" xmlns:mc="http://schemas.openxmlformats.org/markup-compatibility/2006" xmlns:mv="urn:schemas-microsoft-com:mac:vml" xmlns:p="http://schemas.openxmlformats.org/presentationml/2006/main" xmlns:c="http://schemas.openxmlformats.org/drawingml/2006/chart" xmlns:dgm="http://schemas.openxmlformats.org/drawingml/2006/diagram" xmlns:o="urn:schemas-microsoft-com:office:office" xmlns:v="urn:schemas-microsoft-com:vml" xmlns:pvml="urn:schemas-microsoft-com:office:powerpoint" xmlns:com="http://schemas.openxmlformats.org/drawingml/2006/compatibility" xmlns:p14="http://schemas.microsoft.com/office/powerpoint/2010/main" xmlns:p15="http://schemas.microsoft.com/office/powerpoint/2012/main" xmlns:ahyp="http://schemas.microsoft.com/office/drawing/2018/hyperlinkcolor">
   <p:cSld>
     <p:spTree>
       <p:nvGrpSpPr>
-        <p:cNvPr id="1" name="Shape 75"/>
+        <p:cNvPr id="75" name="Shape 75"/>
         <p:cNvGrpSpPr/>
         <p:nvPr/>
       </p:nvGrpSpPr>
@@ -7858,9 +7944,7 @@
       <p:sp>
         <p:nvSpPr>
           <p:cNvPr id="76" name="Google Shape;76;p15"/>
-          <p:cNvSpPr txBox="1">
-            <a:spLocks noGrp="1"/>
-          </p:cNvSpPr>
+          <p:cNvSpPr txBox="1"/>
           <p:nvPr>
             <p:ph type="title"/>
           </p:nvPr>
@@ -7875,121 +7959,12 @@
           </a:prstGeom>
         </p:spPr>
         <p:txBody>
-          <a:bodyPr spcFirstLastPara="1" wrap="square" lIns="91425" tIns="91425" rIns="91425" bIns="91425" anchor="b" anchorCtr="0">
+          <a:bodyPr anchorCtr="0" anchor="b" bIns="91425" lIns="91425" spcFirstLastPara="1" rIns="91425" wrap="square" tIns="91425">
             <a:normAutofit/>
           </a:bodyPr>
           <a:lstStyle/>
           <a:p>
-            <a:pPr marL="0" lvl="0" indent="0" algn="l" rtl="0">
-              <a:spcBef>
-                <a:spcPts val="0"/>
-              </a:spcBef>
-              <a:spcAft>
-                <a:spcPts val="0"/>
-              </a:spcAft>
-              <a:buNone/>
-            </a:pPr>
-            <a:r>
-              <a:rPr lang="en"/>
-              <a:t> Introduction</a:t>
-            </a:r>
-            <a:endParaRPr/>
-          </a:p>
-        </p:txBody>
-      </p:sp>
-      <p:sp>
-        <p:nvSpPr>
-          <p:cNvPr id="77" name="Google Shape;77;p15"/>
-          <p:cNvSpPr txBox="1">
-            <a:spLocks noGrp="1"/>
-          </p:cNvSpPr>
-          <p:nvPr>
-            <p:ph type="body" idx="1"/>
-          </p:nvPr>
-        </p:nvSpPr>
-        <p:spPr>
-          <a:xfrm>
-            <a:off x="387900" y="1489825"/>
-            <a:ext cx="8368200" cy="1564200"/>
-          </a:xfrm>
-          <a:prstGeom prst="rect">
-            <a:avLst/>
-          </a:prstGeom>
-        </p:spPr>
-        <p:txBody>
-          <a:bodyPr spcFirstLastPara="1" wrap="square" lIns="91425" tIns="91425" rIns="91425" bIns="91425" anchor="t" anchorCtr="0">
-            <a:normAutofit/>
-          </a:bodyPr>
-          <a:lstStyle/>
-          <a:p>
-            <a:pPr marL="0" lvl="0" indent="0" algn="l" rtl="0">
-              <a:spcBef>
-                <a:spcPts val="0"/>
-              </a:spcBef>
-              <a:spcAft>
-                <a:spcPts val="1200"/>
-              </a:spcAft>
-              <a:buNone/>
-            </a:pPr>
-            <a:r>
-              <a:rPr lang="en"/>
-              <a:t>This project is basically centered on Mental Health Analysis. A dataset was provided for Structural Query Language Analysis to provide and ascertain four mental health insights with respect to annual survey questions asked and answers provided.</a:t>
-            </a:r>
-            <a:endParaRPr/>
-          </a:p>
-        </p:txBody>
-      </p:sp>
-    </p:spTree>
-  </p:cSld>
-  <p:clrMapOvr>
-    <a:masterClrMapping/>
-  </p:clrMapOvr>
-</p:sld>
-</file>
-
-<file path=ppt/slides/slide4.xml><?xml version="1.0" encoding="utf-8"?>
-<p:sld xmlns:a="http://schemas.openxmlformats.org/drawingml/2006/main" xmlns:r="http://schemas.openxmlformats.org/officeDocument/2006/relationships" xmlns:p="http://schemas.openxmlformats.org/presentationml/2006/main">
-  <p:cSld>
-    <p:spTree>
-      <p:nvGrpSpPr>
-        <p:cNvPr id="1" name="Shape 81"/>
-        <p:cNvGrpSpPr/>
-        <p:nvPr/>
-      </p:nvGrpSpPr>
-      <p:grpSpPr>
-        <a:xfrm>
-          <a:off x="0" y="0"/>
-          <a:ext cx="0" cy="0"/>
-          <a:chOff x="0" y="0"/>
-          <a:chExt cx="0" cy="0"/>
-        </a:xfrm>
-      </p:grpSpPr>
-      <p:sp>
-        <p:nvSpPr>
-          <p:cNvPr id="82" name="Google Shape;82;p16"/>
-          <p:cNvSpPr txBox="1">
-            <a:spLocks noGrp="1"/>
-          </p:cNvSpPr>
-          <p:nvPr>
-            <p:ph type="title"/>
-          </p:nvPr>
-        </p:nvSpPr>
-        <p:spPr>
-          <a:xfrm>
-            <a:off x="387900" y="458025"/>
-            <a:ext cx="8368200" cy="686100"/>
-          </a:xfrm>
-          <a:prstGeom prst="rect">
-            <a:avLst/>
-          </a:prstGeom>
-        </p:spPr>
-        <p:txBody>
-          <a:bodyPr spcFirstLastPara="1" wrap="square" lIns="91425" tIns="91425" rIns="91425" bIns="91425" anchor="b" anchorCtr="0">
-            <a:normAutofit/>
-          </a:bodyPr>
-          <a:lstStyle/>
-          <a:p>
-            <a:pPr marL="0" lvl="0" indent="0" algn="l" rtl="0">
+            <a:pPr indent="0" lvl="0" marL="0" rtl="0" algn="l">
               <a:spcBef>
                 <a:spcPts val="0"/>
               </a:spcBef>
@@ -8016,12 +7991,10 @@
       </p:sp>
       <p:sp>
         <p:nvSpPr>
-          <p:cNvPr id="83" name="Google Shape;83;p16"/>
-          <p:cNvSpPr txBox="1">
-            <a:spLocks noGrp="1"/>
-          </p:cNvSpPr>
+          <p:cNvPr id="77" name="Google Shape;77;p15"/>
+          <p:cNvSpPr txBox="1"/>
           <p:nvPr>
-            <p:ph type="body" idx="1"/>
+            <p:ph idx="1" type="body"/>
           </p:nvPr>
         </p:nvSpPr>
         <p:spPr>
@@ -8034,12 +8007,12 @@
           </a:prstGeom>
         </p:spPr>
         <p:txBody>
-          <a:bodyPr spcFirstLastPara="1" wrap="square" lIns="91425" tIns="91425" rIns="91425" bIns="91425" anchor="t" anchorCtr="0">
+          <a:bodyPr anchorCtr="0" anchor="t" bIns="91425" lIns="91425" spcFirstLastPara="1" rIns="91425" wrap="square" tIns="91425">
             <a:normAutofit/>
           </a:bodyPr>
           <a:lstStyle/>
           <a:p>
-            <a:pPr marL="0" lvl="0" indent="0" algn="l" rtl="0">
+            <a:pPr indent="0" lvl="0" marL="0" rtl="0" algn="l">
               <a:spcBef>
                 <a:spcPts val="0"/>
               </a:spcBef>
@@ -8050,7 +8023,7 @@
             </a:pPr>
             <a:r>
               <a:rPr lang="en"/>
-              <a:t>The primary purpose of this presentation is to communicate the awareness of the analysis conducted on the survey questions that have to do with mental health analysis.</a:t>
+              <a:t>To  communicate the insights gained from the analysis of the responses from the survey on  mental health .</a:t>
             </a:r>
             <a:endParaRPr/>
           </a:p>
@@ -8058,7 +8031,7 @@
       </p:sp>
       <p:pic>
         <p:nvPicPr>
-          <p:cNvPr id="84" name="Google Shape;84;p16"/>
+          <p:cNvPr id="78" name="Google Shape;78;p15"/>
           <p:cNvPicPr preferRelativeResize="0"/>
           <p:nvPr/>
         </p:nvPicPr>
@@ -8092,12 +8065,165 @@
 </p:sld>
 </file>
 
-<file path=ppt/slides/slide5.xml><?xml version="1.0" encoding="utf-8"?>
-<p:sld xmlns:a="http://schemas.openxmlformats.org/drawingml/2006/main" xmlns:r="http://schemas.openxmlformats.org/officeDocument/2006/relationships" xmlns:p="http://schemas.openxmlformats.org/presentationml/2006/main">
+<file path=ppt/slides/slide4.xml><?xml version="1.0" encoding="utf-8"?>
+<p:sld xmlns:a="http://schemas.openxmlformats.org/drawingml/2006/main" xmlns:r="http://schemas.openxmlformats.org/officeDocument/2006/relationships" xmlns:mc="http://schemas.openxmlformats.org/markup-compatibility/2006" xmlns:mv="urn:schemas-microsoft-com:mac:vml" xmlns:p="http://schemas.openxmlformats.org/presentationml/2006/main" xmlns:c="http://schemas.openxmlformats.org/drawingml/2006/chart" xmlns:dgm="http://schemas.openxmlformats.org/drawingml/2006/diagram" xmlns:o="urn:schemas-microsoft-com:office:office" xmlns:v="urn:schemas-microsoft-com:vml" xmlns:pvml="urn:schemas-microsoft-com:office:powerpoint" xmlns:com="http://schemas.openxmlformats.org/drawingml/2006/compatibility" xmlns:p14="http://schemas.microsoft.com/office/powerpoint/2010/main" xmlns:p15="http://schemas.microsoft.com/office/powerpoint/2012/main" xmlns:ahyp="http://schemas.microsoft.com/office/drawing/2018/hyperlinkcolor">
   <p:cSld>
     <p:spTree>
       <p:nvGrpSpPr>
-        <p:cNvPr id="1" name="Shape 88"/>
+        <p:cNvPr id="82" name="Shape 82"/>
+        <p:cNvGrpSpPr/>
+        <p:nvPr/>
+      </p:nvGrpSpPr>
+      <p:grpSpPr>
+        <a:xfrm>
+          <a:off x="0" y="0"/>
+          <a:ext cx="0" cy="0"/>
+          <a:chOff x="0" y="0"/>
+          <a:chExt cx="0" cy="0"/>
+        </a:xfrm>
+      </p:grpSpPr>
+      <p:sp>
+        <p:nvSpPr>
+          <p:cNvPr id="83" name="Google Shape;83;p16"/>
+          <p:cNvSpPr txBox="1"/>
+          <p:nvPr>
+            <p:ph type="title"/>
+          </p:nvPr>
+        </p:nvSpPr>
+        <p:spPr>
+          <a:xfrm>
+            <a:off x="387900" y="458025"/>
+            <a:ext cx="8368200" cy="686100"/>
+          </a:xfrm>
+          <a:prstGeom prst="rect">
+            <a:avLst/>
+          </a:prstGeom>
+        </p:spPr>
+        <p:txBody>
+          <a:bodyPr anchorCtr="0" anchor="b" bIns="91425" lIns="91425" spcFirstLastPara="1" rIns="91425" wrap="square" tIns="91425">
+            <a:normAutofit/>
+          </a:bodyPr>
+          <a:lstStyle/>
+          <a:p>
+            <a:pPr indent="0" lvl="0" marL="0" rtl="0" algn="l">
+              <a:spcBef>
+                <a:spcPts val="0"/>
+              </a:spcBef>
+              <a:spcAft>
+                <a:spcPts val="0"/>
+              </a:spcAft>
+              <a:buNone/>
+            </a:pPr>
+            <a:r>
+              <a:rPr lang="en"/>
+              <a:t> Introduction</a:t>
+            </a:r>
+            <a:endParaRPr/>
+          </a:p>
+        </p:txBody>
+      </p:sp>
+      <p:sp>
+        <p:nvSpPr>
+          <p:cNvPr id="84" name="Google Shape;84;p16"/>
+          <p:cNvSpPr txBox="1"/>
+          <p:nvPr>
+            <p:ph idx="1" type="body"/>
+          </p:nvPr>
+        </p:nvSpPr>
+        <p:spPr>
+          <a:xfrm>
+            <a:off x="387900" y="1489825"/>
+            <a:ext cx="8368200" cy="2765400"/>
+          </a:xfrm>
+          <a:prstGeom prst="rect">
+            <a:avLst/>
+          </a:prstGeom>
+        </p:spPr>
+        <p:txBody>
+          <a:bodyPr anchorCtr="0" anchor="t" bIns="91425" lIns="91425" spcFirstLastPara="1" rIns="91425" wrap="square" tIns="91425">
+            <a:normAutofit fontScale="85000" lnSpcReduction="10000"/>
+          </a:bodyPr>
+          <a:lstStyle/>
+          <a:p>
+            <a:pPr indent="0" lvl="0" marL="0" rtl="0" algn="l">
+              <a:spcBef>
+                <a:spcPts val="0"/>
+              </a:spcBef>
+              <a:spcAft>
+                <a:spcPts val="0"/>
+              </a:spcAft>
+              <a:buNone/>
+            </a:pPr>
+            <a:r>
+              <a:rPr lang="en"/>
+              <a:t>T</a:t>
+            </a:r>
+            <a:r>
+              <a:rPr lang="en" sz="2100"/>
+              <a:t>his project is basically centered on Mental Health Analysis. </a:t>
+            </a:r>
+            <a:r>
+              <a:rPr lang="en" sz="2100"/>
+              <a:t>The database used for this work is  from Open Source Mental Illness(OSMI) surveys of 2014, 2016, 2017, 2018, and 2019. </a:t>
+            </a:r>
+            <a:endParaRPr sz="2100"/>
+          </a:p>
+          <a:p>
+            <a:pPr indent="0" lvl="0" marL="0" rtl="0" algn="l">
+              <a:spcBef>
+                <a:spcPts val="1200"/>
+              </a:spcBef>
+              <a:spcAft>
+                <a:spcPts val="0"/>
+              </a:spcAft>
+              <a:buNone/>
+            </a:pPr>
+            <a:r>
+              <a:rPr lang="en" sz="2100"/>
+              <a:t>Each of the surveys generally measures attitudes toward mental health and frequency of mental health disorders and all of the surveys were used for our analysis.</a:t>
+            </a:r>
+            <a:endParaRPr sz="2100"/>
+          </a:p>
+          <a:p>
+            <a:pPr indent="0" lvl="0" marL="0" rtl="0" algn="l">
+              <a:spcBef>
+                <a:spcPts val="1200"/>
+              </a:spcBef>
+              <a:spcAft>
+                <a:spcPts val="1200"/>
+              </a:spcAft>
+              <a:buNone/>
+            </a:pPr>
+            <a:r>
+              <a:rPr lang="en" sz="2100"/>
+              <a:t>Analysis were carried out to get </a:t>
+            </a:r>
+            <a:r>
+              <a:rPr lang="en" sz="2100"/>
+              <a:t>deeper</a:t>
+            </a:r>
+            <a:r>
+              <a:rPr lang="en" sz="2100"/>
+              <a:t> insights into the database using  Structured Query Language (SQL) and  here we present five insights we gained . </a:t>
+            </a:r>
+            <a:endParaRPr sz="2100"/>
+          </a:p>
+        </p:txBody>
+      </p:sp>
+    </p:spTree>
+  </p:cSld>
+  <p:clrMapOvr>
+    <a:masterClrMapping/>
+  </p:clrMapOvr>
+</p:sld>
+</file>
+
+<file path=ppt/slides/slide5.xml><?xml version="1.0" encoding="utf-8"?>
+<p:sld xmlns:a="http://schemas.openxmlformats.org/drawingml/2006/main" xmlns:r="http://schemas.openxmlformats.org/officeDocument/2006/relationships" xmlns:mc="http://schemas.openxmlformats.org/markup-compatibility/2006" xmlns:mv="urn:schemas-microsoft-com:mac:vml" xmlns:p="http://schemas.openxmlformats.org/presentationml/2006/main" xmlns:c="http://schemas.openxmlformats.org/drawingml/2006/chart" xmlns:dgm="http://schemas.openxmlformats.org/drawingml/2006/diagram" xmlns:o="urn:schemas-microsoft-com:office:office" xmlns:v="urn:schemas-microsoft-com:vml" xmlns:pvml="urn:schemas-microsoft-com:office:powerpoint" xmlns:com="http://schemas.openxmlformats.org/drawingml/2006/compatibility" xmlns:p14="http://schemas.microsoft.com/office/powerpoint/2010/main" xmlns:p15="http://schemas.microsoft.com/office/powerpoint/2012/main" xmlns:ahyp="http://schemas.microsoft.com/office/drawing/2018/hyperlinkcolor">
+  <p:cSld>
+    <p:spTree>
+      <p:nvGrpSpPr>
+        <p:cNvPr id="88" name="Shape 88"/>
         <p:cNvGrpSpPr/>
         <p:nvPr/>
       </p:nvGrpSpPr>
@@ -8112,9 +8238,7 @@
       <p:sp>
         <p:nvSpPr>
           <p:cNvPr id="89" name="Google Shape;89;p17"/>
-          <p:cNvSpPr txBox="1">
-            <a:spLocks noGrp="1"/>
-          </p:cNvSpPr>
+          <p:cNvSpPr txBox="1"/>
           <p:nvPr>
             <p:ph type="title"/>
           </p:nvPr>
@@ -8129,12 +8253,12 @@
           </a:prstGeom>
         </p:spPr>
         <p:txBody>
-          <a:bodyPr spcFirstLastPara="1" wrap="square" lIns="91425" tIns="91425" rIns="91425" bIns="91425" anchor="b" anchorCtr="0">
+          <a:bodyPr anchorCtr="0" anchor="b" bIns="91425" lIns="91425" spcFirstLastPara="1" rIns="91425" wrap="square" tIns="91425">
             <a:normAutofit/>
           </a:bodyPr>
           <a:lstStyle/>
           <a:p>
-            <a:pPr marL="0" lvl="0" indent="0" algn="l" rtl="0">
+            <a:pPr indent="0" lvl="0" marL="0" rtl="0" algn="l">
               <a:spcBef>
                 <a:spcPts val="0"/>
               </a:spcBef>
@@ -8144,7 +8268,7 @@
               <a:buNone/>
             </a:pPr>
             <a:r>
-              <a:rPr lang="en" b="1">
+              <a:rPr b="1" lang="en">
                 <a:solidFill>
                   <a:srgbClr val="FFF2CC"/>
                 </a:solidFill>
@@ -8162,11 +8286,9 @@
       <p:sp>
         <p:nvSpPr>
           <p:cNvPr id="90" name="Google Shape;90;p17"/>
-          <p:cNvSpPr txBox="1">
-            <a:spLocks noGrp="1"/>
-          </p:cNvSpPr>
+          <p:cNvSpPr txBox="1"/>
           <p:nvPr>
-            <p:ph type="body" idx="1"/>
+            <p:ph idx="1" type="body"/>
           </p:nvPr>
         </p:nvSpPr>
         <p:spPr>
@@ -8179,12 +8301,12 @@
           </a:prstGeom>
         </p:spPr>
         <p:txBody>
-          <a:bodyPr spcFirstLastPara="1" wrap="square" lIns="91425" tIns="91425" rIns="91425" bIns="91425" anchor="t" anchorCtr="0">
+          <a:bodyPr anchorCtr="0" anchor="t" bIns="91425" lIns="91425" spcFirstLastPara="1" rIns="91425" wrap="square" tIns="91425">
             <a:normAutofit/>
           </a:bodyPr>
           <a:lstStyle/>
           <a:p>
-            <a:pPr marL="0" lvl="0" indent="0" algn="l" rtl="0">
+            <a:pPr indent="0" lvl="0" marL="0" rtl="0" algn="l">
               <a:spcBef>
                 <a:spcPts val="0"/>
               </a:spcBef>
@@ -8204,11 +8326,9 @@
       <p:sp>
         <p:nvSpPr>
           <p:cNvPr id="91" name="Google Shape;91;p17"/>
-          <p:cNvSpPr txBox="1">
-            <a:spLocks noGrp="1"/>
-          </p:cNvSpPr>
+          <p:cNvSpPr txBox="1"/>
           <p:nvPr>
-            <p:ph type="body" idx="1"/>
+            <p:ph idx="1" type="body"/>
           </p:nvPr>
         </p:nvSpPr>
         <p:spPr>
@@ -8221,12 +8341,12 @@
           </a:prstGeom>
         </p:spPr>
         <p:txBody>
-          <a:bodyPr spcFirstLastPara="1" wrap="square" lIns="91425" tIns="91425" rIns="91425" bIns="91425" anchor="t" anchorCtr="0">
+          <a:bodyPr anchorCtr="0" anchor="t" bIns="91425" lIns="91425" spcFirstLastPara="1" rIns="91425" wrap="square" tIns="91425">
             <a:normAutofit/>
           </a:bodyPr>
           <a:lstStyle/>
           <a:p>
-            <a:pPr marL="0" lvl="0" indent="0" algn="l" rtl="0">
+            <a:pPr indent="0" lvl="0" marL="0" rtl="0" algn="l">
               <a:spcBef>
                 <a:spcPts val="0"/>
               </a:spcBef>
@@ -8240,7 +8360,7 @@
               <a:t>The survey consists of </a:t>
             </a:r>
             <a:r>
-              <a:rPr lang="en" b="1">
+              <a:rPr b="1" lang="en">
                 <a:solidFill>
                   <a:srgbClr val="FFF2CC"/>
                 </a:solidFill>
@@ -8251,7 +8371,7 @@
               <a:t>4218</a:t>
             </a:r>
             <a:r>
-              <a:rPr lang="en" b="1">
+              <a:rPr b="1" lang="en">
                 <a:solidFill>
                   <a:srgbClr val="FFF2CC"/>
                 </a:solidFill>
@@ -8266,7 +8386,7 @@
               <a:t>participants from several countries with the </a:t>
             </a:r>
             <a:r>
-              <a:rPr lang="en" b="1">
+              <a:rPr b="1" lang="en">
                 <a:solidFill>
                   <a:srgbClr val="FFF2CC"/>
                 </a:solidFill>
@@ -8277,7 +8397,7 @@
               <a:t>United States of America</a:t>
             </a:r>
             <a:r>
-              <a:rPr lang="en" b="1">
+              <a:rPr b="1" lang="en">
                 <a:solidFill>
                   <a:srgbClr val="FFF2CC"/>
                 </a:solidFill>
@@ -8298,11 +8418,9 @@
       <p:sp>
         <p:nvSpPr>
           <p:cNvPr id="92" name="Google Shape;92;p17"/>
-          <p:cNvSpPr txBox="1">
-            <a:spLocks noGrp="1"/>
-          </p:cNvSpPr>
+          <p:cNvSpPr txBox="1"/>
           <p:nvPr>
-            <p:ph type="body" idx="1"/>
+            <p:ph idx="1" type="body"/>
           </p:nvPr>
         </p:nvSpPr>
         <p:spPr>
@@ -8315,12 +8433,12 @@
           </a:prstGeom>
         </p:spPr>
         <p:txBody>
-          <a:bodyPr spcFirstLastPara="1" wrap="square" lIns="91425" tIns="91425" rIns="91425" bIns="91425" anchor="t" anchorCtr="0">
+          <a:bodyPr anchorCtr="0" anchor="t" bIns="91425" lIns="91425" spcFirstLastPara="1" rIns="91425" wrap="square" tIns="91425">
             <a:normAutofit/>
           </a:bodyPr>
           <a:lstStyle/>
           <a:p>
-            <a:pPr marL="0" lvl="0" indent="0" algn="l" rtl="0">
+            <a:pPr indent="0" lvl="0" marL="0" rtl="0" algn="l">
               <a:spcBef>
                 <a:spcPts val="0"/>
               </a:spcBef>
@@ -8336,7 +8454,7 @@
             <a:endParaRPr/>
           </a:p>
           <a:p>
-            <a:pPr marL="0" lvl="0" indent="0" algn="l" rtl="0">
+            <a:pPr indent="0" lvl="0" marL="0" rtl="0" algn="l">
               <a:spcBef>
                 <a:spcPts val="1200"/>
               </a:spcBef>
@@ -8346,7 +8464,7 @@
               <a:buNone/>
             </a:pPr>
             <a:r>
-              <a:rPr lang="en" sz="2500" b="1">
+              <a:rPr b="1" lang="en" sz="2500">
                 <a:solidFill>
                   <a:srgbClr val="FFF2CC"/>
                 </a:solidFill>
@@ -8354,9 +8472,9 @@
                   <a:srgbClr val="6AA84F"/>
                 </a:highlight>
               </a:rPr>
-              <a:t>33.9153627311522</a:t>
+              <a:t>34</a:t>
             </a:r>
-            <a:endParaRPr sz="2500" b="1">
+            <a:endParaRPr b="1" sz="2500">
               <a:solidFill>
                 <a:srgbClr val="FFF2CC"/>
               </a:solidFill>
@@ -8376,11 +8494,11 @@
 </file>
 
 <file path=ppt/slides/slide6.xml><?xml version="1.0" encoding="utf-8"?>
-<p:sld xmlns:a="http://schemas.openxmlformats.org/drawingml/2006/main" xmlns:r="http://schemas.openxmlformats.org/officeDocument/2006/relationships" xmlns:p="http://schemas.openxmlformats.org/presentationml/2006/main">
+<p:sld xmlns:a="http://schemas.openxmlformats.org/drawingml/2006/main" xmlns:r="http://schemas.openxmlformats.org/officeDocument/2006/relationships" xmlns:mc="http://schemas.openxmlformats.org/markup-compatibility/2006" xmlns:mv="urn:schemas-microsoft-com:mac:vml" xmlns:p="http://schemas.openxmlformats.org/presentationml/2006/main" xmlns:c="http://schemas.openxmlformats.org/drawingml/2006/chart" xmlns:dgm="http://schemas.openxmlformats.org/drawingml/2006/diagram" xmlns:o="urn:schemas-microsoft-com:office:office" xmlns:v="urn:schemas-microsoft-com:vml" xmlns:pvml="urn:schemas-microsoft-com:office:powerpoint" xmlns:com="http://schemas.openxmlformats.org/drawingml/2006/compatibility" xmlns:p14="http://schemas.microsoft.com/office/powerpoint/2010/main" xmlns:p15="http://schemas.microsoft.com/office/powerpoint/2012/main" xmlns:ahyp="http://schemas.microsoft.com/office/drawing/2018/hyperlinkcolor">
   <p:cSld>
     <p:spTree>
       <p:nvGrpSpPr>
-        <p:cNvPr id="1" name="Shape 96"/>
+        <p:cNvPr id="96" name="Shape 96"/>
         <p:cNvGrpSpPr/>
         <p:nvPr/>
       </p:nvGrpSpPr>
@@ -8395,9 +8513,7 @@
       <p:sp>
         <p:nvSpPr>
           <p:cNvPr id="97" name="Google Shape;97;p18"/>
-          <p:cNvSpPr txBox="1">
-            <a:spLocks noGrp="1"/>
-          </p:cNvSpPr>
+          <p:cNvSpPr txBox="1"/>
           <p:nvPr>
             <p:ph type="title"/>
           </p:nvPr>
@@ -8412,12 +8528,12 @@
           </a:prstGeom>
         </p:spPr>
         <p:txBody>
-          <a:bodyPr spcFirstLastPara="1" wrap="square" lIns="91425" tIns="91425" rIns="91425" bIns="91425" anchor="b" anchorCtr="0">
+          <a:bodyPr anchorCtr="0" anchor="b" bIns="91425" lIns="91425" spcFirstLastPara="1" rIns="91425" wrap="square" tIns="91425">
             <a:normAutofit/>
           </a:bodyPr>
           <a:lstStyle/>
           <a:p>
-            <a:pPr marL="0" lvl="0" indent="0" algn="l" rtl="0">
+            <a:pPr indent="0" lvl="0" marL="0" rtl="0" algn="l">
               <a:spcBef>
                 <a:spcPts val="0"/>
               </a:spcBef>
@@ -8427,12 +8543,20 @@
               <a:buNone/>
             </a:pPr>
             <a:r>
-              <a:rPr lang="en" b="1">
+              <a:rPr b="1" lang="en">
                 <a:solidFill>
                   <a:srgbClr val="FFF2CC"/>
                 </a:solidFill>
               </a:rPr>
-              <a:t>Inference 1</a:t>
+              <a:t>Insight 1 - </a:t>
+            </a:r>
+            <a:r>
+              <a:rPr b="1" lang="en">
+                <a:solidFill>
+                  <a:srgbClr val="FFF2CC"/>
+                </a:solidFill>
+              </a:rPr>
+              <a:t>Americans dominated the survey.</a:t>
             </a:r>
             <a:endParaRPr b="1">
               <a:solidFill>
@@ -8445,575 +8569,78 @@
       <p:sp>
         <p:nvSpPr>
           <p:cNvPr id="98" name="Google Shape;98;p18"/>
-          <p:cNvSpPr txBox="1">
-            <a:spLocks noGrp="1"/>
-          </p:cNvSpPr>
+          <p:cNvSpPr txBox="1"/>
           <p:nvPr>
-            <p:ph type="body" idx="1"/>
+            <p:ph idx="1" type="body"/>
           </p:nvPr>
         </p:nvSpPr>
         <p:spPr>
           <a:xfrm>
-            <a:off x="387900" y="1489825"/>
-            <a:ext cx="8368200" cy="1564200"/>
+            <a:off x="6770750" y="2828122"/>
+            <a:ext cx="2629800" cy="458400"/>
           </a:xfrm>
           <a:prstGeom prst="rect">
             <a:avLst/>
           </a:prstGeom>
         </p:spPr>
         <p:txBody>
-          <a:bodyPr spcFirstLastPara="1" wrap="square" lIns="91425" tIns="91425" rIns="91425" bIns="91425" anchor="t" anchorCtr="0">
+          <a:bodyPr anchorCtr="0" anchor="t" bIns="91425" lIns="91425" spcFirstLastPara="1" rIns="91425" wrap="square" tIns="91425">
             <a:normAutofit/>
           </a:bodyPr>
           <a:lstStyle/>
           <a:p>
-            <a:pPr marL="0" lvl="0" indent="0" algn="l" rtl="0">
-              <a:lnSpc>
-                <a:spcPct val="100000"/>
-              </a:lnSpc>
-              <a:spcBef>
-                <a:spcPts val="0"/>
-              </a:spcBef>
-              <a:spcAft>
-                <a:spcPts val="0"/>
+            <a:pPr indent="0" lvl="0" marL="0" rtl="0" algn="l">
+              <a:spcBef>
+                <a:spcPts val="0"/>
+              </a:spcBef>
+              <a:spcAft>
+                <a:spcPts val="1200"/>
               </a:spcAft>
               <a:buNone/>
             </a:pPr>
             <a:r>
-              <a:rPr lang="en"/>
-              <a:t>A total of </a:t>
+              <a:rPr lang="en">
+                <a:solidFill>
+                  <a:srgbClr val="FFD966"/>
+                </a:solidFill>
+              </a:rPr>
+              <a:t>Average age: 34</a:t>
             </a:r>
-            <a:r>
-              <a:rPr lang="en" b="1">
-                <a:solidFill>
-                  <a:srgbClr val="FFF2CC"/>
-                </a:solidFill>
-                <a:highlight>
-                  <a:srgbClr val="38761D"/>
-                </a:highlight>
-              </a:rPr>
-              <a:t>4218</a:t>
-            </a:r>
-            <a:r>
-              <a:rPr lang="en"/>
-              <a:t> distinct individuals took part in the surveys, majority of whom are from the United State, followed by United Kingdom, and Canada. </a:t>
-            </a:r>
-            <a:endParaRPr/>
-          </a:p>
-          <a:p>
-            <a:pPr marL="0" lvl="0" indent="0" algn="l" rtl="0">
-              <a:lnSpc>
-                <a:spcPct val="100000"/>
-              </a:lnSpc>
-              <a:spcBef>
-                <a:spcPts val="0"/>
-              </a:spcBef>
-              <a:spcAft>
-                <a:spcPts val="0"/>
-              </a:spcAft>
-              <a:buNone/>
-            </a:pPr>
-            <a:r>
-              <a:rPr lang="en"/>
-              <a:t>Average age is </a:t>
-            </a:r>
-            <a:r>
-              <a:rPr lang="en" b="1">
-                <a:solidFill>
-                  <a:srgbClr val="FFF2CC"/>
-                </a:solidFill>
-                <a:highlight>
-                  <a:srgbClr val="38761D"/>
-                </a:highlight>
-              </a:rPr>
-              <a:t>34</a:t>
-            </a:r>
-            <a:r>
-              <a:rPr lang="en"/>
-              <a:t> and are mostly male. A sizable proportion of them work in the Tech space.</a:t>
-            </a:r>
-            <a:endParaRPr/>
-          </a:p>
-          <a:p>
-            <a:pPr marL="0" lvl="0" indent="0" algn="l" rtl="0">
-              <a:spcBef>
-                <a:spcPts val="0"/>
-              </a:spcBef>
-              <a:spcAft>
-                <a:spcPts val="1200"/>
-              </a:spcAft>
-              <a:buNone/>
-            </a:pPr>
-            <a:endParaRPr/>
+            <a:endParaRPr>
+              <a:solidFill>
+                <a:srgbClr val="FFD966"/>
+              </a:solidFill>
+            </a:endParaRPr>
           </a:p>
         </p:txBody>
       </p:sp>
-      <p:graphicFrame>
-        <p:nvGraphicFramePr>
-          <p:cNvPr id="99" name="Google Shape;99;p18"/>
-          <p:cNvGraphicFramePr/>
+      <p:pic>
+        <p:nvPicPr>
+          <p:cNvPr id="99" name="Google Shape;99;p18" title="Chart"/>
+          <p:cNvPicPr preferRelativeResize="0"/>
           <p:nvPr/>
-        </p:nvGraphicFramePr>
-        <p:xfrm>
-          <a:off x="741550" y="3054025"/>
-          <a:ext cx="3000000" cy="3000000"/>
-        </p:xfrm>
-        <a:graphic>
-          <a:graphicData uri="http://schemas.openxmlformats.org/drawingml/2006/table">
-            <a:tbl>
-              <a:tblPr>
-                <a:noFill/>
-                <a:tableStyleId>{6AE7CBFE-1845-4AFD-BA86-388183DFE691}</a:tableStyleId>
-              </a:tblPr>
-              <a:tblGrid>
-                <a:gridCol w="3619500">
-                  <a:extLst>
-                    <a:ext uri="{9D8B030D-6E8A-4147-A177-3AD203B41FA5}">
-                      <a16:colId xmlns:a16="http://schemas.microsoft.com/office/drawing/2014/main" val="20000"/>
-                    </a:ext>
-                  </a:extLst>
-                </a:gridCol>
-                <a:gridCol w="3619500">
-                  <a:extLst>
-                    <a:ext uri="{9D8B030D-6E8A-4147-A177-3AD203B41FA5}">
-                      <a16:colId xmlns:a16="http://schemas.microsoft.com/office/drawing/2014/main" val="20001"/>
-                    </a:ext>
-                  </a:extLst>
-                </a:gridCol>
-              </a:tblGrid>
-              <a:tr h="381000">
-                <a:tc>
-                  <a:txBody>
-                    <a:bodyPr/>
-                    <a:lstStyle/>
-                    <a:p>
-                      <a:pPr marL="0" lvl="0" indent="0" algn="l" rtl="0">
-                        <a:spcBef>
-                          <a:spcPts val="0"/>
-                        </a:spcBef>
-                        <a:spcAft>
-                          <a:spcPts val="0"/>
-                        </a:spcAft>
-                        <a:buNone/>
-                      </a:pPr>
-                      <a:r>
-                        <a:rPr lang="en">
-                          <a:solidFill>
-                            <a:srgbClr val="FF9900"/>
-                          </a:solidFill>
-                        </a:rPr>
-                        <a:t>United States of America</a:t>
-                      </a:r>
-                      <a:endParaRPr>
-                        <a:solidFill>
-                          <a:srgbClr val="FF9900"/>
-                        </a:solidFill>
-                      </a:endParaRPr>
-                    </a:p>
-                  </a:txBody>
-                  <a:tcPr marL="91425" marR="91425" marT="91425" marB="91425">
-                    <a:lnL w="28575" cap="flat" cmpd="sng">
-                      <a:solidFill>
-                        <a:srgbClr val="FFFF00"/>
-                      </a:solidFill>
-                      <a:prstDash val="solid"/>
-                      <a:round/>
-                      <a:headEnd type="none" w="sm" len="sm"/>
-                      <a:tailEnd type="none" w="sm" len="sm"/>
-                    </a:lnL>
-                    <a:lnR w="28575" cap="flat" cmpd="sng">
-                      <a:solidFill>
-                        <a:srgbClr val="FFFF00"/>
-                      </a:solidFill>
-                      <a:prstDash val="solid"/>
-                      <a:round/>
-                      <a:headEnd type="none" w="sm" len="sm"/>
-                      <a:tailEnd type="none" w="sm" len="sm"/>
-                    </a:lnR>
-                    <a:lnT w="28575" cap="flat" cmpd="sng">
-                      <a:solidFill>
-                        <a:srgbClr val="FFFF00"/>
-                      </a:solidFill>
-                      <a:prstDash val="solid"/>
-                      <a:round/>
-                      <a:headEnd type="none" w="sm" len="sm"/>
-                      <a:tailEnd type="none" w="sm" len="sm"/>
-                    </a:lnT>
-                    <a:lnB w="28575" cap="flat" cmpd="sng">
-                      <a:solidFill>
-                        <a:srgbClr val="FFFF00"/>
-                      </a:solidFill>
-                      <a:prstDash val="solid"/>
-                      <a:round/>
-                      <a:headEnd type="none" w="sm" len="sm"/>
-                      <a:tailEnd type="none" w="sm" len="sm"/>
-                    </a:lnB>
-                  </a:tcPr>
-                </a:tc>
-                <a:tc>
-                  <a:txBody>
-                    <a:bodyPr/>
-                    <a:lstStyle/>
-                    <a:p>
-                      <a:pPr marL="0" lvl="0" indent="0" algn="l" rtl="0">
-                        <a:spcBef>
-                          <a:spcPts val="0"/>
-                        </a:spcBef>
-                        <a:spcAft>
-                          <a:spcPts val="0"/>
-                        </a:spcAft>
-                        <a:buNone/>
-                      </a:pPr>
-                      <a:r>
-                        <a:rPr lang="en">
-                          <a:solidFill>
-                            <a:srgbClr val="FF9900"/>
-                          </a:solidFill>
-                        </a:rPr>
-                        <a:t>1853</a:t>
-                      </a:r>
-                      <a:endParaRPr>
-                        <a:solidFill>
-                          <a:srgbClr val="FF9900"/>
-                        </a:solidFill>
-                      </a:endParaRPr>
-                    </a:p>
-                  </a:txBody>
-                  <a:tcPr marL="91425" marR="91425" marT="91425" marB="91425">
-                    <a:lnL w="28575" cap="flat" cmpd="sng">
-                      <a:solidFill>
-                        <a:srgbClr val="FFFF00"/>
-                      </a:solidFill>
-                      <a:prstDash val="solid"/>
-                      <a:round/>
-                      <a:headEnd type="none" w="sm" len="sm"/>
-                      <a:tailEnd type="none" w="sm" len="sm"/>
-                    </a:lnL>
-                    <a:lnR w="28575" cap="flat" cmpd="sng">
-                      <a:solidFill>
-                        <a:srgbClr val="FFFF00"/>
-                      </a:solidFill>
-                      <a:prstDash val="solid"/>
-                      <a:round/>
-                      <a:headEnd type="none" w="sm" len="sm"/>
-                      <a:tailEnd type="none" w="sm" len="sm"/>
-                    </a:lnR>
-                    <a:lnT w="28575" cap="flat" cmpd="sng">
-                      <a:solidFill>
-                        <a:srgbClr val="FFFF00"/>
-                      </a:solidFill>
-                      <a:prstDash val="solid"/>
-                      <a:round/>
-                      <a:headEnd type="none" w="sm" len="sm"/>
-                      <a:tailEnd type="none" w="sm" len="sm"/>
-                    </a:lnT>
-                    <a:lnB w="28575" cap="flat" cmpd="sng">
-                      <a:solidFill>
-                        <a:srgbClr val="FFFF00"/>
-                      </a:solidFill>
-                      <a:prstDash val="solid"/>
-                      <a:round/>
-                      <a:headEnd type="none" w="sm" len="sm"/>
-                      <a:tailEnd type="none" w="sm" len="sm"/>
-                    </a:lnB>
-                  </a:tcPr>
-                </a:tc>
-                <a:extLst>
-                  <a:ext uri="{0D108BD9-81ED-4DB2-BD59-A6C34878D82A}">
-                    <a16:rowId xmlns:a16="http://schemas.microsoft.com/office/drawing/2014/main" val="10000"/>
-                  </a:ext>
-                </a:extLst>
-              </a:tr>
-              <a:tr h="381000">
-                <a:tc>
-                  <a:txBody>
-                    <a:bodyPr/>
-                    <a:lstStyle/>
-                    <a:p>
-                      <a:pPr marL="0" lvl="0" indent="0" algn="l" rtl="0">
-                        <a:spcBef>
-                          <a:spcPts val="0"/>
-                        </a:spcBef>
-                        <a:spcAft>
-                          <a:spcPts val="0"/>
-                        </a:spcAft>
-                        <a:buNone/>
-                      </a:pPr>
-                      <a:r>
-                        <a:rPr lang="en">
-                          <a:solidFill>
-                            <a:srgbClr val="FF9900"/>
-                          </a:solidFill>
-                        </a:rPr>
-                        <a:t>United Kingdom </a:t>
-                      </a:r>
-                      <a:endParaRPr>
-                        <a:solidFill>
-                          <a:srgbClr val="FF9900"/>
-                        </a:solidFill>
-                      </a:endParaRPr>
-                    </a:p>
-                  </a:txBody>
-                  <a:tcPr marL="91425" marR="91425" marT="91425" marB="91425">
-                    <a:lnL w="28575" cap="flat" cmpd="sng">
-                      <a:solidFill>
-                        <a:srgbClr val="FFFF00"/>
-                      </a:solidFill>
-                      <a:prstDash val="solid"/>
-                      <a:round/>
-                      <a:headEnd type="none" w="sm" len="sm"/>
-                      <a:tailEnd type="none" w="sm" len="sm"/>
-                    </a:lnL>
-                    <a:lnR w="28575" cap="flat" cmpd="sng">
-                      <a:solidFill>
-                        <a:srgbClr val="FFFF00"/>
-                      </a:solidFill>
-                      <a:prstDash val="solid"/>
-                      <a:round/>
-                      <a:headEnd type="none" w="sm" len="sm"/>
-                      <a:tailEnd type="none" w="sm" len="sm"/>
-                    </a:lnR>
-                    <a:lnT w="28575" cap="flat" cmpd="sng">
-                      <a:solidFill>
-                        <a:srgbClr val="FFFF00"/>
-                      </a:solidFill>
-                      <a:prstDash val="solid"/>
-                      <a:round/>
-                      <a:headEnd type="none" w="sm" len="sm"/>
-                      <a:tailEnd type="none" w="sm" len="sm"/>
-                    </a:lnT>
-                    <a:lnB w="28575" cap="flat" cmpd="sng">
-                      <a:solidFill>
-                        <a:srgbClr val="FFFF00"/>
-                      </a:solidFill>
-                      <a:prstDash val="solid"/>
-                      <a:round/>
-                      <a:headEnd type="none" w="sm" len="sm"/>
-                      <a:tailEnd type="none" w="sm" len="sm"/>
-                    </a:lnB>
-                  </a:tcPr>
-                </a:tc>
-                <a:tc>
-                  <a:txBody>
-                    <a:bodyPr/>
-                    <a:lstStyle/>
-                    <a:p>
-                      <a:pPr marL="0" lvl="0" indent="0" algn="l" rtl="0">
-                        <a:spcBef>
-                          <a:spcPts val="0"/>
-                        </a:spcBef>
-                        <a:spcAft>
-                          <a:spcPts val="0"/>
-                        </a:spcAft>
-                        <a:buNone/>
-                      </a:pPr>
-                      <a:r>
-                        <a:rPr lang="en">
-                          <a:solidFill>
-                            <a:srgbClr val="FF9900"/>
-                          </a:solidFill>
-                        </a:rPr>
-                        <a:t>482</a:t>
-                      </a:r>
-                      <a:endParaRPr>
-                        <a:solidFill>
-                          <a:srgbClr val="FF9900"/>
-                        </a:solidFill>
-                      </a:endParaRPr>
-                    </a:p>
-                  </a:txBody>
-                  <a:tcPr marL="91425" marR="91425" marT="91425" marB="91425">
-                    <a:lnL w="28575" cap="flat" cmpd="sng">
-                      <a:solidFill>
-                        <a:srgbClr val="FFFF00"/>
-                      </a:solidFill>
-                      <a:prstDash val="solid"/>
-                      <a:round/>
-                      <a:headEnd type="none" w="sm" len="sm"/>
-                      <a:tailEnd type="none" w="sm" len="sm"/>
-                    </a:lnL>
-                    <a:lnR w="28575" cap="flat" cmpd="sng">
-                      <a:solidFill>
-                        <a:srgbClr val="FFFF00"/>
-                      </a:solidFill>
-                      <a:prstDash val="solid"/>
-                      <a:round/>
-                      <a:headEnd type="none" w="sm" len="sm"/>
-                      <a:tailEnd type="none" w="sm" len="sm"/>
-                    </a:lnR>
-                    <a:lnT w="28575" cap="flat" cmpd="sng">
-                      <a:solidFill>
-                        <a:srgbClr val="FFFF00"/>
-                      </a:solidFill>
-                      <a:prstDash val="solid"/>
-                      <a:round/>
-                      <a:headEnd type="none" w="sm" len="sm"/>
-                      <a:tailEnd type="none" w="sm" len="sm"/>
-                    </a:lnT>
-                    <a:lnB w="28575" cap="flat" cmpd="sng">
-                      <a:solidFill>
-                        <a:srgbClr val="FFFF00"/>
-                      </a:solidFill>
-                      <a:prstDash val="solid"/>
-                      <a:round/>
-                      <a:headEnd type="none" w="sm" len="sm"/>
-                      <a:tailEnd type="none" w="sm" len="sm"/>
-                    </a:lnB>
-                  </a:tcPr>
-                </a:tc>
-                <a:extLst>
-                  <a:ext uri="{0D108BD9-81ED-4DB2-BD59-A6C34878D82A}">
-                    <a16:rowId xmlns:a16="http://schemas.microsoft.com/office/drawing/2014/main" val="10001"/>
-                  </a:ext>
-                </a:extLst>
-              </a:tr>
-              <a:tr h="381000">
-                <a:tc>
-                  <a:txBody>
-                    <a:bodyPr/>
-                    <a:lstStyle/>
-                    <a:p>
-                      <a:pPr marL="0" lvl="0" indent="0" algn="l" rtl="0">
-                        <a:spcBef>
-                          <a:spcPts val="0"/>
-                        </a:spcBef>
-                        <a:spcAft>
-                          <a:spcPts val="0"/>
-                        </a:spcAft>
-                        <a:buNone/>
-                      </a:pPr>
-                      <a:r>
-                        <a:rPr lang="en">
-                          <a:solidFill>
-                            <a:srgbClr val="FF9900"/>
-                          </a:solidFill>
-                        </a:rPr>
-                        <a:t>Canada </a:t>
-                      </a:r>
-                      <a:endParaRPr>
-                        <a:solidFill>
-                          <a:srgbClr val="FF9900"/>
-                        </a:solidFill>
-                      </a:endParaRPr>
-                    </a:p>
-                  </a:txBody>
-                  <a:tcPr marL="91425" marR="91425" marT="91425" marB="91425">
-                    <a:lnL w="28575" cap="flat" cmpd="sng">
-                      <a:solidFill>
-                        <a:srgbClr val="FFFF00"/>
-                      </a:solidFill>
-                      <a:prstDash val="solid"/>
-                      <a:round/>
-                      <a:headEnd type="none" w="sm" len="sm"/>
-                      <a:tailEnd type="none" w="sm" len="sm"/>
-                    </a:lnL>
-                    <a:lnR w="28575" cap="flat" cmpd="sng">
-                      <a:solidFill>
-                        <a:srgbClr val="FFFF00"/>
-                      </a:solidFill>
-                      <a:prstDash val="solid"/>
-                      <a:round/>
-                      <a:headEnd type="none" w="sm" len="sm"/>
-                      <a:tailEnd type="none" w="sm" len="sm"/>
-                    </a:lnR>
-                    <a:lnT w="28575" cap="flat" cmpd="sng">
-                      <a:solidFill>
-                        <a:srgbClr val="FFFF00"/>
-                      </a:solidFill>
-                      <a:prstDash val="solid"/>
-                      <a:round/>
-                      <a:headEnd type="none" w="sm" len="sm"/>
-                      <a:tailEnd type="none" w="sm" len="sm"/>
-                    </a:lnT>
-                    <a:lnB w="28575" cap="flat" cmpd="sng">
-                      <a:solidFill>
-                        <a:srgbClr val="FFFF00"/>
-                      </a:solidFill>
-                      <a:prstDash val="solid"/>
-                      <a:round/>
-                      <a:headEnd type="none" w="sm" len="sm"/>
-                      <a:tailEnd type="none" w="sm" len="sm"/>
-                    </a:lnB>
-                  </a:tcPr>
-                </a:tc>
-                <a:tc>
-                  <a:txBody>
-                    <a:bodyPr/>
-                    <a:lstStyle/>
-                    <a:p>
-                      <a:pPr marL="0" lvl="0" indent="0" algn="l" rtl="0">
-                        <a:spcBef>
-                          <a:spcPts val="0"/>
-                        </a:spcBef>
-                        <a:spcAft>
-                          <a:spcPts val="0"/>
-                        </a:spcAft>
-                        <a:buNone/>
-                      </a:pPr>
-                      <a:r>
-                        <a:rPr lang="en">
-                          <a:solidFill>
-                            <a:srgbClr val="FF9900"/>
-                          </a:solidFill>
-                        </a:rPr>
-                        <a:t>199</a:t>
-                      </a:r>
-                      <a:endParaRPr>
-                        <a:solidFill>
-                          <a:srgbClr val="FF9900"/>
-                        </a:solidFill>
-                      </a:endParaRPr>
-                    </a:p>
-                  </a:txBody>
-                  <a:tcPr marL="91425" marR="91425" marT="91425" marB="91425">
-                    <a:lnL w="28575" cap="flat" cmpd="sng">
-                      <a:solidFill>
-                        <a:srgbClr val="FFFF00"/>
-                      </a:solidFill>
-                      <a:prstDash val="solid"/>
-                      <a:round/>
-                      <a:headEnd type="none" w="sm" len="sm"/>
-                      <a:tailEnd type="none" w="sm" len="sm"/>
-                    </a:lnL>
-                    <a:lnR w="28575" cap="flat" cmpd="sng">
-                      <a:solidFill>
-                        <a:srgbClr val="FFFF00"/>
-                      </a:solidFill>
-                      <a:prstDash val="solid"/>
-                      <a:round/>
-                      <a:headEnd type="none" w="sm" len="sm"/>
-                      <a:tailEnd type="none" w="sm" len="sm"/>
-                    </a:lnR>
-                    <a:lnT w="28575" cap="flat" cmpd="sng">
-                      <a:solidFill>
-                        <a:srgbClr val="FFFF00"/>
-                      </a:solidFill>
-                      <a:prstDash val="solid"/>
-                      <a:round/>
-                      <a:headEnd type="none" w="sm" len="sm"/>
-                      <a:tailEnd type="none" w="sm" len="sm"/>
-                    </a:lnT>
-                    <a:lnB w="28575" cap="flat" cmpd="sng">
-                      <a:solidFill>
-                        <a:srgbClr val="FFFF00"/>
-                      </a:solidFill>
-                      <a:prstDash val="solid"/>
-                      <a:round/>
-                      <a:headEnd type="none" w="sm" len="sm"/>
-                      <a:tailEnd type="none" w="sm" len="sm"/>
-                    </a:lnB>
-                  </a:tcPr>
-                </a:tc>
-                <a:extLst>
-                  <a:ext uri="{0D108BD9-81ED-4DB2-BD59-A6C34878D82A}">
-                    <a16:rowId xmlns:a16="http://schemas.microsoft.com/office/drawing/2014/main" val="10002"/>
-                  </a:ext>
-                </a:extLst>
-              </a:tr>
-            </a:tbl>
-          </a:graphicData>
-        </a:graphic>
-      </p:graphicFrame>
+        </p:nvPicPr>
+        <p:blipFill rotWithShape="1">
+          <a:blip r:embed="rId3">
+            <a:alphaModFix/>
+          </a:blip>
+          <a:srcRect b="1409" l="-1142" r="-877" t="-1410"/>
+          <a:stretch/>
+        </p:blipFill>
+        <p:spPr>
+          <a:xfrm>
+            <a:off x="497875" y="1087250"/>
+            <a:ext cx="5745201" cy="3677525"/>
+          </a:xfrm>
+          <a:prstGeom prst="rect">
+            <a:avLst/>
+          </a:prstGeom>
+          <a:noFill/>
+          <a:ln>
+            <a:noFill/>
+          </a:ln>
+        </p:spPr>
+      </p:pic>
     </p:spTree>
   </p:cSld>
   <p:clrMapOvr>
@@ -9023,11 +8650,11 @@
 </file>
 
 <file path=ppt/slides/slide7.xml><?xml version="1.0" encoding="utf-8"?>
-<p:sld xmlns:a="http://schemas.openxmlformats.org/drawingml/2006/main" xmlns:r="http://schemas.openxmlformats.org/officeDocument/2006/relationships" xmlns:p="http://schemas.openxmlformats.org/presentationml/2006/main">
+<p:sld xmlns:a="http://schemas.openxmlformats.org/drawingml/2006/main" xmlns:r="http://schemas.openxmlformats.org/officeDocument/2006/relationships" xmlns:mc="http://schemas.openxmlformats.org/markup-compatibility/2006" xmlns:mv="urn:schemas-microsoft-com:mac:vml" xmlns:p="http://schemas.openxmlformats.org/presentationml/2006/main" xmlns:c="http://schemas.openxmlformats.org/drawingml/2006/chart" xmlns:dgm="http://schemas.openxmlformats.org/drawingml/2006/diagram" xmlns:o="urn:schemas-microsoft-com:office:office" xmlns:v="urn:schemas-microsoft-com:vml" xmlns:pvml="urn:schemas-microsoft-com:office:powerpoint" xmlns:com="http://schemas.openxmlformats.org/drawingml/2006/compatibility" xmlns:p14="http://schemas.microsoft.com/office/powerpoint/2010/main" xmlns:p15="http://schemas.microsoft.com/office/powerpoint/2012/main" xmlns:ahyp="http://schemas.microsoft.com/office/drawing/2018/hyperlinkcolor">
   <p:cSld>
     <p:spTree>
       <p:nvGrpSpPr>
-        <p:cNvPr id="1" name="Shape 103"/>
+        <p:cNvPr id="103" name="Shape 103"/>
         <p:cNvGrpSpPr/>
         <p:nvPr/>
       </p:nvGrpSpPr>
@@ -9042,9 +8669,7 @@
       <p:sp>
         <p:nvSpPr>
           <p:cNvPr id="104" name="Google Shape;104;p19"/>
-          <p:cNvSpPr txBox="1">
-            <a:spLocks noGrp="1"/>
-          </p:cNvSpPr>
+          <p:cNvSpPr txBox="1"/>
           <p:nvPr>
             <p:ph type="title"/>
           </p:nvPr>
@@ -9059,12 +8684,12 @@
           </a:prstGeom>
         </p:spPr>
         <p:txBody>
-          <a:bodyPr spcFirstLastPara="1" wrap="square" lIns="91425" tIns="91425" rIns="91425" bIns="91425" anchor="b" anchorCtr="0">
-            <a:normAutofit/>
+          <a:bodyPr anchorCtr="0" anchor="b" bIns="91425" lIns="91425" spcFirstLastPara="1" rIns="91425" wrap="square" tIns="91425">
+            <a:normAutofit fontScale="90000"/>
           </a:bodyPr>
           <a:lstStyle/>
           <a:p>
-            <a:pPr marL="0" lvl="0" indent="0" algn="l" rtl="0">
+            <a:pPr indent="0" lvl="0" marL="0" rtl="0" algn="l">
               <a:lnSpc>
                 <a:spcPct val="115000"/>
               </a:lnSpc>
@@ -9077,16 +8702,12 @@
               <a:buNone/>
             </a:pPr>
             <a:r>
-              <a:rPr lang="en" b="1">
+              <a:rPr b="1" lang="en">
                 <a:solidFill>
                   <a:srgbClr val="FFF2CC"/>
                 </a:solidFill>
-                <a:latin typeface="Roboto"/>
-                <a:ea typeface="Roboto"/>
-                <a:cs typeface="Roboto"/>
-                <a:sym typeface="Roboto"/>
               </a:rPr>
-              <a:t>Inference 2</a:t>
+              <a:t>Insight 2 - Most people are aware of their mental health status</a:t>
             </a:r>
             <a:endParaRPr b="1">
               <a:solidFill>
@@ -9099,524 +8720,83 @@
       <p:sp>
         <p:nvSpPr>
           <p:cNvPr id="105" name="Google Shape;105;p19"/>
-          <p:cNvSpPr txBox="1">
-            <a:spLocks noGrp="1"/>
-          </p:cNvSpPr>
+          <p:cNvSpPr txBox="1"/>
           <p:nvPr>
-            <p:ph type="body" idx="1"/>
+            <p:ph idx="1" type="body"/>
           </p:nvPr>
         </p:nvSpPr>
         <p:spPr>
           <a:xfrm>
-            <a:off x="387900" y="1489825"/>
-            <a:ext cx="7882500" cy="1956000"/>
+            <a:off x="5898000" y="3329925"/>
+            <a:ext cx="2858100" cy="1031700"/>
           </a:xfrm>
           <a:prstGeom prst="rect">
             <a:avLst/>
           </a:prstGeom>
         </p:spPr>
         <p:txBody>
-          <a:bodyPr spcFirstLastPara="1" wrap="square" lIns="91425" tIns="91425" rIns="91425" bIns="91425" anchor="t" anchorCtr="0">
-            <a:normAutofit/>
+          <a:bodyPr anchorCtr="0" anchor="t" bIns="91425" lIns="91425" spcFirstLastPara="1" rIns="91425" wrap="square" tIns="91425">
+            <a:normAutofit lnSpcReduction="10000"/>
           </a:bodyPr>
           <a:lstStyle/>
           <a:p>
-            <a:pPr marL="0" lvl="0" indent="0" algn="l" rtl="0">
-              <a:spcBef>
-                <a:spcPts val="0"/>
-              </a:spcBef>
-              <a:spcAft>
-                <a:spcPts val="0"/>
-              </a:spcAft>
+            <a:pPr indent="0" lvl="0" marL="0" rtl="0" algn="l">
+              <a:lnSpc>
+                <a:spcPct val="95000"/>
+              </a:lnSpc>
+              <a:spcBef>
+                <a:spcPts val="0"/>
+              </a:spcBef>
+              <a:spcAft>
+                <a:spcPts val="1200"/>
+              </a:spcAft>
+              <a:buSzPts val="935"/>
               <a:buNone/>
             </a:pPr>
             <a:r>
-              <a:rPr lang="en" b="1">
-                <a:solidFill>
-                  <a:srgbClr val="FFF2CC"/>
-                </a:solidFill>
-                <a:highlight>
-                  <a:srgbClr val="38761D"/>
-                </a:highlight>
-              </a:rPr>
-              <a:t>1237</a:t>
+              <a:rPr i="1" lang="en" sz="1230"/>
+              <a:t>In addition, mood disorder (Depression, B</a:t>
             </a:r>
             <a:r>
-              <a:rPr lang="en"/>
-              <a:t> affirmed to have a mental disorder, </a:t>
+              <a:rPr i="1" lang="en" sz="1230"/>
+              <a:t>ipolar</a:t>
             </a:r>
             <a:r>
-              <a:rPr lang="en" b="1">
-                <a:solidFill>
-                  <a:srgbClr val="FFF2CC"/>
-                </a:solidFill>
-                <a:highlight>
-                  <a:srgbClr val="38761D"/>
-                </a:highlight>
-              </a:rPr>
-              <a:t>969</a:t>
+              <a:rPr i="1" lang="en" sz="1230"/>
+              <a:t> disorder,  Anxiety disorder etc) are the most common mental conditions people believe that they may have. </a:t>
             </a:r>
-            <a:r>
-              <a:rPr lang="en"/>
-              <a:t> gave a firm negative</a:t>
-            </a:r>
-            <a:endParaRPr/>
-          </a:p>
-          <a:p>
-            <a:pPr marL="0" lvl="0" indent="0" algn="l" rtl="0">
-              <a:spcBef>
-                <a:spcPts val="1200"/>
-              </a:spcBef>
-              <a:spcAft>
-                <a:spcPts val="1200"/>
-              </a:spcAft>
-              <a:buNone/>
-            </a:pPr>
-            <a:r>
-              <a:rPr lang="en"/>
-              <a:t>response while </a:t>
-            </a:r>
-            <a:r>
-              <a:rPr lang="en" b="1">
-                <a:solidFill>
-                  <a:srgbClr val="FFF2CC"/>
-                </a:solidFill>
-                <a:highlight>
-                  <a:srgbClr val="38761D"/>
-                </a:highlight>
-              </a:rPr>
-              <a:t>758</a:t>
-            </a:r>
-            <a:r>
-              <a:rPr lang="en"/>
-              <a:t> were unsure. We can infer that most people are mentally aware. In addition, mood disorder (Depression, Bipolar disorder,  Anxiety disorder etc) are the most common mental conditions people believe that they may have. </a:t>
-            </a:r>
-            <a:endParaRPr/>
+            <a:endParaRPr i="1" sz="1230"/>
           </a:p>
         </p:txBody>
       </p:sp>
-      <p:sp>
-        <p:nvSpPr>
-          <p:cNvPr id="106" name="Google Shape;106;p19"/>
-          <p:cNvSpPr txBox="1">
-            <a:spLocks noGrp="1"/>
-          </p:cNvSpPr>
-          <p:nvPr>
-            <p:ph type="body" idx="1"/>
-          </p:nvPr>
-        </p:nvSpPr>
+      <p:pic>
+        <p:nvPicPr>
+          <p:cNvPr id="106" name="Google Shape;106;p19" title="Chart"/>
+          <p:cNvPicPr preferRelativeResize="0"/>
+          <p:nvPr/>
+        </p:nvPicPr>
+        <p:blipFill>
+          <a:blip r:embed="rId3">
+            <a:alphaModFix/>
+          </a:blip>
+          <a:stretch>
+            <a:fillRect/>
+          </a:stretch>
+        </p:blipFill>
         <p:spPr>
           <a:xfrm>
-            <a:off x="5644189" y="3474401"/>
-            <a:ext cx="1975207" cy="1015133"/>
+            <a:off x="152400" y="1296525"/>
+            <a:ext cx="5107473" cy="3158121"/>
           </a:xfrm>
           <a:prstGeom prst="rect">
             <a:avLst/>
           </a:prstGeom>
+          <a:noFill/>
+          <a:ln>
+            <a:noFill/>
+          </a:ln>
         </p:spPr>
-        <p:txBody>
-          <a:bodyPr spcFirstLastPara="1" wrap="square" lIns="91425" tIns="91425" rIns="91425" bIns="91425" anchor="t" anchorCtr="0">
-            <a:normAutofit fontScale="70000" lnSpcReduction="20000"/>
-          </a:bodyPr>
-          <a:lstStyle/>
-          <a:p>
-            <a:pPr marL="0" lvl="0" indent="0" algn="l" rtl="0">
-              <a:lnSpc>
-                <a:spcPct val="100000"/>
-              </a:lnSpc>
-              <a:spcBef>
-                <a:spcPts val="0"/>
-              </a:spcBef>
-              <a:spcAft>
-                <a:spcPts val="0"/>
-              </a:spcAft>
-              <a:buNone/>
-            </a:pPr>
-            <a:r>
-              <a:rPr lang="en" sz="1400" b="1" dirty="0">
-                <a:solidFill>
-                  <a:schemeClr val="accent6">
-                    <a:lumMod val="60000"/>
-                    <a:lumOff val="40000"/>
-                  </a:schemeClr>
-                </a:solidFill>
-              </a:rPr>
-              <a:t>Unsure</a:t>
-            </a:r>
-            <a:r>
-              <a:rPr lang="en" dirty="0"/>
-              <a:t> </a:t>
-            </a:r>
-            <a:endParaRPr dirty="0"/>
-          </a:p>
-          <a:p>
-            <a:pPr marL="0" lvl="0" indent="0" algn="r" rtl="0">
-              <a:spcBef>
-                <a:spcPts val="0"/>
-              </a:spcBef>
-              <a:spcAft>
-                <a:spcPts val="0"/>
-              </a:spcAft>
-              <a:buNone/>
-            </a:pPr>
-            <a:endParaRPr dirty="0"/>
-          </a:p>
-          <a:p>
-            <a:pPr marL="0" lvl="0" indent="0" algn="l" rtl="0">
-              <a:lnSpc>
-                <a:spcPct val="100000"/>
-              </a:lnSpc>
-              <a:spcBef>
-                <a:spcPts val="0"/>
-              </a:spcBef>
-              <a:spcAft>
-                <a:spcPts val="0"/>
-              </a:spcAft>
-              <a:buNone/>
-            </a:pPr>
-            <a:r>
-              <a:rPr lang="en" sz="1400" b="1" dirty="0">
-                <a:solidFill>
-                  <a:srgbClr val="00B050"/>
-                </a:solidFill>
-              </a:rPr>
-              <a:t>Negative</a:t>
-            </a:r>
-            <a:endParaRPr sz="1400" b="1" dirty="0">
-              <a:solidFill>
-                <a:srgbClr val="00B050"/>
-              </a:solidFill>
-            </a:endParaRPr>
-          </a:p>
-          <a:p>
-            <a:pPr marL="0" lvl="0" indent="0" algn="r" rtl="0">
-              <a:spcBef>
-                <a:spcPts val="0"/>
-              </a:spcBef>
-              <a:spcAft>
-                <a:spcPts val="0"/>
-              </a:spcAft>
-              <a:buNone/>
-            </a:pPr>
-            <a:endParaRPr dirty="0"/>
-          </a:p>
-          <a:p>
-            <a:pPr marL="0" lvl="0" indent="0" algn="l" rtl="0">
-              <a:lnSpc>
-                <a:spcPct val="100000"/>
-              </a:lnSpc>
-              <a:spcBef>
-                <a:spcPts val="0"/>
-              </a:spcBef>
-              <a:spcAft>
-                <a:spcPts val="0"/>
-              </a:spcAft>
-              <a:buNone/>
-            </a:pPr>
-            <a:r>
-              <a:rPr lang="en" sz="1400" b="1" dirty="0">
-                <a:solidFill>
-                  <a:srgbClr val="FF0000"/>
-                </a:solidFill>
-              </a:rPr>
-              <a:t>Positive </a:t>
-            </a:r>
-            <a:endParaRPr sz="1400" b="1" dirty="0">
-              <a:solidFill>
-                <a:srgbClr val="FF0000"/>
-              </a:solidFill>
-            </a:endParaRPr>
-          </a:p>
-          <a:p>
-            <a:pPr marL="0" lvl="0" indent="0" algn="r" rtl="0">
-              <a:spcBef>
-                <a:spcPts val="0"/>
-              </a:spcBef>
-              <a:spcAft>
-                <a:spcPts val="0"/>
-              </a:spcAft>
-              <a:buNone/>
-            </a:pPr>
-            <a:endParaRPr dirty="0"/>
-          </a:p>
-          <a:p>
-            <a:pPr marL="0" lvl="0" indent="0" algn="l" rtl="0">
-              <a:spcBef>
-                <a:spcPts val="0"/>
-              </a:spcBef>
-              <a:spcAft>
-                <a:spcPts val="1200"/>
-              </a:spcAft>
-              <a:buNone/>
-            </a:pPr>
-            <a:endParaRPr dirty="0"/>
-          </a:p>
-        </p:txBody>
-      </p:sp>
-      <p:cxnSp>
-        <p:nvCxnSpPr>
-          <p:cNvPr id="107" name="Google Shape;107;p19"/>
-          <p:cNvCxnSpPr/>
-          <p:nvPr/>
-        </p:nvCxnSpPr>
-        <p:spPr>
-          <a:xfrm rot="10800000" flipH="1">
-            <a:off x="6367400" y="3626725"/>
-            <a:ext cx="1707600" cy="9900"/>
-          </a:xfrm>
-          <a:prstGeom prst="straightConnector1">
-            <a:avLst/>
-          </a:prstGeom>
-          <a:noFill/>
-          <a:ln w="38100" cap="flat" cmpd="sng">
-            <a:solidFill>
-              <a:schemeClr val="dk2"/>
-            </a:solidFill>
-            <a:prstDash val="solid"/>
-            <a:round/>
-            <a:headEnd type="none" w="med" len="med"/>
-            <a:tailEnd type="diamond" w="med" len="med"/>
-          </a:ln>
-          <a:effectLst>
-            <a:outerShdw blurRad="57150" dist="19050" dir="5400000" algn="bl" rotWithShape="0">
-              <a:schemeClr val="dk1">
-                <a:alpha val="50000"/>
-              </a:schemeClr>
-            </a:outerShdw>
-          </a:effectLst>
-        </p:spPr>
-      </p:cxnSp>
-      <p:cxnSp>
-        <p:nvCxnSpPr>
-          <p:cNvPr id="108" name="Google Shape;108;p19"/>
-          <p:cNvCxnSpPr/>
-          <p:nvPr/>
-        </p:nvCxnSpPr>
-        <p:spPr>
-          <a:xfrm rot="10800000" flipH="1">
-            <a:off x="6343975" y="3933975"/>
-            <a:ext cx="1707600" cy="9900"/>
-          </a:xfrm>
-          <a:prstGeom prst="straightConnector1">
-            <a:avLst/>
-          </a:prstGeom>
-          <a:noFill/>
-          <a:ln w="38100" cap="flat" cmpd="sng">
-            <a:solidFill>
-              <a:schemeClr val="dk2"/>
-            </a:solidFill>
-            <a:prstDash val="solid"/>
-            <a:round/>
-            <a:headEnd type="none" w="med" len="med"/>
-            <a:tailEnd type="diamond" w="med" len="med"/>
-          </a:ln>
-          <a:effectLst>
-            <a:outerShdw blurRad="57150" dist="19050" dir="5400000" algn="bl" rotWithShape="0">
-              <a:schemeClr val="dk1">
-                <a:alpha val="50000"/>
-              </a:schemeClr>
-            </a:outerShdw>
-          </a:effectLst>
-        </p:spPr>
-      </p:cxnSp>
-      <p:cxnSp>
-        <p:nvCxnSpPr>
-          <p:cNvPr id="109" name="Google Shape;109;p19"/>
-          <p:cNvCxnSpPr/>
-          <p:nvPr/>
-        </p:nvCxnSpPr>
-        <p:spPr>
-          <a:xfrm rot="10800000" flipH="1">
-            <a:off x="6343975" y="4227000"/>
-            <a:ext cx="1707600" cy="9900"/>
-          </a:xfrm>
-          <a:prstGeom prst="straightConnector1">
-            <a:avLst/>
-          </a:prstGeom>
-          <a:noFill/>
-          <a:ln w="38100" cap="flat" cmpd="sng">
-            <a:solidFill>
-              <a:schemeClr val="dk2"/>
-            </a:solidFill>
-            <a:prstDash val="solid"/>
-            <a:round/>
-            <a:headEnd type="none" w="med" len="med"/>
-            <a:tailEnd type="diamond" w="med" len="med"/>
-          </a:ln>
-          <a:effectLst>
-            <a:outerShdw blurRad="57150" dist="19050" dir="5400000" algn="bl" rotWithShape="0">
-              <a:schemeClr val="dk1">
-                <a:alpha val="50000"/>
-              </a:schemeClr>
-            </a:outerShdw>
-          </a:effectLst>
-        </p:spPr>
-      </p:cxnSp>
-      <p:sp>
-        <p:nvSpPr>
-          <p:cNvPr id="110" name="Google Shape;110;p19"/>
-          <p:cNvSpPr txBox="1">
-            <a:spLocks noGrp="1"/>
-          </p:cNvSpPr>
-          <p:nvPr>
-            <p:ph type="body" idx="1"/>
-          </p:nvPr>
-        </p:nvSpPr>
-        <p:spPr>
-          <a:xfrm>
-            <a:off x="7150250" y="3035600"/>
-            <a:ext cx="1426500" cy="1594200"/>
-          </a:xfrm>
-          <a:prstGeom prst="rect">
-            <a:avLst/>
-          </a:prstGeom>
-        </p:spPr>
-        <p:txBody>
-          <a:bodyPr spcFirstLastPara="1" wrap="square" lIns="91425" tIns="91425" rIns="91425" bIns="91425" anchor="t" anchorCtr="0">
-            <a:normAutofit fontScale="62500" lnSpcReduction="20000"/>
-          </a:bodyPr>
-          <a:lstStyle/>
-          <a:p>
-            <a:pPr marL="0" lvl="0" indent="0" algn="l" rtl="0">
-              <a:lnSpc>
-                <a:spcPct val="100000"/>
-              </a:lnSpc>
-              <a:spcBef>
-                <a:spcPts val="0"/>
-              </a:spcBef>
-              <a:spcAft>
-                <a:spcPts val="0"/>
-              </a:spcAft>
-              <a:buNone/>
-            </a:pPr>
-            <a:endParaRPr/>
-          </a:p>
-          <a:p>
-            <a:pPr marL="0" lvl="0" indent="0" algn="l" rtl="0">
-              <a:lnSpc>
-                <a:spcPct val="100000"/>
-              </a:lnSpc>
-              <a:spcBef>
-                <a:spcPts val="0"/>
-              </a:spcBef>
-              <a:spcAft>
-                <a:spcPts val="0"/>
-              </a:spcAft>
-              <a:buNone/>
-            </a:pPr>
-            <a:endParaRPr/>
-          </a:p>
-          <a:p>
-            <a:pPr marL="0" lvl="0" indent="0" algn="l" rtl="0">
-              <a:lnSpc>
-                <a:spcPct val="100000"/>
-              </a:lnSpc>
-              <a:spcBef>
-                <a:spcPts val="0"/>
-              </a:spcBef>
-              <a:spcAft>
-                <a:spcPts val="0"/>
-              </a:spcAft>
-              <a:buNone/>
-            </a:pPr>
-            <a:r>
-              <a:rPr lang="en"/>
-              <a:t> </a:t>
-            </a:r>
-            <a:endParaRPr/>
-          </a:p>
-          <a:p>
-            <a:pPr marL="0" lvl="0" indent="0" algn="r" rtl="0">
-              <a:spcBef>
-                <a:spcPts val="0"/>
-              </a:spcBef>
-              <a:spcAft>
-                <a:spcPts val="0"/>
-              </a:spcAft>
-              <a:buNone/>
-            </a:pPr>
-            <a:r>
-              <a:rPr lang="en"/>
-              <a:t>758</a:t>
-            </a:r>
-            <a:endParaRPr/>
-          </a:p>
-          <a:p>
-            <a:pPr marL="0" lvl="0" indent="0" algn="l" rtl="0">
-              <a:lnSpc>
-                <a:spcPct val="100000"/>
-              </a:lnSpc>
-              <a:spcBef>
-                <a:spcPts val="0"/>
-              </a:spcBef>
-              <a:spcAft>
-                <a:spcPts val="0"/>
-              </a:spcAft>
-              <a:buNone/>
-            </a:pPr>
-            <a:endParaRPr/>
-          </a:p>
-          <a:p>
-            <a:pPr marL="0" lvl="0" indent="0" algn="r" rtl="0">
-              <a:spcBef>
-                <a:spcPts val="0"/>
-              </a:spcBef>
-              <a:spcAft>
-                <a:spcPts val="0"/>
-              </a:spcAft>
-              <a:buNone/>
-            </a:pPr>
-            <a:r>
-              <a:rPr lang="en"/>
-              <a:t>969</a:t>
-            </a:r>
-            <a:endParaRPr/>
-          </a:p>
-          <a:p>
-            <a:pPr marL="0" lvl="0" indent="0" algn="l" rtl="0">
-              <a:lnSpc>
-                <a:spcPct val="100000"/>
-              </a:lnSpc>
-              <a:spcBef>
-                <a:spcPts val="0"/>
-              </a:spcBef>
-              <a:spcAft>
-                <a:spcPts val="0"/>
-              </a:spcAft>
-              <a:buNone/>
-            </a:pPr>
-            <a:endParaRPr/>
-          </a:p>
-          <a:p>
-            <a:pPr marL="0" lvl="0" indent="0" algn="r" rtl="0">
-              <a:spcBef>
-                <a:spcPts val="0"/>
-              </a:spcBef>
-              <a:spcAft>
-                <a:spcPts val="0"/>
-              </a:spcAft>
-              <a:buNone/>
-            </a:pPr>
-            <a:r>
-              <a:rPr lang="en"/>
-              <a:t>1237</a:t>
-            </a:r>
-            <a:endParaRPr/>
-          </a:p>
-          <a:p>
-            <a:pPr marL="0" lvl="0" indent="0" algn="l" rtl="0">
-              <a:spcBef>
-                <a:spcPts val="0"/>
-              </a:spcBef>
-              <a:spcAft>
-                <a:spcPts val="1200"/>
-              </a:spcAft>
-              <a:buNone/>
-            </a:pPr>
-            <a:endParaRPr/>
-          </a:p>
-        </p:txBody>
-      </p:sp>
+      </p:pic>
     </p:spTree>
   </p:cSld>
   <p:clrMapOvr>
@@ -9626,19 +8806,18 @@
 </file>
 
 <file path=ppt/slides/slide8.xml><?xml version="1.0" encoding="utf-8"?>
-<p:sld xmlns:a="http://schemas.openxmlformats.org/drawingml/2006/main" xmlns:r="http://schemas.openxmlformats.org/officeDocument/2006/relationships" xmlns:p="http://schemas.openxmlformats.org/presentationml/2006/main">
+<p:sld xmlns:a="http://schemas.openxmlformats.org/drawingml/2006/main" xmlns:r="http://schemas.openxmlformats.org/officeDocument/2006/relationships" xmlns:mc="http://schemas.openxmlformats.org/markup-compatibility/2006" xmlns:mv="urn:schemas-microsoft-com:mac:vml" xmlns:p="http://schemas.openxmlformats.org/presentationml/2006/main" xmlns:c="http://schemas.openxmlformats.org/drawingml/2006/chart" xmlns:dgm="http://schemas.openxmlformats.org/drawingml/2006/diagram" xmlns:o="urn:schemas-microsoft-com:office:office" xmlns:v="urn:schemas-microsoft-com:vml" xmlns:pvml="urn:schemas-microsoft-com:office:powerpoint" xmlns:com="http://schemas.openxmlformats.org/drawingml/2006/compatibility" xmlns:p14="http://schemas.microsoft.com/office/powerpoint/2010/main" xmlns:p15="http://schemas.microsoft.com/office/powerpoint/2012/main" xmlns:ahyp="http://schemas.microsoft.com/office/drawing/2018/hyperlinkcolor">
   <p:cSld>
     <p:bg>
       <p:bgPr>
         <a:solidFill>
           <a:schemeClr val="dk1"/>
         </a:solidFill>
-        <a:effectLst/>
       </p:bgPr>
     </p:bg>
     <p:spTree>
       <p:nvGrpSpPr>
-        <p:cNvPr id="1" name="Shape 114"/>
+        <p:cNvPr id="110" name="Shape 110"/>
         <p:cNvGrpSpPr/>
         <p:nvPr/>
       </p:nvGrpSpPr>
@@ -9652,10 +8831,8 @@
       </p:grpSpPr>
       <p:sp>
         <p:nvSpPr>
-          <p:cNvPr id="115" name="Google Shape;115;p20"/>
-          <p:cNvSpPr txBox="1">
-            <a:spLocks noGrp="1"/>
-          </p:cNvSpPr>
+          <p:cNvPr id="111" name="Google Shape;111;p20"/>
+          <p:cNvSpPr txBox="1"/>
           <p:nvPr>
             <p:ph type="title"/>
           </p:nvPr>
@@ -9670,12 +8847,12 @@
           </a:prstGeom>
         </p:spPr>
         <p:txBody>
-          <a:bodyPr spcFirstLastPara="1" wrap="square" lIns="91425" tIns="91425" rIns="91425" bIns="91425" anchor="b" anchorCtr="0">
-            <a:normAutofit/>
+          <a:bodyPr anchorCtr="0" anchor="b" bIns="91425" lIns="91425" spcFirstLastPara="1" rIns="91425" wrap="square" tIns="91425">
+            <a:normAutofit fontScale="90000"/>
           </a:bodyPr>
           <a:lstStyle/>
           <a:p>
-            <a:pPr marL="0" lvl="0" indent="0" algn="l" rtl="0">
+            <a:pPr indent="0" lvl="0" marL="0" rtl="0" algn="l">
               <a:lnSpc>
                 <a:spcPct val="115000"/>
               </a:lnSpc>
@@ -9688,7 +8865,7 @@
               <a:buNone/>
             </a:pPr>
             <a:r>
-              <a:rPr lang="en" b="1">
+              <a:rPr b="1" lang="en">
                 <a:solidFill>
                   <a:schemeClr val="dk2"/>
                 </a:solidFill>
@@ -9697,7 +8874,31 @@
                 <a:cs typeface="Roboto"/>
                 <a:sym typeface="Roboto"/>
               </a:rPr>
-              <a:t>Inference 3</a:t>
+              <a:t>Insight 3 - Most people have been </a:t>
+            </a:r>
+            <a:r>
+              <a:rPr b="1" lang="en">
+                <a:solidFill>
+                  <a:schemeClr val="dk2"/>
+                </a:solidFill>
+                <a:latin typeface="Roboto"/>
+                <a:ea typeface="Roboto"/>
+                <a:cs typeface="Roboto"/>
+                <a:sym typeface="Roboto"/>
+              </a:rPr>
+              <a:t>diagnosed</a:t>
+            </a:r>
+            <a:r>
+              <a:rPr b="1" lang="en">
+                <a:solidFill>
+                  <a:schemeClr val="dk2"/>
+                </a:solidFill>
+                <a:latin typeface="Roboto"/>
+                <a:ea typeface="Roboto"/>
+                <a:cs typeface="Roboto"/>
+                <a:sym typeface="Roboto"/>
+              </a:rPr>
+              <a:t> of mental health disorder.</a:t>
             </a:r>
             <a:endParaRPr b="1">
               <a:solidFill>
@@ -9709,30 +8910,28 @@
       </p:sp>
       <p:sp>
         <p:nvSpPr>
-          <p:cNvPr id="116" name="Google Shape;116;p20"/>
-          <p:cNvSpPr txBox="1">
-            <a:spLocks noGrp="1"/>
-          </p:cNvSpPr>
+          <p:cNvPr id="112" name="Google Shape;112;p20"/>
+          <p:cNvSpPr txBox="1"/>
           <p:nvPr>
-            <p:ph type="body" idx="1"/>
+            <p:ph idx="1" type="body"/>
           </p:nvPr>
         </p:nvSpPr>
         <p:spPr>
           <a:xfrm>
-            <a:off x="387900" y="1489825"/>
-            <a:ext cx="8368200" cy="1584300"/>
+            <a:off x="191700" y="3940375"/>
+            <a:ext cx="6527700" cy="1125900"/>
           </a:xfrm>
           <a:prstGeom prst="rect">
             <a:avLst/>
           </a:prstGeom>
         </p:spPr>
         <p:txBody>
-          <a:bodyPr spcFirstLastPara="1" wrap="square" lIns="91425" tIns="91425" rIns="91425" bIns="91425" anchor="t" anchorCtr="0">
-            <a:normAutofit/>
+          <a:bodyPr anchorCtr="0" anchor="t" bIns="91425" lIns="91425" spcFirstLastPara="1" rIns="91425" wrap="square" tIns="91425">
+            <a:normAutofit fontScale="85000" lnSpcReduction="20000"/>
           </a:bodyPr>
           <a:lstStyle/>
           <a:p>
-            <a:pPr marL="0" lvl="0" indent="0" algn="l" rtl="0">
+            <a:pPr indent="0" lvl="0" marL="0" rtl="0" algn="l">
               <a:spcBef>
                 <a:spcPts val="0"/>
               </a:spcBef>
@@ -9747,7 +8946,39 @@
                   <a:schemeClr val="dk2"/>
                 </a:solidFill>
               </a:rPr>
-              <a:t>It is also of high importance to note that there are more participants in the survey who have been diagnosed of mental health disorder than those who have not and those who are negative. In total, more people know their status than those who do not.</a:t>
+              <a:t>It is also of high importance to note that there are more participants in the survey who have </a:t>
+            </a:r>
+            <a:r>
+              <a:rPr lang="en">
+                <a:solidFill>
+                  <a:schemeClr val="dk2"/>
+                </a:solidFill>
+              </a:rPr>
+              <a:t>been</a:t>
+            </a:r>
+            <a:r>
+              <a:rPr lang="en">
+                <a:solidFill>
+                  <a:schemeClr val="dk2"/>
+                </a:solidFill>
+              </a:rPr>
+              <a:t> </a:t>
+            </a:r>
+            <a:r>
+              <a:rPr lang="en">
+                <a:solidFill>
+                  <a:schemeClr val="dk2"/>
+                </a:solidFill>
+              </a:rPr>
+              <a:t>diagnosed</a:t>
+            </a:r>
+            <a:r>
+              <a:rPr lang="en">
+                <a:solidFill>
+                  <a:schemeClr val="dk2"/>
+                </a:solidFill>
+              </a:rPr>
+              <a:t> of mental health disorder than those who have not and those who are negative. In total, more people know their status than those who do not.</a:t>
             </a:r>
             <a:endParaRPr>
               <a:solidFill>
@@ -9759,7 +8990,7 @@
       </p:sp>
       <p:pic>
         <p:nvPicPr>
-          <p:cNvPr id="117" name="Google Shape;117;p20"/>
+          <p:cNvPr id="113" name="Google Shape;113;p20"/>
           <p:cNvPicPr preferRelativeResize="0"/>
           <p:nvPr/>
         </p:nvPicPr>
@@ -9773,8 +9004,36 @@
         </p:blipFill>
         <p:spPr>
           <a:xfrm>
-            <a:off x="6099575" y="2873200"/>
+            <a:off x="6871450" y="807175"/>
             <a:ext cx="2272559" cy="1764576"/>
+          </a:xfrm>
+          <a:prstGeom prst="rect">
+            <a:avLst/>
+          </a:prstGeom>
+          <a:noFill/>
+          <a:ln>
+            <a:noFill/>
+          </a:ln>
+        </p:spPr>
+      </p:pic>
+      <p:pic>
+        <p:nvPicPr>
+          <p:cNvPr id="114" name="Google Shape;114;p20" title="Chart"/>
+          <p:cNvPicPr preferRelativeResize="0"/>
+          <p:nvPr/>
+        </p:nvPicPr>
+        <p:blipFill>
+          <a:blip r:embed="rId4">
+            <a:alphaModFix/>
+          </a:blip>
+          <a:stretch>
+            <a:fillRect/>
+          </a:stretch>
+        </p:blipFill>
+        <p:spPr>
+          <a:xfrm>
+            <a:off x="502775" y="1359450"/>
+            <a:ext cx="5565726" cy="2580925"/>
           </a:xfrm>
           <a:prstGeom prst="rect">
             <a:avLst/>
@@ -9794,19 +9053,11 @@
 </file>
 
 <file path=ppt/slides/slide9.xml><?xml version="1.0" encoding="utf-8"?>
-<p:sld xmlns:a="http://schemas.openxmlformats.org/drawingml/2006/main" xmlns:r="http://schemas.openxmlformats.org/officeDocument/2006/relationships" xmlns:p="http://schemas.openxmlformats.org/presentationml/2006/main">
+<p:sld xmlns:a="http://schemas.openxmlformats.org/drawingml/2006/main" xmlns:r="http://schemas.openxmlformats.org/officeDocument/2006/relationships" xmlns:mc="http://schemas.openxmlformats.org/markup-compatibility/2006" xmlns:mv="urn:schemas-microsoft-com:mac:vml" xmlns:p="http://schemas.openxmlformats.org/presentationml/2006/main" xmlns:c="http://schemas.openxmlformats.org/drawingml/2006/chart" xmlns:dgm="http://schemas.openxmlformats.org/drawingml/2006/diagram" xmlns:o="urn:schemas-microsoft-com:office:office" xmlns:v="urn:schemas-microsoft-com:vml" xmlns:pvml="urn:schemas-microsoft-com:office:powerpoint" xmlns:com="http://schemas.openxmlformats.org/drawingml/2006/compatibility" xmlns:p14="http://schemas.microsoft.com/office/powerpoint/2010/main" xmlns:p15="http://schemas.microsoft.com/office/powerpoint/2012/main" xmlns:ahyp="http://schemas.microsoft.com/office/drawing/2018/hyperlinkcolor">
   <p:cSld>
-    <p:bg>
-      <p:bgPr>
-        <a:solidFill>
-          <a:schemeClr val="dk1"/>
-        </a:solidFill>
-        <a:effectLst/>
-      </p:bgPr>
-    </p:bg>
     <p:spTree>
       <p:nvGrpSpPr>
-        <p:cNvPr id="1" name="Shape 121"/>
+        <p:cNvPr id="118" name="Shape 118"/>
         <p:cNvGrpSpPr/>
         <p:nvPr/>
       </p:nvGrpSpPr>
@@ -9820,10 +9071,8 @@
       </p:grpSpPr>
       <p:sp>
         <p:nvSpPr>
-          <p:cNvPr id="122" name="Google Shape;122;p21"/>
-          <p:cNvSpPr txBox="1">
-            <a:spLocks noGrp="1"/>
-          </p:cNvSpPr>
+          <p:cNvPr id="119" name="Google Shape;119;p21"/>
+          <p:cNvSpPr txBox="1"/>
           <p:nvPr>
             <p:ph type="title"/>
           </p:nvPr>
@@ -9838,121 +9087,226 @@
           </a:prstGeom>
         </p:spPr>
         <p:txBody>
-          <a:bodyPr spcFirstLastPara="1" wrap="square" lIns="91425" tIns="91425" rIns="91425" bIns="91425" anchor="b" anchorCtr="0">
-            <a:normAutofit/>
+          <a:bodyPr anchorCtr="0" anchor="b" bIns="91425" lIns="91425" spcFirstLastPara="1" rIns="91425" wrap="square" tIns="91425">
+            <a:normAutofit fontScale="90000"/>
           </a:bodyPr>
           <a:lstStyle/>
           <a:p>
-            <a:pPr marL="0" lvl="0" indent="0" algn="l" rtl="0">
-              <a:lnSpc>
-                <a:spcPct val="115000"/>
-              </a:lnSpc>
-              <a:spcBef>
-                <a:spcPts val="0"/>
-              </a:spcBef>
-              <a:spcAft>
-                <a:spcPts val="1200"/>
+            <a:pPr indent="0" lvl="0" marL="0" rtl="0" algn="l">
+              <a:spcBef>
+                <a:spcPts val="0"/>
+              </a:spcBef>
+              <a:spcAft>
+                <a:spcPts val="0"/>
               </a:spcAft>
               <a:buNone/>
             </a:pPr>
             <a:r>
-              <a:rPr lang="en" b="1">
-                <a:solidFill>
-                  <a:schemeClr val="lt1"/>
-                </a:solidFill>
-                <a:latin typeface="Roboto"/>
-                <a:ea typeface="Roboto"/>
-                <a:cs typeface="Roboto"/>
-                <a:sym typeface="Roboto"/>
-              </a:rPr>
-              <a:t>Inference 4</a:t>
+              <a:rPr lang="en"/>
+              <a:t>Insight 4 - </a:t>
             </a:r>
-            <a:endParaRPr>
-              <a:solidFill>
-                <a:schemeClr val="lt1"/>
-              </a:solidFill>
-            </a:endParaRPr>
+            <a:r>
+              <a:rPr lang="en"/>
+              <a:t>Employers</a:t>
+            </a:r>
+            <a:r>
+              <a:rPr lang="en"/>
+              <a:t> don’t care about mental health.</a:t>
+            </a:r>
+            <a:endParaRPr/>
           </a:p>
         </p:txBody>
       </p:sp>
       <p:sp>
         <p:nvSpPr>
-          <p:cNvPr id="123" name="Google Shape;123;p21"/>
-          <p:cNvSpPr txBox="1">
-            <a:spLocks noGrp="1"/>
-          </p:cNvSpPr>
+          <p:cNvPr id="120" name="Google Shape;120;p21"/>
+          <p:cNvSpPr txBox="1"/>
           <p:nvPr>
-            <p:ph type="body" idx="1"/>
+            <p:ph idx="1" type="body"/>
           </p:nvPr>
         </p:nvSpPr>
         <p:spPr>
           <a:xfrm>
             <a:off x="387900" y="1489824"/>
-            <a:ext cx="8368200" cy="1343100"/>
+            <a:ext cx="8368200" cy="3078900"/>
           </a:xfrm>
           <a:prstGeom prst="rect">
             <a:avLst/>
           </a:prstGeom>
         </p:spPr>
         <p:txBody>
-          <a:bodyPr spcFirstLastPara="1" wrap="square" lIns="91425" tIns="91425" rIns="91425" bIns="91425" anchor="t" anchorCtr="0">
-            <a:normAutofit/>
+          <a:bodyPr anchorCtr="0" anchor="t" bIns="91425" lIns="91425" spcFirstLastPara="1" rIns="91425" wrap="square" tIns="91425">
+            <a:noAutofit/>
           </a:bodyPr>
           <a:lstStyle/>
           <a:p>
-            <a:pPr marL="0" lvl="0" indent="0" algn="l" rtl="0">
-              <a:spcBef>
-                <a:spcPts val="0"/>
-              </a:spcBef>
-              <a:spcAft>
-                <a:spcPts val="1200"/>
+            <a:pPr indent="0" lvl="0" marL="0" rtl="0" algn="l">
+              <a:lnSpc>
+                <a:spcPct val="107916"/>
+              </a:lnSpc>
+              <a:spcBef>
+                <a:spcPts val="0"/>
+              </a:spcBef>
+              <a:spcAft>
+                <a:spcPts val="0"/>
               </a:spcAft>
               <a:buNone/>
             </a:pPr>
             <a:r>
-              <a:rPr lang="en">
-                <a:solidFill>
-                  <a:schemeClr val="lt1"/>
-                </a:solidFill>
+              <a:t/>
+            </a:r>
+            <a:endParaRPr i="1">
+              <a:solidFill>
+                <a:srgbClr val="FF0000"/>
+              </a:solidFill>
+              <a:latin typeface="Calibri"/>
+              <a:ea typeface="Calibri"/>
+              <a:cs typeface="Calibri"/>
+              <a:sym typeface="Calibri"/>
+            </a:endParaRPr>
+          </a:p>
+          <a:p>
+            <a:pPr indent="-342900" lvl="0" marL="457200" rtl="0" algn="l">
+              <a:lnSpc>
+                <a:spcPct val="107916"/>
+              </a:lnSpc>
+              <a:spcBef>
+                <a:spcPts val="0"/>
+              </a:spcBef>
+              <a:spcAft>
+                <a:spcPts val="0"/>
+              </a:spcAft>
+              <a:buSzPts val="1800"/>
+              <a:buFont typeface="Calibri"/>
+              <a:buChar char="●"/>
+            </a:pPr>
+            <a:r>
+              <a:rPr i="1" lang="en">
+                <a:latin typeface="Calibri"/>
+                <a:ea typeface="Calibri"/>
+                <a:cs typeface="Calibri"/>
+                <a:sym typeface="Calibri"/>
               </a:rPr>
-              <a:t>It can be seen that persons with a family history of mental illness are at higher risk of mental illness as most people with mental health challenges seem to also have persons with similar illness in their family history</a:t>
+              <a:t>Of the total 2693 respondents to this question , only 693 feel their employers take mental health as seriously as physical health, 1069 do not know while 931 feel they do not.</a:t>
             </a:r>
-            <a:endParaRPr>
-              <a:solidFill>
-                <a:schemeClr val="lt1"/>
-              </a:solidFill>
+            <a:endParaRPr i="1">
+              <a:latin typeface="Calibri"/>
+              <a:ea typeface="Calibri"/>
+              <a:cs typeface="Calibri"/>
+              <a:sym typeface="Calibri"/>
             </a:endParaRPr>
+          </a:p>
+          <a:p>
+            <a:pPr indent="-342900" lvl="0" marL="457200" rtl="0" algn="l">
+              <a:lnSpc>
+                <a:spcPct val="107916"/>
+              </a:lnSpc>
+              <a:spcBef>
+                <a:spcPts val="0"/>
+              </a:spcBef>
+              <a:spcAft>
+                <a:spcPts val="0"/>
+              </a:spcAft>
+              <a:buSzPts val="1800"/>
+              <a:buFont typeface="Calibri"/>
+              <a:buChar char="●"/>
+            </a:pPr>
+            <a:r>
+              <a:rPr i="1" lang="en">
+                <a:latin typeface="Calibri"/>
+                <a:ea typeface="Calibri"/>
+                <a:cs typeface="Calibri"/>
+                <a:sym typeface="Calibri"/>
+              </a:rPr>
+              <a:t>most employers do not discuss mental health as part of the employee wellness program, as only 229 do out of a total 1260 responses , while 843 do not.</a:t>
+            </a:r>
+            <a:endParaRPr i="1">
+              <a:latin typeface="Calibri"/>
+              <a:ea typeface="Calibri"/>
+              <a:cs typeface="Calibri"/>
+              <a:sym typeface="Calibri"/>
+            </a:endParaRPr>
+          </a:p>
+          <a:p>
+            <a:pPr indent="-342900" lvl="0" marL="457200" rtl="0" algn="l">
+              <a:lnSpc>
+                <a:spcPct val="107916"/>
+              </a:lnSpc>
+              <a:spcBef>
+                <a:spcPts val="0"/>
+              </a:spcBef>
+              <a:spcAft>
+                <a:spcPts val="0"/>
+              </a:spcAft>
+              <a:buSzPts val="1800"/>
+              <a:buFont typeface="Calibri"/>
+              <a:buChar char="●"/>
+            </a:pPr>
+            <a:r>
+              <a:rPr i="1" lang="en">
+                <a:latin typeface="Calibri"/>
+                <a:ea typeface="Calibri"/>
+                <a:cs typeface="Calibri"/>
+                <a:sym typeface="Calibri"/>
+              </a:rPr>
+              <a:t>Furthermore, most responders believe their work colleagues would have a negative perception of them if they know of their mental condition. We can infer that the attitude toward mental health and persons with  mental health disorder in the workplace is poor.   </a:t>
+            </a:r>
+            <a:r>
+              <a:rPr b="1" i="1" lang="en">
+                <a:latin typeface="Calibri"/>
+                <a:ea typeface="Calibri"/>
+                <a:cs typeface="Calibri"/>
+                <a:sym typeface="Calibri"/>
+              </a:rPr>
+              <a:t> </a:t>
+            </a:r>
+            <a:endParaRPr b="1">
+              <a:latin typeface="Calibri"/>
+              <a:ea typeface="Calibri"/>
+              <a:cs typeface="Calibri"/>
+              <a:sym typeface="Calibri"/>
+            </a:endParaRPr>
+          </a:p>
+          <a:p>
+            <a:pPr indent="0" lvl="0" marL="0" rtl="0" algn="l">
+              <a:lnSpc>
+                <a:spcPct val="107916"/>
+              </a:lnSpc>
+              <a:spcBef>
+                <a:spcPts val="0"/>
+              </a:spcBef>
+              <a:spcAft>
+                <a:spcPts val="0"/>
+              </a:spcAft>
+              <a:buNone/>
+            </a:pPr>
+            <a:r>
+              <a:t/>
+            </a:r>
+            <a:endParaRPr b="1">
+              <a:latin typeface="Calibri"/>
+              <a:ea typeface="Calibri"/>
+              <a:cs typeface="Calibri"/>
+              <a:sym typeface="Calibri"/>
+            </a:endParaRPr>
+          </a:p>
+          <a:p>
+            <a:pPr indent="0" lvl="0" marL="0" rtl="0" algn="l">
+              <a:spcBef>
+                <a:spcPts val="0"/>
+              </a:spcBef>
+              <a:spcAft>
+                <a:spcPts val="1200"/>
+              </a:spcAft>
+              <a:buNone/>
+            </a:pPr>
+            <a:r>
+              <a:t/>
+            </a:r>
+            <a:endParaRPr/>
           </a:p>
         </p:txBody>
       </p:sp>
-      <p:pic>
-        <p:nvPicPr>
-          <p:cNvPr id="124" name="Google Shape;124;p21"/>
-          <p:cNvPicPr preferRelativeResize="0"/>
-          <p:nvPr/>
-        </p:nvPicPr>
-        <p:blipFill>
-          <a:blip r:embed="rId3">
-            <a:alphaModFix/>
-          </a:blip>
-          <a:stretch>
-            <a:fillRect/>
-          </a:stretch>
-        </p:blipFill>
-        <p:spPr>
-          <a:xfrm>
-            <a:off x="2965250" y="2734174"/>
-            <a:ext cx="2746619" cy="2005776"/>
-          </a:xfrm>
-          <a:prstGeom prst="rect">
-            <a:avLst/>
-          </a:prstGeom>
-          <a:noFill/>
-          <a:ln>
-            <a:noFill/>
-          </a:ln>
-        </p:spPr>
-      </p:pic>
     </p:spTree>
   </p:cSld>
   <p:clrMapOvr>
@@ -9962,7 +9316,286 @@
 </file>
 
 <file path=ppt/theme/theme1.xml><?xml version="1.0" encoding="utf-8"?>
-<a:theme xmlns:a="http://schemas.openxmlformats.org/drawingml/2006/main" name="Marina">
+<a:theme xmlns:a="http://schemas.openxmlformats.org/drawingml/2006/main" xmlns:r="http://schemas.openxmlformats.org/officeDocument/2006/relationships">
+  <a:themeElements>
+    <a:clrScheme name="Default">
+      <a:dk1>
+        <a:srgbClr val="000000"/>
+      </a:dk1>
+      <a:lt1>
+        <a:srgbClr val="FFFFFF"/>
+      </a:lt1>
+      <a:dk2>
+        <a:srgbClr val="158158"/>
+      </a:dk2>
+      <a:lt2>
+        <a:srgbClr val="F3F3F3"/>
+      </a:lt2>
+      <a:accent1>
+        <a:srgbClr val="058DC7"/>
+      </a:accent1>
+      <a:accent2>
+        <a:srgbClr val="50B432"/>
+      </a:accent2>
+      <a:accent3>
+        <a:srgbClr val="ED561B"/>
+      </a:accent3>
+      <a:accent4>
+        <a:srgbClr val="EDEF00"/>
+      </a:accent4>
+      <a:accent5>
+        <a:srgbClr val="24CBE5"/>
+      </a:accent5>
+      <a:accent6>
+        <a:srgbClr val="64E572"/>
+      </a:accent6>
+      <a:hlink>
+        <a:srgbClr val="2200CC"/>
+      </a:hlink>
+      <a:folHlink>
+        <a:srgbClr val="551A8B"/>
+      </a:folHlink>
+    </a:clrScheme>
+    <a:fontScheme name="Office">
+      <a:majorFont>
+        <a:latin typeface="Arial"/>
+        <a:ea typeface=""/>
+        <a:cs typeface=""/>
+        <a:font script="Jpan" typeface="ＭＳ Ｐゴシック"/>
+        <a:font script="Hang" typeface="맑은 고딕"/>
+        <a:font script="Hans" typeface="宋体"/>
+        <a:font script="Hant" typeface="新細明體"/>
+        <a:font script="Arab" typeface="Times New Roman"/>
+        <a:font script="Hebr" typeface="Times New Roman"/>
+        <a:font script="Thai" typeface="Angsana New"/>
+        <a:font script="Ethi" typeface="Nyala"/>
+        <a:font script="Beng" typeface="Vrinda"/>
+        <a:font script="Gujr" typeface="Shruti"/>
+        <a:font script="Khmr" typeface="MoolBoran"/>
+        <a:font script="Knda" typeface="Tunga"/>
+        <a:font script="Guru" typeface="Raavi"/>
+        <a:font script="Cans" typeface="Euphemia"/>
+        <a:font script="Cher" typeface="Plantagenet Cherokee"/>
+        <a:font script="Yiii" typeface="Microsoft Yi Baiti"/>
+        <a:font script="Tibt" typeface="Microsoft Himalaya"/>
+        <a:font script="Thaa" typeface="MV Boli"/>
+        <a:font script="Deva" typeface="Mangal"/>
+        <a:font script="Telu" typeface="Gautami"/>
+        <a:font script="Taml" typeface="Latha"/>
+        <a:font script="Syrc" typeface="Estrangelo Edessa"/>
+        <a:font script="Orya" typeface="Kalinga"/>
+        <a:font script="Mlym" typeface="Kartika"/>
+        <a:font script="Laoo" typeface="DokChampa"/>
+        <a:font script="Sinh" typeface="Iskoola Pota"/>
+        <a:font script="Mong" typeface="Mongolian Baiti"/>
+        <a:font script="Viet" typeface="Times New Roman"/>
+        <a:font script="Uigh" typeface="Microsoft Uighur"/>
+        <a:font script="Geor" typeface="Sylfaen"/>
+      </a:majorFont>
+      <a:minorFont>
+        <a:latin typeface="Arial"/>
+        <a:ea typeface=""/>
+        <a:cs typeface=""/>
+        <a:font script="Jpan" typeface="ＭＳ Ｐゴシック"/>
+        <a:font script="Hang" typeface="맑은 고딕"/>
+        <a:font script="Hans" typeface="宋体"/>
+        <a:font script="Hant" typeface="新細明體"/>
+        <a:font script="Arab" typeface="Arial"/>
+        <a:font script="Hebr" typeface="Arial"/>
+        <a:font script="Thai" typeface="Cordia New"/>
+        <a:font script="Ethi" typeface="Nyala"/>
+        <a:font script="Beng" typeface="Vrinda"/>
+        <a:font script="Gujr" typeface="Shruti"/>
+        <a:font script="Khmr" typeface="DaunPenh"/>
+        <a:font script="Knda" typeface="Tunga"/>
+        <a:font script="Guru" typeface="Raavi"/>
+        <a:font script="Cans" typeface="Euphemia"/>
+        <a:font script="Cher" typeface="Plantagenet Cherokee"/>
+        <a:font script="Yiii" typeface="Microsoft Yi Baiti"/>
+        <a:font script="Tibt" typeface="Microsoft Himalaya"/>
+        <a:font script="Thaa" typeface="MV Boli"/>
+        <a:font script="Deva" typeface="Mangal"/>
+        <a:font script="Telu" typeface="Gautami"/>
+        <a:font script="Taml" typeface="Latha"/>
+        <a:font script="Syrc" typeface="Estrangelo Edessa"/>
+        <a:font script="Orya" typeface="Kalinga"/>
+        <a:font script="Mlym" typeface="Kartika"/>
+        <a:font script="Laoo" typeface="DokChampa"/>
+        <a:font script="Sinh" typeface="Iskoola Pota"/>
+        <a:font script="Mong" typeface="Mongolian Baiti"/>
+        <a:font script="Viet" typeface="Arial"/>
+        <a:font script="Uigh" typeface="Microsoft Uighur"/>
+        <a:font script="Geor" typeface="Sylfaen"/>
+      </a:minorFont>
+    </a:fontScheme>
+    <a:fmtScheme name="Office">
+      <a:fillStyleLst>
+        <a:solidFill>
+          <a:schemeClr val="phClr"/>
+        </a:solidFill>
+        <a:gradFill rotWithShape="1">
+          <a:gsLst>
+            <a:gs pos="0">
+              <a:schemeClr val="phClr">
+                <a:tint val="50000"/>
+                <a:satMod val="300000"/>
+              </a:schemeClr>
+            </a:gs>
+            <a:gs pos="35000">
+              <a:schemeClr val="phClr">
+                <a:tint val="37000"/>
+                <a:satMod val="300000"/>
+              </a:schemeClr>
+            </a:gs>
+            <a:gs pos="100000">
+              <a:schemeClr val="phClr">
+                <a:tint val="15000"/>
+                <a:satMod val="350000"/>
+              </a:schemeClr>
+            </a:gs>
+          </a:gsLst>
+          <a:lin ang="16200000" scaled="1"/>
+        </a:gradFill>
+        <a:gradFill rotWithShape="1">
+          <a:gsLst>
+            <a:gs pos="0">
+              <a:schemeClr val="phClr">
+                <a:tint val="100000"/>
+                <a:shade val="100000"/>
+                <a:satMod val="130000"/>
+              </a:schemeClr>
+            </a:gs>
+            <a:gs pos="100000">
+              <a:schemeClr val="phClr">
+                <a:tint val="50000"/>
+                <a:shade val="100000"/>
+                <a:satMod val="350000"/>
+              </a:schemeClr>
+            </a:gs>
+          </a:gsLst>
+          <a:lin ang="16200000" scaled="0"/>
+        </a:gradFill>
+      </a:fillStyleLst>
+      <a:lnStyleLst>
+        <a:ln w="9525" cap="flat" cmpd="sng" algn="ctr">
+          <a:solidFill>
+            <a:schemeClr val="phClr">
+              <a:shade val="95000"/>
+              <a:satMod val="105000"/>
+            </a:schemeClr>
+          </a:solidFill>
+          <a:prstDash val="solid"/>
+        </a:ln>
+        <a:ln w="25400" cap="flat" cmpd="sng" algn="ctr">
+          <a:solidFill>
+            <a:schemeClr val="phClr"/>
+          </a:solidFill>
+          <a:prstDash val="solid"/>
+        </a:ln>
+        <a:ln w="38100" cap="flat" cmpd="sng" algn="ctr">
+          <a:solidFill>
+            <a:schemeClr val="phClr"/>
+          </a:solidFill>
+          <a:prstDash val="solid"/>
+        </a:ln>
+      </a:lnStyleLst>
+      <a:effectStyleLst>
+        <a:effectStyle>
+          <a:effectLst>
+            <a:outerShdw blurRad="40000" dist="20000" dir="5400000" rotWithShape="0">
+              <a:srgbClr val="000000">
+                <a:alpha val="38000"/>
+              </a:srgbClr>
+            </a:outerShdw>
+          </a:effectLst>
+        </a:effectStyle>
+        <a:effectStyle>
+          <a:effectLst>
+            <a:outerShdw blurRad="40000" dist="23000" dir="5400000" rotWithShape="0">
+              <a:srgbClr val="000000">
+                <a:alpha val="35000"/>
+              </a:srgbClr>
+            </a:outerShdw>
+          </a:effectLst>
+        </a:effectStyle>
+        <a:effectStyle>
+          <a:effectLst>
+            <a:outerShdw blurRad="40000" dist="23000" dir="5400000" rotWithShape="0">
+              <a:srgbClr val="000000">
+                <a:alpha val="35000"/>
+              </a:srgbClr>
+            </a:outerShdw>
+          </a:effectLst>
+          <a:scene3d>
+            <a:camera prst="orthographicFront">
+              <a:rot lat="0" lon="0" rev="0"/>
+            </a:camera>
+            <a:lightRig rig="threePt" dir="t">
+              <a:rot lat="0" lon="0" rev="1200000"/>
+            </a:lightRig>
+          </a:scene3d>
+          <a:sp3d>
+            <a:bevelT w="63500" h="25400"/>
+          </a:sp3d>
+        </a:effectStyle>
+      </a:effectStyleLst>
+      <a:bgFillStyleLst>
+        <a:solidFill>
+          <a:schemeClr val="phClr"/>
+        </a:solidFill>
+        <a:gradFill rotWithShape="1">
+          <a:gsLst>
+            <a:gs pos="0">
+              <a:schemeClr val="phClr">
+                <a:tint val="40000"/>
+                <a:satMod val="350000"/>
+              </a:schemeClr>
+            </a:gs>
+            <a:gs pos="40000">
+              <a:schemeClr val="phClr">
+                <a:tint val="45000"/>
+                <a:shade val="99000"/>
+                <a:satMod val="350000"/>
+              </a:schemeClr>
+            </a:gs>
+            <a:gs pos="100000">
+              <a:schemeClr val="phClr">
+                <a:shade val="20000"/>
+                <a:satMod val="255000"/>
+              </a:schemeClr>
+            </a:gs>
+          </a:gsLst>
+          <a:path path="circle">
+            <a:fillToRect l="50000" t="-80000" r="50000" b="180000"/>
+          </a:path>
+        </a:gradFill>
+        <a:gradFill rotWithShape="1">
+          <a:gsLst>
+            <a:gs pos="0">
+              <a:schemeClr val="phClr">
+                <a:tint val="80000"/>
+                <a:satMod val="300000"/>
+              </a:schemeClr>
+            </a:gs>
+            <a:gs pos="100000">
+              <a:schemeClr val="phClr">
+                <a:shade val="30000"/>
+                <a:satMod val="200000"/>
+              </a:schemeClr>
+            </a:gs>
+          </a:gsLst>
+          <a:path path="circle">
+            <a:fillToRect l="50000" t="50000" r="50000" b="50000"/>
+          </a:path>
+        </a:gradFill>
+      </a:bgFillStyleLst>
+    </a:fmtScheme>
+  </a:themeElements>
+</a:theme>
+</file>
+
+<file path=ppt/theme/theme2.xml><?xml version="1.0" encoding="utf-8"?>
+<a:theme xmlns:a="http://schemas.openxmlformats.org/drawingml/2006/main" xmlns:r="http://schemas.openxmlformats.org/officeDocument/2006/relationships" name="Marina">
   <a:themeElements>
     <a:clrScheme name="Marina">
       <a:dk1>
@@ -10237,288 +9870,5 @@
       </a:bgFillStyleLst>
     </a:fmtScheme>
   </a:themeElements>
-  <a:objectDefaults/>
-  <a:extraClrSchemeLst/>
-</a:theme>
-</file>
-
-<file path=ppt/theme/theme2.xml><?xml version="1.0" encoding="utf-8"?>
-<a:theme xmlns:a="http://schemas.openxmlformats.org/drawingml/2006/main">
-  <a:themeElements>
-    <a:clrScheme name="Default">
-      <a:dk1>
-        <a:srgbClr val="000000"/>
-      </a:dk1>
-      <a:lt1>
-        <a:srgbClr val="FFFFFF"/>
-      </a:lt1>
-      <a:dk2>
-        <a:srgbClr val="158158"/>
-      </a:dk2>
-      <a:lt2>
-        <a:srgbClr val="F3F3F3"/>
-      </a:lt2>
-      <a:accent1>
-        <a:srgbClr val="058DC7"/>
-      </a:accent1>
-      <a:accent2>
-        <a:srgbClr val="50B432"/>
-      </a:accent2>
-      <a:accent3>
-        <a:srgbClr val="ED561B"/>
-      </a:accent3>
-      <a:accent4>
-        <a:srgbClr val="EDEF00"/>
-      </a:accent4>
-      <a:accent5>
-        <a:srgbClr val="24CBE5"/>
-      </a:accent5>
-      <a:accent6>
-        <a:srgbClr val="64E572"/>
-      </a:accent6>
-      <a:hlink>
-        <a:srgbClr val="2200CC"/>
-      </a:hlink>
-      <a:folHlink>
-        <a:srgbClr val="551A8B"/>
-      </a:folHlink>
-    </a:clrScheme>
-    <a:fontScheme name="Office">
-      <a:majorFont>
-        <a:latin typeface="Arial"/>
-        <a:ea typeface=""/>
-        <a:cs typeface=""/>
-        <a:font script="Jpan" typeface="ＭＳ Ｐゴシック"/>
-        <a:font script="Hang" typeface="맑은 고딕"/>
-        <a:font script="Hans" typeface="宋体"/>
-        <a:font script="Hant" typeface="新細明體"/>
-        <a:font script="Arab" typeface="Times New Roman"/>
-        <a:font script="Hebr" typeface="Times New Roman"/>
-        <a:font script="Thai" typeface="Angsana New"/>
-        <a:font script="Ethi" typeface="Nyala"/>
-        <a:font script="Beng" typeface="Vrinda"/>
-        <a:font script="Gujr" typeface="Shruti"/>
-        <a:font script="Khmr" typeface="MoolBoran"/>
-        <a:font script="Knda" typeface="Tunga"/>
-        <a:font script="Guru" typeface="Raavi"/>
-        <a:font script="Cans" typeface="Euphemia"/>
-        <a:font script="Cher" typeface="Plantagenet Cherokee"/>
-        <a:font script="Yiii" typeface="Microsoft Yi Baiti"/>
-        <a:font script="Tibt" typeface="Microsoft Himalaya"/>
-        <a:font script="Thaa" typeface="MV Boli"/>
-        <a:font script="Deva" typeface="Mangal"/>
-        <a:font script="Telu" typeface="Gautami"/>
-        <a:font script="Taml" typeface="Latha"/>
-        <a:font script="Syrc" typeface="Estrangelo Edessa"/>
-        <a:font script="Orya" typeface="Kalinga"/>
-        <a:font script="Mlym" typeface="Kartika"/>
-        <a:font script="Laoo" typeface="DokChampa"/>
-        <a:font script="Sinh" typeface="Iskoola Pota"/>
-        <a:font script="Mong" typeface="Mongolian Baiti"/>
-        <a:font script="Viet" typeface="Times New Roman"/>
-        <a:font script="Uigh" typeface="Microsoft Uighur"/>
-        <a:font script="Geor" typeface="Sylfaen"/>
-      </a:majorFont>
-      <a:minorFont>
-        <a:latin typeface="Arial"/>
-        <a:ea typeface=""/>
-        <a:cs typeface=""/>
-        <a:font script="Jpan" typeface="ＭＳ Ｐゴシック"/>
-        <a:font script="Hang" typeface="맑은 고딕"/>
-        <a:font script="Hans" typeface="宋体"/>
-        <a:font script="Hant" typeface="新細明體"/>
-        <a:font script="Arab" typeface="Arial"/>
-        <a:font script="Hebr" typeface="Arial"/>
-        <a:font script="Thai" typeface="Cordia New"/>
-        <a:font script="Ethi" typeface="Nyala"/>
-        <a:font script="Beng" typeface="Vrinda"/>
-        <a:font script="Gujr" typeface="Shruti"/>
-        <a:font script="Khmr" typeface="DaunPenh"/>
-        <a:font script="Knda" typeface="Tunga"/>
-        <a:font script="Guru" typeface="Raavi"/>
-        <a:font script="Cans" typeface="Euphemia"/>
-        <a:font script="Cher" typeface="Plantagenet Cherokee"/>
-        <a:font script="Yiii" typeface="Microsoft Yi Baiti"/>
-        <a:font script="Tibt" typeface="Microsoft Himalaya"/>
-        <a:font script="Thaa" typeface="MV Boli"/>
-        <a:font script="Deva" typeface="Mangal"/>
-        <a:font script="Telu" typeface="Gautami"/>
-        <a:font script="Taml" typeface="Latha"/>
-        <a:font script="Syrc" typeface="Estrangelo Edessa"/>
-        <a:font script="Orya" typeface="Kalinga"/>
-        <a:font script="Mlym" typeface="Kartika"/>
-        <a:font script="Laoo" typeface="DokChampa"/>
-        <a:font script="Sinh" typeface="Iskoola Pota"/>
-        <a:font script="Mong" typeface="Mongolian Baiti"/>
-        <a:font script="Viet" typeface="Arial"/>
-        <a:font script="Uigh" typeface="Microsoft Uighur"/>
-        <a:font script="Geor" typeface="Sylfaen"/>
-      </a:minorFont>
-    </a:fontScheme>
-    <a:fmtScheme name="Office">
-      <a:fillStyleLst>
-        <a:solidFill>
-          <a:schemeClr val="phClr"/>
-        </a:solidFill>
-        <a:gradFill rotWithShape="1">
-          <a:gsLst>
-            <a:gs pos="0">
-              <a:schemeClr val="phClr">
-                <a:tint val="50000"/>
-                <a:satMod val="300000"/>
-              </a:schemeClr>
-            </a:gs>
-            <a:gs pos="35000">
-              <a:schemeClr val="phClr">
-                <a:tint val="37000"/>
-                <a:satMod val="300000"/>
-              </a:schemeClr>
-            </a:gs>
-            <a:gs pos="100000">
-              <a:schemeClr val="phClr">
-                <a:tint val="15000"/>
-                <a:satMod val="350000"/>
-              </a:schemeClr>
-            </a:gs>
-          </a:gsLst>
-          <a:lin ang="16200000" scaled="1"/>
-        </a:gradFill>
-        <a:gradFill rotWithShape="1">
-          <a:gsLst>
-            <a:gs pos="0">
-              <a:schemeClr val="phClr">
-                <a:tint val="100000"/>
-                <a:shade val="100000"/>
-                <a:satMod val="130000"/>
-              </a:schemeClr>
-            </a:gs>
-            <a:gs pos="100000">
-              <a:schemeClr val="phClr">
-                <a:tint val="50000"/>
-                <a:shade val="100000"/>
-                <a:satMod val="350000"/>
-              </a:schemeClr>
-            </a:gs>
-          </a:gsLst>
-          <a:lin ang="16200000" scaled="0"/>
-        </a:gradFill>
-      </a:fillStyleLst>
-      <a:lnStyleLst>
-        <a:ln w="9525" cap="flat" cmpd="sng" algn="ctr">
-          <a:solidFill>
-            <a:schemeClr val="phClr">
-              <a:shade val="95000"/>
-              <a:satMod val="105000"/>
-            </a:schemeClr>
-          </a:solidFill>
-          <a:prstDash val="solid"/>
-        </a:ln>
-        <a:ln w="25400" cap="flat" cmpd="sng" algn="ctr">
-          <a:solidFill>
-            <a:schemeClr val="phClr"/>
-          </a:solidFill>
-          <a:prstDash val="solid"/>
-        </a:ln>
-        <a:ln w="38100" cap="flat" cmpd="sng" algn="ctr">
-          <a:solidFill>
-            <a:schemeClr val="phClr"/>
-          </a:solidFill>
-          <a:prstDash val="solid"/>
-        </a:ln>
-      </a:lnStyleLst>
-      <a:effectStyleLst>
-        <a:effectStyle>
-          <a:effectLst>
-            <a:outerShdw blurRad="40000" dist="20000" dir="5400000" rotWithShape="0">
-              <a:srgbClr val="000000">
-                <a:alpha val="38000"/>
-              </a:srgbClr>
-            </a:outerShdw>
-          </a:effectLst>
-        </a:effectStyle>
-        <a:effectStyle>
-          <a:effectLst>
-            <a:outerShdw blurRad="40000" dist="23000" dir="5400000" rotWithShape="0">
-              <a:srgbClr val="000000">
-                <a:alpha val="35000"/>
-              </a:srgbClr>
-            </a:outerShdw>
-          </a:effectLst>
-        </a:effectStyle>
-        <a:effectStyle>
-          <a:effectLst>
-            <a:outerShdw blurRad="40000" dist="23000" dir="5400000" rotWithShape="0">
-              <a:srgbClr val="000000">
-                <a:alpha val="35000"/>
-              </a:srgbClr>
-            </a:outerShdw>
-          </a:effectLst>
-          <a:scene3d>
-            <a:camera prst="orthographicFront">
-              <a:rot lat="0" lon="0" rev="0"/>
-            </a:camera>
-            <a:lightRig rig="threePt" dir="t">
-              <a:rot lat="0" lon="0" rev="1200000"/>
-            </a:lightRig>
-          </a:scene3d>
-          <a:sp3d>
-            <a:bevelT w="63500" h="25400"/>
-          </a:sp3d>
-        </a:effectStyle>
-      </a:effectStyleLst>
-      <a:bgFillStyleLst>
-        <a:solidFill>
-          <a:schemeClr val="phClr"/>
-        </a:solidFill>
-        <a:gradFill rotWithShape="1">
-          <a:gsLst>
-            <a:gs pos="0">
-              <a:schemeClr val="phClr">
-                <a:tint val="40000"/>
-                <a:satMod val="350000"/>
-              </a:schemeClr>
-            </a:gs>
-            <a:gs pos="40000">
-              <a:schemeClr val="phClr">
-                <a:tint val="45000"/>
-                <a:shade val="99000"/>
-                <a:satMod val="350000"/>
-              </a:schemeClr>
-            </a:gs>
-            <a:gs pos="100000">
-              <a:schemeClr val="phClr">
-                <a:shade val="20000"/>
-                <a:satMod val="255000"/>
-              </a:schemeClr>
-            </a:gs>
-          </a:gsLst>
-          <a:path path="circle">
-            <a:fillToRect l="50000" t="-80000" r="50000" b="180000"/>
-          </a:path>
-        </a:gradFill>
-        <a:gradFill rotWithShape="1">
-          <a:gsLst>
-            <a:gs pos="0">
-              <a:schemeClr val="phClr">
-                <a:tint val="80000"/>
-                <a:satMod val="300000"/>
-              </a:schemeClr>
-            </a:gs>
-            <a:gs pos="100000">
-              <a:schemeClr val="phClr">
-                <a:shade val="30000"/>
-                <a:satMod val="200000"/>
-              </a:schemeClr>
-            </a:gs>
-          </a:gsLst>
-          <a:path path="circle">
-            <a:fillToRect l="50000" t="50000" r="50000" b="50000"/>
-          </a:path>
-        </a:gradFill>
-      </a:bgFillStyleLst>
-    </a:fmtScheme>
-  </a:themeElements>
-  <a:objectDefaults/>
-  <a:extraClrSchemeLst/>
 </a:theme>
 </file>